--- a/figures/figure2/figure2.pptx
+++ b/figures/figure2/figure2.pptx
@@ -3024,7 +3024,7 @@
         </p:blipFill>
         <p:spPr>
           <a:xfrm>
-            <a:off x="0" y="4856480"/>
+            <a:off x="0" y="5123180"/>
             <a:ext cx="3840480" cy="2743200"/>
           </a:xfrm>
           <a:prstGeom prst="rect">
@@ -3062,6 +3062,432 @@
           </a:prstGeom>
         </p:spPr>
       </p:pic>
+      <p:pic>
+        <p:nvPicPr>
+          <p:cNvPr id="19" name="Graphic 18">
+            <a:extLst>
+              <a:ext uri="{FF2B5EF4-FFF2-40B4-BE49-F238E27FC236}">
+                <a16:creationId xmlns:a16="http://schemas.microsoft.com/office/drawing/2014/main" id="{89CAE0A6-66C4-384D-9A4E-368E31DE38E6}"/>
+              </a:ext>
+            </a:extLst>
+          </p:cNvPr>
+          <p:cNvPicPr>
+            <a:picLocks noChangeAspect="1"/>
+          </p:cNvPicPr>
+          <p:nvPr/>
+        </p:nvPicPr>
+        <p:blipFill>
+          <a:blip r:embed="rId6">
+            <a:extLst>
+              <a:ext uri="{96DAC541-7B7A-43D3-8B79-37D633B846F1}">
+                <asvg:svgBlip xmlns:asvg="http://schemas.microsoft.com/office/drawing/2016/SVG/main" r:embed="rId7"/>
+              </a:ext>
+            </a:extLst>
+          </a:blip>
+          <a:stretch>
+            <a:fillRect/>
+          </a:stretch>
+        </p:blipFill>
+        <p:spPr>
+          <a:xfrm>
+            <a:off x="0" y="8446696"/>
+            <a:ext cx="3840480" cy="2743200"/>
+          </a:xfrm>
+          <a:prstGeom prst="rect">
+            <a:avLst/>
+          </a:prstGeom>
+        </p:spPr>
+      </p:pic>
+      <p:pic>
+        <p:nvPicPr>
+          <p:cNvPr id="20" name="Picture 19">
+            <a:extLst>
+              <a:ext uri="{FF2B5EF4-FFF2-40B4-BE49-F238E27FC236}">
+                <a16:creationId xmlns:a16="http://schemas.microsoft.com/office/drawing/2014/main" id="{BB36B237-683F-C746-B544-8CD0F747106F}"/>
+              </a:ext>
+            </a:extLst>
+          </p:cNvPr>
+          <p:cNvPicPr>
+            <a:picLocks noChangeAspect="1"/>
+          </p:cNvPicPr>
+          <p:nvPr/>
+        </p:nvPicPr>
+        <p:blipFill>
+          <a:blip r:embed="rId8"/>
+          <a:stretch>
+            <a:fillRect/>
+          </a:stretch>
+        </p:blipFill>
+        <p:spPr>
+          <a:xfrm>
+            <a:off x="1231652" y="1055145"/>
+            <a:ext cx="1517799" cy="709406"/>
+          </a:xfrm>
+          <a:prstGeom prst="rect">
+            <a:avLst/>
+          </a:prstGeom>
+        </p:spPr>
+      </p:pic>
+      <p:sp>
+        <p:nvSpPr>
+          <p:cNvPr id="21" name="TextBox 20">
+            <a:extLst>
+              <a:ext uri="{FF2B5EF4-FFF2-40B4-BE49-F238E27FC236}">
+                <a16:creationId xmlns:a16="http://schemas.microsoft.com/office/drawing/2014/main" id="{78FD9455-0BCD-A940-BEFA-1988FB20B9C0}"/>
+              </a:ext>
+            </a:extLst>
+          </p:cNvPr>
+          <p:cNvSpPr txBox="1"/>
+          <p:nvPr/>
+        </p:nvSpPr>
+        <p:spPr>
+          <a:xfrm>
+            <a:off x="533400" y="469900"/>
+            <a:ext cx="317716" cy="369332"/>
+          </a:xfrm>
+          <a:prstGeom prst="rect">
+            <a:avLst/>
+          </a:prstGeom>
+          <a:noFill/>
+        </p:spPr>
+        <p:txBody>
+          <a:bodyPr wrap="none" rtlCol="0">
+            <a:spAutoFit/>
+          </a:bodyPr>
+          <a:lstStyle/>
+          <a:p>
+            <a:r>
+              <a:rPr lang="en-US" i="1" dirty="0"/>
+              <a:t>A</a:t>
+            </a:r>
+          </a:p>
+        </p:txBody>
+      </p:sp>
+      <p:sp>
+        <p:nvSpPr>
+          <p:cNvPr id="22" name="TextBox 21">
+            <a:extLst>
+              <a:ext uri="{FF2B5EF4-FFF2-40B4-BE49-F238E27FC236}">
+                <a16:creationId xmlns:a16="http://schemas.microsoft.com/office/drawing/2014/main" id="{6E173A80-7693-0340-951E-6FF4CA1885A7}"/>
+              </a:ext>
+            </a:extLst>
+          </p:cNvPr>
+          <p:cNvSpPr txBox="1"/>
+          <p:nvPr/>
+        </p:nvSpPr>
+        <p:spPr>
+          <a:xfrm>
+            <a:off x="1076802" y="292100"/>
+            <a:ext cx="309700" cy="369332"/>
+          </a:xfrm>
+          <a:prstGeom prst="rect">
+            <a:avLst/>
+          </a:prstGeom>
+          <a:noFill/>
+        </p:spPr>
+        <p:txBody>
+          <a:bodyPr wrap="none" rtlCol="0">
+            <a:spAutoFit/>
+          </a:bodyPr>
+          <a:lstStyle/>
+          <a:p>
+            <a:r>
+              <a:rPr lang="en-US" i="1" dirty="0"/>
+              <a:t>B</a:t>
+            </a:r>
+          </a:p>
+        </p:txBody>
+      </p:sp>
+      <p:sp>
+        <p:nvSpPr>
+          <p:cNvPr id="23" name="TextBox 22">
+            <a:extLst>
+              <a:ext uri="{FF2B5EF4-FFF2-40B4-BE49-F238E27FC236}">
+                <a16:creationId xmlns:a16="http://schemas.microsoft.com/office/drawing/2014/main" id="{EC46F46C-A4A5-AD4D-8BF7-10E030F323D2}"/>
+              </a:ext>
+            </a:extLst>
+          </p:cNvPr>
+          <p:cNvSpPr txBox="1"/>
+          <p:nvPr/>
+        </p:nvSpPr>
+        <p:spPr>
+          <a:xfrm>
+            <a:off x="1620204" y="114300"/>
+            <a:ext cx="304892" cy="369332"/>
+          </a:xfrm>
+          <a:prstGeom prst="rect">
+            <a:avLst/>
+          </a:prstGeom>
+          <a:noFill/>
+        </p:spPr>
+        <p:txBody>
+          <a:bodyPr wrap="none" rtlCol="0">
+            <a:spAutoFit/>
+          </a:bodyPr>
+          <a:lstStyle/>
+          <a:p>
+            <a:r>
+              <a:rPr lang="en-US" i="1" dirty="0"/>
+              <a:t>C</a:t>
+            </a:r>
+          </a:p>
+        </p:txBody>
+      </p:sp>
+      <p:sp>
+        <p:nvSpPr>
+          <p:cNvPr id="24" name="TextBox 23">
+            <a:extLst>
+              <a:ext uri="{FF2B5EF4-FFF2-40B4-BE49-F238E27FC236}">
+                <a16:creationId xmlns:a16="http://schemas.microsoft.com/office/drawing/2014/main" id="{AE4107B1-CCEA-0843-8CEC-95FE8F0AE7C5}"/>
+              </a:ext>
+            </a:extLst>
+          </p:cNvPr>
+          <p:cNvSpPr txBox="1"/>
+          <p:nvPr/>
+        </p:nvSpPr>
+        <p:spPr>
+          <a:xfrm>
+            <a:off x="2165085" y="586155"/>
+            <a:ext cx="327334" cy="369332"/>
+          </a:xfrm>
+          <a:prstGeom prst="rect">
+            <a:avLst/>
+          </a:prstGeom>
+          <a:noFill/>
+        </p:spPr>
+        <p:txBody>
+          <a:bodyPr wrap="none" rtlCol="0">
+            <a:spAutoFit/>
+          </a:bodyPr>
+          <a:lstStyle/>
+          <a:p>
+            <a:pPr algn="ctr"/>
+            <a:r>
+              <a:rPr lang="en-US" i="1" dirty="0"/>
+              <a:t>D</a:t>
+            </a:r>
+          </a:p>
+        </p:txBody>
+      </p:sp>
+      <p:sp>
+        <p:nvSpPr>
+          <p:cNvPr id="25" name="TextBox 24">
+            <a:extLst>
+              <a:ext uri="{FF2B5EF4-FFF2-40B4-BE49-F238E27FC236}">
+                <a16:creationId xmlns:a16="http://schemas.microsoft.com/office/drawing/2014/main" id="{26B19FAD-C2CD-CA4F-B359-369AD339295F}"/>
+              </a:ext>
+            </a:extLst>
+          </p:cNvPr>
+          <p:cNvSpPr txBox="1"/>
+          <p:nvPr/>
+        </p:nvSpPr>
+        <p:spPr>
+          <a:xfrm>
+            <a:off x="2749451" y="486497"/>
+            <a:ext cx="296876" cy="369332"/>
+          </a:xfrm>
+          <a:prstGeom prst="rect">
+            <a:avLst/>
+          </a:prstGeom>
+          <a:noFill/>
+        </p:spPr>
+        <p:txBody>
+          <a:bodyPr wrap="none" rtlCol="0">
+            <a:spAutoFit/>
+          </a:bodyPr>
+          <a:lstStyle/>
+          <a:p>
+            <a:pPr algn="ctr"/>
+            <a:r>
+              <a:rPr lang="en-US" i="1" dirty="0"/>
+              <a:t>E</a:t>
+            </a:r>
+          </a:p>
+        </p:txBody>
+      </p:sp>
+      <p:sp>
+        <p:nvSpPr>
+          <p:cNvPr id="26" name="TextBox 25">
+            <a:extLst>
+              <a:ext uri="{FF2B5EF4-FFF2-40B4-BE49-F238E27FC236}">
+                <a16:creationId xmlns:a16="http://schemas.microsoft.com/office/drawing/2014/main" id="{54912828-1C7B-A34A-815A-D78D49EFA552}"/>
+              </a:ext>
+            </a:extLst>
+          </p:cNvPr>
+          <p:cNvSpPr txBox="1"/>
+          <p:nvPr/>
+        </p:nvSpPr>
+        <p:spPr>
+          <a:xfrm>
+            <a:off x="3337023" y="386839"/>
+            <a:ext cx="290464" cy="369332"/>
+          </a:xfrm>
+          <a:prstGeom prst="rect">
+            <a:avLst/>
+          </a:prstGeom>
+          <a:noFill/>
+        </p:spPr>
+        <p:txBody>
+          <a:bodyPr wrap="none" rtlCol="0">
+            <a:spAutoFit/>
+          </a:bodyPr>
+          <a:lstStyle/>
+          <a:p>
+            <a:pPr algn="ctr"/>
+            <a:r>
+              <a:rPr lang="en-US" i="1" dirty="0"/>
+              <a:t>F</a:t>
+            </a:r>
+          </a:p>
+        </p:txBody>
+      </p:sp>
+      <p:sp>
+        <p:nvSpPr>
+          <p:cNvPr id="27" name="TextBox 26">
+            <a:extLst>
+              <a:ext uri="{FF2B5EF4-FFF2-40B4-BE49-F238E27FC236}">
+                <a16:creationId xmlns:a16="http://schemas.microsoft.com/office/drawing/2014/main" id="{898E3C13-BAE9-894B-95B6-32C06DEE5B06}"/>
+              </a:ext>
+            </a:extLst>
+          </p:cNvPr>
+          <p:cNvSpPr txBox="1"/>
+          <p:nvPr/>
+        </p:nvSpPr>
+        <p:spPr>
+          <a:xfrm>
+            <a:off x="3124968" y="813591"/>
+            <a:ext cx="292068" cy="369332"/>
+          </a:xfrm>
+          <a:prstGeom prst="rect">
+            <a:avLst/>
+          </a:prstGeom>
+          <a:noFill/>
+        </p:spPr>
+        <p:txBody>
+          <a:bodyPr wrap="none" rtlCol="0">
+            <a:spAutoFit/>
+          </a:bodyPr>
+          <a:lstStyle/>
+          <a:p>
+            <a:pPr algn="ctr"/>
+            <a:r>
+              <a:rPr lang="en-US" i="1" dirty="0"/>
+              <a:t>Z</a:t>
+            </a:r>
+          </a:p>
+        </p:txBody>
+      </p:sp>
+      <p:sp>
+        <p:nvSpPr>
+          <p:cNvPr id="28" name="TextBox 27">
+            <a:extLst>
+              <a:ext uri="{FF2B5EF4-FFF2-40B4-BE49-F238E27FC236}">
+                <a16:creationId xmlns:a16="http://schemas.microsoft.com/office/drawing/2014/main" id="{1244853C-244B-D94F-A856-17BCA27DFFFF}"/>
+              </a:ext>
+            </a:extLst>
+          </p:cNvPr>
+          <p:cNvSpPr txBox="1"/>
+          <p:nvPr/>
+        </p:nvSpPr>
+        <p:spPr>
+          <a:xfrm>
+            <a:off x="2309766" y="159921"/>
+            <a:ext cx="296876" cy="369332"/>
+          </a:xfrm>
+          <a:prstGeom prst="rect">
+            <a:avLst/>
+          </a:prstGeom>
+          <a:noFill/>
+        </p:spPr>
+        <p:txBody>
+          <a:bodyPr wrap="none" rtlCol="0">
+            <a:spAutoFit/>
+          </a:bodyPr>
+          <a:lstStyle/>
+          <a:p>
+            <a:pPr algn="ctr"/>
+            <a:r>
+              <a:rPr lang="en-US" i="1" dirty="0"/>
+              <a:t>T</a:t>
+            </a:r>
+          </a:p>
+        </p:txBody>
+      </p:sp>
+      <p:sp>
+        <p:nvSpPr>
+          <p:cNvPr id="29" name="TextBox 28">
+            <a:extLst>
+              <a:ext uri="{FF2B5EF4-FFF2-40B4-BE49-F238E27FC236}">
+                <a16:creationId xmlns:a16="http://schemas.microsoft.com/office/drawing/2014/main" id="{25E67439-F88F-5447-AD6A-EE58AA3EDC48}"/>
+              </a:ext>
+            </a:extLst>
+          </p:cNvPr>
+          <p:cNvSpPr txBox="1"/>
+          <p:nvPr/>
+        </p:nvSpPr>
+        <p:spPr>
+          <a:xfrm>
+            <a:off x="1373559" y="519305"/>
+            <a:ext cx="396262" cy="369332"/>
+          </a:xfrm>
+          <a:prstGeom prst="rect">
+            <a:avLst/>
+          </a:prstGeom>
+          <a:noFill/>
+        </p:spPr>
+        <p:txBody>
+          <a:bodyPr wrap="none" rtlCol="0">
+            <a:spAutoFit/>
+          </a:bodyPr>
+          <a:lstStyle/>
+          <a:p>
+            <a:r>
+              <a:rPr lang="en-US" i="1" dirty="0"/>
+              <a:t>A</a:t>
+            </a:r>
+            <a:r>
+              <a:rPr lang="en-US" i="1" baseline="-25000" dirty="0"/>
+              <a:t>1</a:t>
+            </a:r>
+            <a:endParaRPr lang="en-US" i="1" dirty="0"/>
+          </a:p>
+        </p:txBody>
+      </p:sp>
+      <p:sp>
+        <p:nvSpPr>
+          <p:cNvPr id="30" name="TextBox 29">
+            <a:extLst>
+              <a:ext uri="{FF2B5EF4-FFF2-40B4-BE49-F238E27FC236}">
+                <a16:creationId xmlns:a16="http://schemas.microsoft.com/office/drawing/2014/main" id="{325DD52F-41E2-5349-AFD3-ED0957B26579}"/>
+              </a:ext>
+            </a:extLst>
+          </p:cNvPr>
+          <p:cNvSpPr txBox="1"/>
+          <p:nvPr/>
+        </p:nvSpPr>
+        <p:spPr>
+          <a:xfrm>
+            <a:off x="729617" y="100568"/>
+            <a:ext cx="304892" cy="369332"/>
+          </a:xfrm>
+          <a:prstGeom prst="rect">
+            <a:avLst/>
+          </a:prstGeom>
+          <a:noFill/>
+        </p:spPr>
+        <p:txBody>
+          <a:bodyPr wrap="none" rtlCol="0">
+            <a:spAutoFit/>
+          </a:bodyPr>
+          <a:lstStyle/>
+          <a:p>
+            <a:r>
+              <a:rPr lang="en-US" i="1" dirty="0"/>
+              <a:t>X</a:t>
+            </a:r>
+          </a:p>
+        </p:txBody>
+      </p:sp>
     </p:spTree>
     <p:extLst>
       <p:ext uri="{BB962C8B-B14F-4D97-AF65-F5344CB8AC3E}">

--- a/figures/figure2/figure2.pptx
+++ b/figures/figure2/figure2.pptx
@@ -2968,36 +2968,6 @@
       </p:grpSpPr>
       <p:pic>
         <p:nvPicPr>
-          <p:cNvPr id="5" name="Picture 4">
-            <a:extLst>
-              <a:ext uri="{FF2B5EF4-FFF2-40B4-BE49-F238E27FC236}">
-                <a16:creationId xmlns:a16="http://schemas.microsoft.com/office/drawing/2014/main" id="{6C51D949-B158-2346-9CE4-AEE8E8E6ED76}"/>
-              </a:ext>
-            </a:extLst>
-          </p:cNvPr>
-          <p:cNvPicPr>
-            <a:picLocks noChangeAspect="1"/>
-          </p:cNvPicPr>
-          <p:nvPr/>
-        </p:nvPicPr>
-        <p:blipFill>
-          <a:blip r:embed="rId2"/>
-          <a:stretch>
-            <a:fillRect/>
-          </a:stretch>
-        </p:blipFill>
-        <p:spPr>
-          <a:xfrm>
-            <a:off x="0" y="1913964"/>
-            <a:ext cx="3840480" cy="2743200"/>
-          </a:xfrm>
-          <a:prstGeom prst="rect">
-            <a:avLst/>
-          </a:prstGeom>
-        </p:spPr>
-      </p:pic>
-      <p:pic>
-        <p:nvPicPr>
           <p:cNvPr id="15" name="Graphic 14">
             <a:extLst>
               <a:ext uri="{FF2B5EF4-FFF2-40B4-BE49-F238E27FC236}">
@@ -3011,10 +2981,10 @@
           <p:nvPr/>
         </p:nvPicPr>
         <p:blipFill>
-          <a:blip r:embed="rId3">
+          <a:blip r:embed="rId2">
             <a:extLst>
               <a:ext uri="{96DAC541-7B7A-43D3-8B79-37D633B846F1}">
-                <asvg:svgBlip xmlns:asvg="http://schemas.microsoft.com/office/drawing/2016/SVG/main" r:embed="rId4"/>
+                <asvg:svgBlip xmlns:asvg="http://schemas.microsoft.com/office/drawing/2016/SVG/main" r:embed="rId3"/>
               </a:ext>
             </a:extLst>
           </a:blip>
@@ -3024,7 +2994,7 @@
         </p:blipFill>
         <p:spPr>
           <a:xfrm>
-            <a:off x="0" y="5123180"/>
+            <a:off x="4480560" y="3137134"/>
             <a:ext cx="3840480" cy="2743200"/>
           </a:xfrm>
           <a:prstGeom prst="rect">
@@ -3047,15 +3017,15 @@
           <p:nvPr/>
         </p:nvPicPr>
         <p:blipFill>
-          <a:blip r:embed="rId5"/>
+          <a:blip r:embed="rId4"/>
           <a:stretch>
             <a:fillRect/>
           </a:stretch>
         </p:blipFill>
         <p:spPr>
           <a:xfrm>
-            <a:off x="-8890" y="1907614"/>
-            <a:ext cx="3849370" cy="2749550"/>
+            <a:off x="-4849796" y="3233193"/>
+            <a:ext cx="8954436" cy="6396026"/>
           </a:xfrm>
           <a:prstGeom prst="rect">
             <a:avLst/>
@@ -3077,10 +3047,10 @@
           <p:nvPr/>
         </p:nvPicPr>
         <p:blipFill>
-          <a:blip r:embed="rId6">
+          <a:blip r:embed="rId5">
             <a:extLst>
               <a:ext uri="{96DAC541-7B7A-43D3-8B79-37D633B846F1}">
-                <asvg:svgBlip xmlns:asvg="http://schemas.microsoft.com/office/drawing/2016/SVG/main" r:embed="rId7"/>
+                <asvg:svgBlip xmlns:asvg="http://schemas.microsoft.com/office/drawing/2016/SVG/main" r:embed="rId6"/>
               </a:ext>
             </a:extLst>
           </a:blip>
@@ -3090,8 +3060,8 @@
         </p:blipFill>
         <p:spPr>
           <a:xfrm>
-            <a:off x="0" y="8446696"/>
-            <a:ext cx="3840480" cy="2743200"/>
+            <a:off x="-4034" y="7985760"/>
+            <a:ext cx="5261309" cy="3758078"/>
           </a:xfrm>
           <a:prstGeom prst="rect">
             <a:avLst/>
@@ -3113,14 +3083,14 @@
           <p:nvPr/>
         </p:nvPicPr>
         <p:blipFill>
-          <a:blip r:embed="rId8"/>
+          <a:blip r:embed="rId7"/>
           <a:stretch>
             <a:fillRect/>
           </a:stretch>
         </p:blipFill>
         <p:spPr>
           <a:xfrm>
-            <a:off x="1231652" y="1055145"/>
+            <a:off x="1211207" y="1967012"/>
             <a:ext cx="1517799" cy="709406"/>
           </a:xfrm>
           <a:prstGeom prst="rect">
@@ -3128,12 +3098,393 @@
           </a:prstGeom>
         </p:spPr>
       </p:pic>
-      <p:sp>
-        <p:nvSpPr>
-          <p:cNvPr id="21" name="TextBox 20">
+      <p:grpSp>
+        <p:nvGrpSpPr>
+          <p:cNvPr id="32" name="Group 31">
             <a:extLst>
               <a:ext uri="{FF2B5EF4-FFF2-40B4-BE49-F238E27FC236}">
-                <a16:creationId xmlns:a16="http://schemas.microsoft.com/office/drawing/2014/main" id="{78FD9455-0BCD-A940-BEFA-1988FB20B9C0}"/>
+                <a16:creationId xmlns:a16="http://schemas.microsoft.com/office/drawing/2014/main" id="{538195BA-7AEE-F94E-8A28-200813F34C14}"/>
+              </a:ext>
+            </a:extLst>
+          </p:cNvPr>
+          <p:cNvGrpSpPr/>
+          <p:nvPr/>
+        </p:nvGrpSpPr>
+        <p:grpSpPr>
+          <a:xfrm>
+            <a:off x="105510" y="663627"/>
+            <a:ext cx="3094087" cy="1082355"/>
+            <a:chOff x="533400" y="100568"/>
+            <a:chExt cx="3094087" cy="1082355"/>
+          </a:xfrm>
+        </p:grpSpPr>
+        <p:sp>
+          <p:nvSpPr>
+            <p:cNvPr id="21" name="TextBox 20">
+              <a:extLst>
+                <a:ext uri="{FF2B5EF4-FFF2-40B4-BE49-F238E27FC236}">
+                  <a16:creationId xmlns:a16="http://schemas.microsoft.com/office/drawing/2014/main" id="{78FD9455-0BCD-A940-BEFA-1988FB20B9C0}"/>
+                </a:ext>
+              </a:extLst>
+            </p:cNvPr>
+            <p:cNvSpPr txBox="1"/>
+            <p:nvPr/>
+          </p:nvSpPr>
+          <p:spPr>
+            <a:xfrm>
+              <a:off x="533400" y="469900"/>
+              <a:ext cx="317716" cy="369332"/>
+            </a:xfrm>
+            <a:prstGeom prst="rect">
+              <a:avLst/>
+            </a:prstGeom>
+            <a:noFill/>
+          </p:spPr>
+          <p:txBody>
+            <a:bodyPr wrap="none" rtlCol="0">
+              <a:spAutoFit/>
+            </a:bodyPr>
+            <a:lstStyle/>
+            <a:p>
+              <a:r>
+                <a:rPr lang="en-US" i="1" dirty="0"/>
+                <a:t>A</a:t>
+              </a:r>
+            </a:p>
+          </p:txBody>
+        </p:sp>
+        <p:sp>
+          <p:nvSpPr>
+            <p:cNvPr id="22" name="TextBox 21">
+              <a:extLst>
+                <a:ext uri="{FF2B5EF4-FFF2-40B4-BE49-F238E27FC236}">
+                  <a16:creationId xmlns:a16="http://schemas.microsoft.com/office/drawing/2014/main" id="{6E173A80-7693-0340-951E-6FF4CA1885A7}"/>
+                </a:ext>
+              </a:extLst>
+            </p:cNvPr>
+            <p:cNvSpPr txBox="1"/>
+            <p:nvPr/>
+          </p:nvSpPr>
+          <p:spPr>
+            <a:xfrm>
+              <a:off x="1076802" y="292100"/>
+              <a:ext cx="309700" cy="369332"/>
+            </a:xfrm>
+            <a:prstGeom prst="rect">
+              <a:avLst/>
+            </a:prstGeom>
+            <a:noFill/>
+          </p:spPr>
+          <p:txBody>
+            <a:bodyPr wrap="none" rtlCol="0">
+              <a:spAutoFit/>
+            </a:bodyPr>
+            <a:lstStyle/>
+            <a:p>
+              <a:r>
+                <a:rPr lang="en-US" i="1" dirty="0"/>
+                <a:t>B</a:t>
+              </a:r>
+            </a:p>
+          </p:txBody>
+        </p:sp>
+        <p:sp>
+          <p:nvSpPr>
+            <p:cNvPr id="23" name="TextBox 22">
+              <a:extLst>
+                <a:ext uri="{FF2B5EF4-FFF2-40B4-BE49-F238E27FC236}">
+                  <a16:creationId xmlns:a16="http://schemas.microsoft.com/office/drawing/2014/main" id="{EC46F46C-A4A5-AD4D-8BF7-10E030F323D2}"/>
+                </a:ext>
+              </a:extLst>
+            </p:cNvPr>
+            <p:cNvSpPr txBox="1"/>
+            <p:nvPr/>
+          </p:nvSpPr>
+          <p:spPr>
+            <a:xfrm>
+              <a:off x="1620204" y="114300"/>
+              <a:ext cx="304892" cy="369332"/>
+            </a:xfrm>
+            <a:prstGeom prst="rect">
+              <a:avLst/>
+            </a:prstGeom>
+            <a:noFill/>
+          </p:spPr>
+          <p:txBody>
+            <a:bodyPr wrap="none" rtlCol="0">
+              <a:spAutoFit/>
+            </a:bodyPr>
+            <a:lstStyle/>
+            <a:p>
+              <a:r>
+                <a:rPr lang="en-US" i="1" dirty="0"/>
+                <a:t>C</a:t>
+              </a:r>
+            </a:p>
+          </p:txBody>
+        </p:sp>
+        <p:sp>
+          <p:nvSpPr>
+            <p:cNvPr id="24" name="TextBox 23">
+              <a:extLst>
+                <a:ext uri="{FF2B5EF4-FFF2-40B4-BE49-F238E27FC236}">
+                  <a16:creationId xmlns:a16="http://schemas.microsoft.com/office/drawing/2014/main" id="{AE4107B1-CCEA-0843-8CEC-95FE8F0AE7C5}"/>
+                </a:ext>
+              </a:extLst>
+            </p:cNvPr>
+            <p:cNvSpPr txBox="1"/>
+            <p:nvPr/>
+          </p:nvSpPr>
+          <p:spPr>
+            <a:xfrm>
+              <a:off x="2165085" y="586155"/>
+              <a:ext cx="327334" cy="369332"/>
+            </a:xfrm>
+            <a:prstGeom prst="rect">
+              <a:avLst/>
+            </a:prstGeom>
+            <a:noFill/>
+          </p:spPr>
+          <p:txBody>
+            <a:bodyPr wrap="none" rtlCol="0">
+              <a:spAutoFit/>
+            </a:bodyPr>
+            <a:lstStyle/>
+            <a:p>
+              <a:pPr algn="ctr"/>
+              <a:r>
+                <a:rPr lang="en-US" i="1" dirty="0"/>
+                <a:t>D</a:t>
+              </a:r>
+            </a:p>
+          </p:txBody>
+        </p:sp>
+        <p:sp>
+          <p:nvSpPr>
+            <p:cNvPr id="25" name="TextBox 24">
+              <a:extLst>
+                <a:ext uri="{FF2B5EF4-FFF2-40B4-BE49-F238E27FC236}">
+                  <a16:creationId xmlns:a16="http://schemas.microsoft.com/office/drawing/2014/main" id="{26B19FAD-C2CD-CA4F-B359-369AD339295F}"/>
+                </a:ext>
+              </a:extLst>
+            </p:cNvPr>
+            <p:cNvSpPr txBox="1"/>
+            <p:nvPr/>
+          </p:nvSpPr>
+          <p:spPr>
+            <a:xfrm>
+              <a:off x="2749451" y="486497"/>
+              <a:ext cx="296876" cy="369332"/>
+            </a:xfrm>
+            <a:prstGeom prst="rect">
+              <a:avLst/>
+            </a:prstGeom>
+            <a:noFill/>
+          </p:spPr>
+          <p:txBody>
+            <a:bodyPr wrap="none" rtlCol="0">
+              <a:spAutoFit/>
+            </a:bodyPr>
+            <a:lstStyle/>
+            <a:p>
+              <a:pPr algn="ctr"/>
+              <a:r>
+                <a:rPr lang="en-US" i="1" dirty="0"/>
+                <a:t>E</a:t>
+              </a:r>
+            </a:p>
+          </p:txBody>
+        </p:sp>
+        <p:sp>
+          <p:nvSpPr>
+            <p:cNvPr id="26" name="TextBox 25">
+              <a:extLst>
+                <a:ext uri="{FF2B5EF4-FFF2-40B4-BE49-F238E27FC236}">
+                  <a16:creationId xmlns:a16="http://schemas.microsoft.com/office/drawing/2014/main" id="{54912828-1C7B-A34A-815A-D78D49EFA552}"/>
+                </a:ext>
+              </a:extLst>
+            </p:cNvPr>
+            <p:cNvSpPr txBox="1"/>
+            <p:nvPr/>
+          </p:nvSpPr>
+          <p:spPr>
+            <a:xfrm>
+              <a:off x="3337023" y="386839"/>
+              <a:ext cx="290464" cy="369332"/>
+            </a:xfrm>
+            <a:prstGeom prst="rect">
+              <a:avLst/>
+            </a:prstGeom>
+            <a:noFill/>
+          </p:spPr>
+          <p:txBody>
+            <a:bodyPr wrap="none" rtlCol="0">
+              <a:spAutoFit/>
+            </a:bodyPr>
+            <a:lstStyle/>
+            <a:p>
+              <a:pPr algn="ctr"/>
+              <a:r>
+                <a:rPr lang="en-US" i="1" dirty="0"/>
+                <a:t>F</a:t>
+              </a:r>
+            </a:p>
+          </p:txBody>
+        </p:sp>
+        <p:sp>
+          <p:nvSpPr>
+            <p:cNvPr id="27" name="TextBox 26">
+              <a:extLst>
+                <a:ext uri="{FF2B5EF4-FFF2-40B4-BE49-F238E27FC236}">
+                  <a16:creationId xmlns:a16="http://schemas.microsoft.com/office/drawing/2014/main" id="{898E3C13-BAE9-894B-95B6-32C06DEE5B06}"/>
+                </a:ext>
+              </a:extLst>
+            </p:cNvPr>
+            <p:cNvSpPr txBox="1"/>
+            <p:nvPr/>
+          </p:nvSpPr>
+          <p:spPr>
+            <a:xfrm>
+              <a:off x="3124968" y="813591"/>
+              <a:ext cx="292068" cy="369332"/>
+            </a:xfrm>
+            <a:prstGeom prst="rect">
+              <a:avLst/>
+            </a:prstGeom>
+            <a:noFill/>
+          </p:spPr>
+          <p:txBody>
+            <a:bodyPr wrap="none" rtlCol="0">
+              <a:spAutoFit/>
+            </a:bodyPr>
+            <a:lstStyle/>
+            <a:p>
+              <a:pPr algn="ctr"/>
+              <a:r>
+                <a:rPr lang="en-US" i="1" dirty="0"/>
+                <a:t>Z</a:t>
+              </a:r>
+            </a:p>
+          </p:txBody>
+        </p:sp>
+        <p:sp>
+          <p:nvSpPr>
+            <p:cNvPr id="28" name="TextBox 27">
+              <a:extLst>
+                <a:ext uri="{FF2B5EF4-FFF2-40B4-BE49-F238E27FC236}">
+                  <a16:creationId xmlns:a16="http://schemas.microsoft.com/office/drawing/2014/main" id="{1244853C-244B-D94F-A856-17BCA27DFFFF}"/>
+                </a:ext>
+              </a:extLst>
+            </p:cNvPr>
+            <p:cNvSpPr txBox="1"/>
+            <p:nvPr/>
+          </p:nvSpPr>
+          <p:spPr>
+            <a:xfrm>
+              <a:off x="2309766" y="159921"/>
+              <a:ext cx="296876" cy="369332"/>
+            </a:xfrm>
+            <a:prstGeom prst="rect">
+              <a:avLst/>
+            </a:prstGeom>
+            <a:noFill/>
+          </p:spPr>
+          <p:txBody>
+            <a:bodyPr wrap="none" rtlCol="0">
+              <a:spAutoFit/>
+            </a:bodyPr>
+            <a:lstStyle/>
+            <a:p>
+              <a:pPr algn="ctr"/>
+              <a:r>
+                <a:rPr lang="en-US" i="1" dirty="0"/>
+                <a:t>T</a:t>
+              </a:r>
+            </a:p>
+          </p:txBody>
+        </p:sp>
+        <p:sp>
+          <p:nvSpPr>
+            <p:cNvPr id="29" name="TextBox 28">
+              <a:extLst>
+                <a:ext uri="{FF2B5EF4-FFF2-40B4-BE49-F238E27FC236}">
+                  <a16:creationId xmlns:a16="http://schemas.microsoft.com/office/drawing/2014/main" id="{25E67439-F88F-5447-AD6A-EE58AA3EDC48}"/>
+                </a:ext>
+              </a:extLst>
+            </p:cNvPr>
+            <p:cNvSpPr txBox="1"/>
+            <p:nvPr/>
+          </p:nvSpPr>
+          <p:spPr>
+            <a:xfrm>
+              <a:off x="1373559" y="519305"/>
+              <a:ext cx="396262" cy="369332"/>
+            </a:xfrm>
+            <a:prstGeom prst="rect">
+              <a:avLst/>
+            </a:prstGeom>
+            <a:noFill/>
+          </p:spPr>
+          <p:txBody>
+            <a:bodyPr wrap="none" rtlCol="0">
+              <a:spAutoFit/>
+            </a:bodyPr>
+            <a:lstStyle/>
+            <a:p>
+              <a:r>
+                <a:rPr lang="en-US" i="1" dirty="0"/>
+                <a:t>A</a:t>
+              </a:r>
+              <a:r>
+                <a:rPr lang="en-US" i="1" baseline="-25000" dirty="0"/>
+                <a:t>1</a:t>
+              </a:r>
+              <a:endParaRPr lang="en-US" i="1" dirty="0"/>
+            </a:p>
+          </p:txBody>
+        </p:sp>
+        <p:sp>
+          <p:nvSpPr>
+            <p:cNvPr id="30" name="TextBox 29">
+              <a:extLst>
+                <a:ext uri="{FF2B5EF4-FFF2-40B4-BE49-F238E27FC236}">
+                  <a16:creationId xmlns:a16="http://schemas.microsoft.com/office/drawing/2014/main" id="{325DD52F-41E2-5349-AFD3-ED0957B26579}"/>
+                </a:ext>
+              </a:extLst>
+            </p:cNvPr>
+            <p:cNvSpPr txBox="1"/>
+            <p:nvPr/>
+          </p:nvSpPr>
+          <p:spPr>
+            <a:xfrm>
+              <a:off x="729617" y="100568"/>
+              <a:ext cx="304892" cy="369332"/>
+            </a:xfrm>
+            <a:prstGeom prst="rect">
+              <a:avLst/>
+            </a:prstGeom>
+            <a:noFill/>
+          </p:spPr>
+          <p:txBody>
+            <a:bodyPr wrap="none" rtlCol="0">
+              <a:spAutoFit/>
+            </a:bodyPr>
+            <a:lstStyle/>
+            <a:p>
+              <a:r>
+                <a:rPr lang="en-US" i="1" dirty="0"/>
+                <a:t>X</a:t>
+              </a:r>
+            </a:p>
+          </p:txBody>
+        </p:sp>
+      </p:grpSp>
+      <p:sp>
+        <p:nvSpPr>
+          <p:cNvPr id="31" name="TextBox 30">
+            <a:extLst>
+              <a:ext uri="{FF2B5EF4-FFF2-40B4-BE49-F238E27FC236}">
+                <a16:creationId xmlns:a16="http://schemas.microsoft.com/office/drawing/2014/main" id="{2B2253ED-3A9B-FC42-A58A-98BAC2D9DB9C}"/>
               </a:ext>
             </a:extLst>
           </p:cNvPr>
@@ -3142,8 +3493,8 @@
         </p:nvSpPr>
         <p:spPr>
           <a:xfrm>
-            <a:off x="533400" y="469900"/>
-            <a:ext cx="317716" cy="369332"/>
+            <a:off x="1052610" y="137471"/>
+            <a:ext cx="1126142" cy="369332"/>
           </a:xfrm>
           <a:prstGeom prst="rect">
             <a:avLst/>
@@ -3157,18 +3508,18 @@
           <a:lstStyle/>
           <a:p>
             <a:r>
-              <a:rPr lang="en-US" i="1" dirty="0"/>
-              <a:t>A</a:t>
-            </a:r>
-          </a:p>
-        </p:txBody>
-      </p:sp>
-      <p:sp>
-        <p:nvSpPr>
-          <p:cNvPr id="22" name="TextBox 21">
+              <a:rPr lang="en-US" dirty="0"/>
+              <a:t>Input taxa</a:t>
+            </a:r>
+          </a:p>
+        </p:txBody>
+      </p:sp>
+      <p:sp>
+        <p:nvSpPr>
+          <p:cNvPr id="33" name="TextBox 32">
             <a:extLst>
               <a:ext uri="{FF2B5EF4-FFF2-40B4-BE49-F238E27FC236}">
-                <a16:creationId xmlns:a16="http://schemas.microsoft.com/office/drawing/2014/main" id="{6E173A80-7693-0340-951E-6FF4CA1885A7}"/>
+                <a16:creationId xmlns:a16="http://schemas.microsoft.com/office/drawing/2014/main" id="{B0EFD692-7320-3E43-8F22-C40F5EB6B271}"/>
               </a:ext>
             </a:extLst>
           </p:cNvPr>
@@ -3177,8 +3528,8 @@
         </p:nvSpPr>
         <p:spPr>
           <a:xfrm>
-            <a:off x="1076802" y="292100"/>
-            <a:ext cx="309700" cy="369332"/>
+            <a:off x="4480560" y="137471"/>
+            <a:ext cx="1122615" cy="369332"/>
           </a:xfrm>
           <a:prstGeom prst="rect">
             <a:avLst/>
@@ -3192,298 +3543,8 @@
           <a:lstStyle/>
           <a:p>
             <a:r>
-              <a:rPr lang="en-US" i="1" dirty="0"/>
-              <a:t>B</a:t>
-            </a:r>
-          </a:p>
-        </p:txBody>
-      </p:sp>
-      <p:sp>
-        <p:nvSpPr>
-          <p:cNvPr id="23" name="TextBox 22">
-            <a:extLst>
-              <a:ext uri="{FF2B5EF4-FFF2-40B4-BE49-F238E27FC236}">
-                <a16:creationId xmlns:a16="http://schemas.microsoft.com/office/drawing/2014/main" id="{EC46F46C-A4A5-AD4D-8BF7-10E030F323D2}"/>
-              </a:ext>
-            </a:extLst>
-          </p:cNvPr>
-          <p:cNvSpPr txBox="1"/>
-          <p:nvPr/>
-        </p:nvSpPr>
-        <p:spPr>
-          <a:xfrm>
-            <a:off x="1620204" y="114300"/>
-            <a:ext cx="304892" cy="369332"/>
-          </a:xfrm>
-          <a:prstGeom prst="rect">
-            <a:avLst/>
-          </a:prstGeom>
-          <a:noFill/>
-        </p:spPr>
-        <p:txBody>
-          <a:bodyPr wrap="none" rtlCol="0">
-            <a:spAutoFit/>
-          </a:bodyPr>
-          <a:lstStyle/>
-          <a:p>
-            <a:r>
-              <a:rPr lang="en-US" i="1" dirty="0"/>
-              <a:t>C</a:t>
-            </a:r>
-          </a:p>
-        </p:txBody>
-      </p:sp>
-      <p:sp>
-        <p:nvSpPr>
-          <p:cNvPr id="24" name="TextBox 23">
-            <a:extLst>
-              <a:ext uri="{FF2B5EF4-FFF2-40B4-BE49-F238E27FC236}">
-                <a16:creationId xmlns:a16="http://schemas.microsoft.com/office/drawing/2014/main" id="{AE4107B1-CCEA-0843-8CEC-95FE8F0AE7C5}"/>
-              </a:ext>
-            </a:extLst>
-          </p:cNvPr>
-          <p:cNvSpPr txBox="1"/>
-          <p:nvPr/>
-        </p:nvSpPr>
-        <p:spPr>
-          <a:xfrm>
-            <a:off x="2165085" y="586155"/>
-            <a:ext cx="327334" cy="369332"/>
-          </a:xfrm>
-          <a:prstGeom prst="rect">
-            <a:avLst/>
-          </a:prstGeom>
-          <a:noFill/>
-        </p:spPr>
-        <p:txBody>
-          <a:bodyPr wrap="none" rtlCol="0">
-            <a:spAutoFit/>
-          </a:bodyPr>
-          <a:lstStyle/>
-          <a:p>
-            <a:pPr algn="ctr"/>
-            <a:r>
-              <a:rPr lang="en-US" i="1" dirty="0"/>
-              <a:t>D</a:t>
-            </a:r>
-          </a:p>
-        </p:txBody>
-      </p:sp>
-      <p:sp>
-        <p:nvSpPr>
-          <p:cNvPr id="25" name="TextBox 24">
-            <a:extLst>
-              <a:ext uri="{FF2B5EF4-FFF2-40B4-BE49-F238E27FC236}">
-                <a16:creationId xmlns:a16="http://schemas.microsoft.com/office/drawing/2014/main" id="{26B19FAD-C2CD-CA4F-B359-369AD339295F}"/>
-              </a:ext>
-            </a:extLst>
-          </p:cNvPr>
-          <p:cNvSpPr txBox="1"/>
-          <p:nvPr/>
-        </p:nvSpPr>
-        <p:spPr>
-          <a:xfrm>
-            <a:off x="2749451" y="486497"/>
-            <a:ext cx="296876" cy="369332"/>
-          </a:xfrm>
-          <a:prstGeom prst="rect">
-            <a:avLst/>
-          </a:prstGeom>
-          <a:noFill/>
-        </p:spPr>
-        <p:txBody>
-          <a:bodyPr wrap="none" rtlCol="0">
-            <a:spAutoFit/>
-          </a:bodyPr>
-          <a:lstStyle/>
-          <a:p>
-            <a:pPr algn="ctr"/>
-            <a:r>
-              <a:rPr lang="en-US" i="1" dirty="0"/>
-              <a:t>E</a:t>
-            </a:r>
-          </a:p>
-        </p:txBody>
-      </p:sp>
-      <p:sp>
-        <p:nvSpPr>
-          <p:cNvPr id="26" name="TextBox 25">
-            <a:extLst>
-              <a:ext uri="{FF2B5EF4-FFF2-40B4-BE49-F238E27FC236}">
-                <a16:creationId xmlns:a16="http://schemas.microsoft.com/office/drawing/2014/main" id="{54912828-1C7B-A34A-815A-D78D49EFA552}"/>
-              </a:ext>
-            </a:extLst>
-          </p:cNvPr>
-          <p:cNvSpPr txBox="1"/>
-          <p:nvPr/>
-        </p:nvSpPr>
-        <p:spPr>
-          <a:xfrm>
-            <a:off x="3337023" y="386839"/>
-            <a:ext cx="290464" cy="369332"/>
-          </a:xfrm>
-          <a:prstGeom prst="rect">
-            <a:avLst/>
-          </a:prstGeom>
-          <a:noFill/>
-        </p:spPr>
-        <p:txBody>
-          <a:bodyPr wrap="none" rtlCol="0">
-            <a:spAutoFit/>
-          </a:bodyPr>
-          <a:lstStyle/>
-          <a:p>
-            <a:pPr algn="ctr"/>
-            <a:r>
-              <a:rPr lang="en-US" i="1" dirty="0"/>
-              <a:t>F</a:t>
-            </a:r>
-          </a:p>
-        </p:txBody>
-      </p:sp>
-      <p:sp>
-        <p:nvSpPr>
-          <p:cNvPr id="27" name="TextBox 26">
-            <a:extLst>
-              <a:ext uri="{FF2B5EF4-FFF2-40B4-BE49-F238E27FC236}">
-                <a16:creationId xmlns:a16="http://schemas.microsoft.com/office/drawing/2014/main" id="{898E3C13-BAE9-894B-95B6-32C06DEE5B06}"/>
-              </a:ext>
-            </a:extLst>
-          </p:cNvPr>
-          <p:cNvSpPr txBox="1"/>
-          <p:nvPr/>
-        </p:nvSpPr>
-        <p:spPr>
-          <a:xfrm>
-            <a:off x="3124968" y="813591"/>
-            <a:ext cx="292068" cy="369332"/>
-          </a:xfrm>
-          <a:prstGeom prst="rect">
-            <a:avLst/>
-          </a:prstGeom>
-          <a:noFill/>
-        </p:spPr>
-        <p:txBody>
-          <a:bodyPr wrap="none" rtlCol="0">
-            <a:spAutoFit/>
-          </a:bodyPr>
-          <a:lstStyle/>
-          <a:p>
-            <a:pPr algn="ctr"/>
-            <a:r>
-              <a:rPr lang="en-US" i="1" dirty="0"/>
-              <a:t>Z</a:t>
-            </a:r>
-          </a:p>
-        </p:txBody>
-      </p:sp>
-      <p:sp>
-        <p:nvSpPr>
-          <p:cNvPr id="28" name="TextBox 27">
-            <a:extLst>
-              <a:ext uri="{FF2B5EF4-FFF2-40B4-BE49-F238E27FC236}">
-                <a16:creationId xmlns:a16="http://schemas.microsoft.com/office/drawing/2014/main" id="{1244853C-244B-D94F-A856-17BCA27DFFFF}"/>
-              </a:ext>
-            </a:extLst>
-          </p:cNvPr>
-          <p:cNvSpPr txBox="1"/>
-          <p:nvPr/>
-        </p:nvSpPr>
-        <p:spPr>
-          <a:xfrm>
-            <a:off x="2309766" y="159921"/>
-            <a:ext cx="296876" cy="369332"/>
-          </a:xfrm>
-          <a:prstGeom prst="rect">
-            <a:avLst/>
-          </a:prstGeom>
-          <a:noFill/>
-        </p:spPr>
-        <p:txBody>
-          <a:bodyPr wrap="none" rtlCol="0">
-            <a:spAutoFit/>
-          </a:bodyPr>
-          <a:lstStyle/>
-          <a:p>
-            <a:pPr algn="ctr"/>
-            <a:r>
-              <a:rPr lang="en-US" i="1" dirty="0"/>
-              <a:t>T</a:t>
-            </a:r>
-          </a:p>
-        </p:txBody>
-      </p:sp>
-      <p:sp>
-        <p:nvSpPr>
-          <p:cNvPr id="29" name="TextBox 28">
-            <a:extLst>
-              <a:ext uri="{FF2B5EF4-FFF2-40B4-BE49-F238E27FC236}">
-                <a16:creationId xmlns:a16="http://schemas.microsoft.com/office/drawing/2014/main" id="{25E67439-F88F-5447-AD6A-EE58AA3EDC48}"/>
-              </a:ext>
-            </a:extLst>
-          </p:cNvPr>
-          <p:cNvSpPr txBox="1"/>
-          <p:nvPr/>
-        </p:nvSpPr>
-        <p:spPr>
-          <a:xfrm>
-            <a:off x="1373559" y="519305"/>
-            <a:ext cx="396262" cy="369332"/>
-          </a:xfrm>
-          <a:prstGeom prst="rect">
-            <a:avLst/>
-          </a:prstGeom>
-          <a:noFill/>
-        </p:spPr>
-        <p:txBody>
-          <a:bodyPr wrap="none" rtlCol="0">
-            <a:spAutoFit/>
-          </a:bodyPr>
-          <a:lstStyle/>
-          <a:p>
-            <a:r>
-              <a:rPr lang="en-US" i="1" dirty="0"/>
-              <a:t>A</a:t>
-            </a:r>
-            <a:r>
-              <a:rPr lang="en-US" i="1" baseline="-25000" dirty="0"/>
-              <a:t>1</a:t>
-            </a:r>
-            <a:endParaRPr lang="en-US" i="1" dirty="0"/>
-          </a:p>
-        </p:txBody>
-      </p:sp>
-      <p:sp>
-        <p:nvSpPr>
-          <p:cNvPr id="30" name="TextBox 29">
-            <a:extLst>
-              <a:ext uri="{FF2B5EF4-FFF2-40B4-BE49-F238E27FC236}">
-                <a16:creationId xmlns:a16="http://schemas.microsoft.com/office/drawing/2014/main" id="{325DD52F-41E2-5349-AFD3-ED0957B26579}"/>
-              </a:ext>
-            </a:extLst>
-          </p:cNvPr>
-          <p:cNvSpPr txBox="1"/>
-          <p:nvPr/>
-        </p:nvSpPr>
-        <p:spPr>
-          <a:xfrm>
-            <a:off x="729617" y="100568"/>
-            <a:ext cx="304892" cy="369332"/>
-          </a:xfrm>
-          <a:prstGeom prst="rect">
-            <a:avLst/>
-          </a:prstGeom>
-          <a:noFill/>
-        </p:spPr>
-        <p:txBody>
-          <a:bodyPr wrap="none" rtlCol="0">
-            <a:spAutoFit/>
-          </a:bodyPr>
-          <a:lstStyle/>
-          <a:p>
-            <a:r>
-              <a:rPr lang="en-US" i="1" dirty="0"/>
-              <a:t>X</a:t>
+              <a:rPr lang="en-US" dirty="0"/>
+              <a:t>Input tree</a:t>
             </a:r>
           </a:p>
         </p:txBody>

--- a/figures/figure2/figure2.pptx
+++ b/figures/figure2/figure2.pptx
@@ -104,6 +104,11 @@
       </a:defRPr>
     </a:lvl9pPr>
   </p:defaultTextStyle>
+  <p:extLst>
+    <p:ext uri="{EFAFB233-063F-42B5-8137-9DF3F51BA10A}">
+      <p15:sldGuideLst xmlns:p15="http://schemas.microsoft.com/office/powerpoint/2012/main"/>
+    </p:ext>
+  </p:extLst>
 </p:presentation>
 </file>
 
@@ -238,7 +243,7 @@
           <a:p>
             <a:fld id="{36D6B43A-FB72-2B4A-8DB0-B6C23179BADB}" type="datetimeFigureOut">
               <a:rPr lang="en-US" smtClean="0"/>
-              <a:t>2/19/22</a:t>
+              <a:t>3/22/22</a:t>
             </a:fld>
             <a:endParaRPr lang="en-US"/>
           </a:p>
@@ -408,7 +413,7 @@
           <a:p>
             <a:fld id="{36D6B43A-FB72-2B4A-8DB0-B6C23179BADB}" type="datetimeFigureOut">
               <a:rPr lang="en-US" smtClean="0"/>
-              <a:t>2/19/22</a:t>
+              <a:t>3/22/22</a:t>
             </a:fld>
             <a:endParaRPr lang="en-US"/>
           </a:p>
@@ -588,7 +593,7 @@
           <a:p>
             <a:fld id="{36D6B43A-FB72-2B4A-8DB0-B6C23179BADB}" type="datetimeFigureOut">
               <a:rPr lang="en-US" smtClean="0"/>
-              <a:t>2/19/22</a:t>
+              <a:t>3/22/22</a:t>
             </a:fld>
             <a:endParaRPr lang="en-US"/>
           </a:p>
@@ -758,7 +763,7 @@
           <a:p>
             <a:fld id="{36D6B43A-FB72-2B4A-8DB0-B6C23179BADB}" type="datetimeFigureOut">
               <a:rPr lang="en-US" smtClean="0"/>
-              <a:t>2/19/22</a:t>
+              <a:t>3/22/22</a:t>
             </a:fld>
             <a:endParaRPr lang="en-US"/>
           </a:p>
@@ -1002,7 +1007,7 @@
           <a:p>
             <a:fld id="{36D6B43A-FB72-2B4A-8DB0-B6C23179BADB}" type="datetimeFigureOut">
               <a:rPr lang="en-US" smtClean="0"/>
-              <a:t>2/19/22</a:t>
+              <a:t>3/22/22</a:t>
             </a:fld>
             <a:endParaRPr lang="en-US"/>
           </a:p>
@@ -1234,7 +1239,7 @@
           <a:p>
             <a:fld id="{36D6B43A-FB72-2B4A-8DB0-B6C23179BADB}" type="datetimeFigureOut">
               <a:rPr lang="en-US" smtClean="0"/>
-              <a:t>2/19/22</a:t>
+              <a:t>3/22/22</a:t>
             </a:fld>
             <a:endParaRPr lang="en-US"/>
           </a:p>
@@ -1601,7 +1606,7 @@
           <a:p>
             <a:fld id="{36D6B43A-FB72-2B4A-8DB0-B6C23179BADB}" type="datetimeFigureOut">
               <a:rPr lang="en-US" smtClean="0"/>
-              <a:t>2/19/22</a:t>
+              <a:t>3/22/22</a:t>
             </a:fld>
             <a:endParaRPr lang="en-US"/>
           </a:p>
@@ -1719,7 +1724,7 @@
           <a:p>
             <a:fld id="{36D6B43A-FB72-2B4A-8DB0-B6C23179BADB}" type="datetimeFigureOut">
               <a:rPr lang="en-US" smtClean="0"/>
-              <a:t>2/19/22</a:t>
+              <a:t>3/22/22</a:t>
             </a:fld>
             <a:endParaRPr lang="en-US"/>
           </a:p>
@@ -1814,7 +1819,7 @@
           <a:p>
             <a:fld id="{36D6B43A-FB72-2B4A-8DB0-B6C23179BADB}" type="datetimeFigureOut">
               <a:rPr lang="en-US" smtClean="0"/>
-              <a:t>2/19/22</a:t>
+              <a:t>3/22/22</a:t>
             </a:fld>
             <a:endParaRPr lang="en-US"/>
           </a:p>
@@ -2091,7 +2096,7 @@
           <a:p>
             <a:fld id="{36D6B43A-FB72-2B4A-8DB0-B6C23179BADB}" type="datetimeFigureOut">
               <a:rPr lang="en-US" smtClean="0"/>
-              <a:t>2/19/22</a:t>
+              <a:t>3/22/22</a:t>
             </a:fld>
             <a:endParaRPr lang="en-US"/>
           </a:p>
@@ -2348,7 +2353,7 @@
           <a:p>
             <a:fld id="{36D6B43A-FB72-2B4A-8DB0-B6C23179BADB}" type="datetimeFigureOut">
               <a:rPr lang="en-US" smtClean="0"/>
-              <a:t>2/19/22</a:t>
+              <a:t>3/22/22</a:t>
             </a:fld>
             <a:endParaRPr lang="en-US"/>
           </a:p>
@@ -2561,7 +2566,7 @@
           <a:p>
             <a:fld id="{36D6B43A-FB72-2B4A-8DB0-B6C23179BADB}" type="datetimeFigureOut">
               <a:rPr lang="en-US" smtClean="0"/>
-              <a:t>2/19/22</a:t>
+              <a:t>3/22/22</a:t>
             </a:fld>
             <a:endParaRPr lang="en-US"/>
           </a:p>
@@ -2968,108 +2973,6 @@
       </p:grpSpPr>
       <p:pic>
         <p:nvPicPr>
-          <p:cNvPr id="15" name="Graphic 14">
-            <a:extLst>
-              <a:ext uri="{FF2B5EF4-FFF2-40B4-BE49-F238E27FC236}">
-                <a16:creationId xmlns:a16="http://schemas.microsoft.com/office/drawing/2014/main" id="{A69B506B-699C-4842-B7CB-4ACEFDFBE1A4}"/>
-              </a:ext>
-            </a:extLst>
-          </p:cNvPr>
-          <p:cNvPicPr>
-            <a:picLocks noChangeAspect="1"/>
-          </p:cNvPicPr>
-          <p:nvPr/>
-        </p:nvPicPr>
-        <p:blipFill>
-          <a:blip r:embed="rId2">
-            <a:extLst>
-              <a:ext uri="{96DAC541-7B7A-43D3-8B79-37D633B846F1}">
-                <asvg:svgBlip xmlns:asvg="http://schemas.microsoft.com/office/drawing/2016/SVG/main" r:embed="rId3"/>
-              </a:ext>
-            </a:extLst>
-          </a:blip>
-          <a:stretch>
-            <a:fillRect/>
-          </a:stretch>
-        </p:blipFill>
-        <p:spPr>
-          <a:xfrm>
-            <a:off x="4480560" y="3137134"/>
-            <a:ext cx="3840480" cy="2743200"/>
-          </a:xfrm>
-          <a:prstGeom prst="rect">
-            <a:avLst/>
-          </a:prstGeom>
-        </p:spPr>
-      </p:pic>
-      <p:pic>
-        <p:nvPicPr>
-          <p:cNvPr id="17" name="Picture 16">
-            <a:extLst>
-              <a:ext uri="{FF2B5EF4-FFF2-40B4-BE49-F238E27FC236}">
-                <a16:creationId xmlns:a16="http://schemas.microsoft.com/office/drawing/2014/main" id="{8AC39F1E-E7F8-C24D-B91A-29A04BD2AB9B}"/>
-              </a:ext>
-            </a:extLst>
-          </p:cNvPr>
-          <p:cNvPicPr>
-            <a:picLocks noChangeAspect="1"/>
-          </p:cNvPicPr>
-          <p:nvPr/>
-        </p:nvPicPr>
-        <p:blipFill>
-          <a:blip r:embed="rId4"/>
-          <a:stretch>
-            <a:fillRect/>
-          </a:stretch>
-        </p:blipFill>
-        <p:spPr>
-          <a:xfrm>
-            <a:off x="-4849796" y="3233193"/>
-            <a:ext cx="8954436" cy="6396026"/>
-          </a:xfrm>
-          <a:prstGeom prst="rect">
-            <a:avLst/>
-          </a:prstGeom>
-        </p:spPr>
-      </p:pic>
-      <p:pic>
-        <p:nvPicPr>
-          <p:cNvPr id="19" name="Graphic 18">
-            <a:extLst>
-              <a:ext uri="{FF2B5EF4-FFF2-40B4-BE49-F238E27FC236}">
-                <a16:creationId xmlns:a16="http://schemas.microsoft.com/office/drawing/2014/main" id="{89CAE0A6-66C4-384D-9A4E-368E31DE38E6}"/>
-              </a:ext>
-            </a:extLst>
-          </p:cNvPr>
-          <p:cNvPicPr>
-            <a:picLocks noChangeAspect="1"/>
-          </p:cNvPicPr>
-          <p:nvPr/>
-        </p:nvPicPr>
-        <p:blipFill>
-          <a:blip r:embed="rId5">
-            <a:extLst>
-              <a:ext uri="{96DAC541-7B7A-43D3-8B79-37D633B846F1}">
-                <asvg:svgBlip xmlns:asvg="http://schemas.microsoft.com/office/drawing/2016/SVG/main" r:embed="rId6"/>
-              </a:ext>
-            </a:extLst>
-          </a:blip>
-          <a:stretch>
-            <a:fillRect/>
-          </a:stretch>
-        </p:blipFill>
-        <p:spPr>
-          <a:xfrm>
-            <a:off x="-4034" y="7985760"/>
-            <a:ext cx="5261309" cy="3758078"/>
-          </a:xfrm>
-          <a:prstGeom prst="rect">
-            <a:avLst/>
-          </a:prstGeom>
-        </p:spPr>
-      </p:pic>
-      <p:pic>
-        <p:nvPicPr>
           <p:cNvPr id="20" name="Picture 19">
             <a:extLst>
               <a:ext uri="{FF2B5EF4-FFF2-40B4-BE49-F238E27FC236}">
@@ -3083,14 +2986,14 @@
           <p:nvPr/>
         </p:nvPicPr>
         <p:blipFill>
-          <a:blip r:embed="rId7"/>
+          <a:blip r:embed="rId2"/>
           <a:stretch>
             <a:fillRect/>
           </a:stretch>
         </p:blipFill>
         <p:spPr>
           <a:xfrm>
-            <a:off x="1211207" y="1967012"/>
+            <a:off x="-3263516" y="2103199"/>
             <a:ext cx="1517799" cy="709406"/>
           </a:xfrm>
           <a:prstGeom prst="rect">
@@ -3112,7 +3015,7 @@
         </p:nvGrpSpPr>
         <p:grpSpPr>
           <a:xfrm>
-            <a:off x="105510" y="663627"/>
+            <a:off x="-4369213" y="799814"/>
             <a:ext cx="3094087" cy="1082355"/>
             <a:chOff x="533400" y="100568"/>
             <a:chExt cx="3094087" cy="1082355"/>
@@ -3493,7 +3396,7 @@
         </p:nvSpPr>
         <p:spPr>
           <a:xfrm>
-            <a:off x="1052610" y="137471"/>
+            <a:off x="-3422113" y="273658"/>
             <a:ext cx="1126142" cy="369332"/>
           </a:xfrm>
           <a:prstGeom prst="rect">
@@ -3514,41 +3417,72 @@
           </a:p>
         </p:txBody>
       </p:sp>
-      <p:sp>
-        <p:nvSpPr>
-          <p:cNvPr id="33" name="TextBox 32">
+      <p:pic>
+        <p:nvPicPr>
+          <p:cNvPr id="7" name="Picture 6">
             <a:extLst>
               <a:ext uri="{FF2B5EF4-FFF2-40B4-BE49-F238E27FC236}">
-                <a16:creationId xmlns:a16="http://schemas.microsoft.com/office/drawing/2014/main" id="{B0EFD692-7320-3E43-8F22-C40F5EB6B271}"/>
+                <a16:creationId xmlns:a16="http://schemas.microsoft.com/office/drawing/2014/main" id="{D707A1D4-4704-DC40-907D-8201EF027B3E}"/>
               </a:ext>
             </a:extLst>
           </p:cNvPr>
-          <p:cNvSpPr txBox="1"/>
+          <p:cNvPicPr>
+            <a:picLocks noChangeAspect="1"/>
+          </p:cNvPicPr>
           <p:nvPr/>
-        </p:nvSpPr>
+        </p:nvPicPr>
+        <p:blipFill>
+          <a:blip r:embed="rId3"/>
+          <a:stretch>
+            <a:fillRect/>
+          </a:stretch>
+        </p:blipFill>
         <p:spPr>
           <a:xfrm>
-            <a:off x="4480560" y="137471"/>
-            <a:ext cx="1122615" cy="369332"/>
+            <a:off x="0" y="1"/>
+            <a:ext cx="2958678" cy="2451370"/>
           </a:xfrm>
           <a:prstGeom prst="rect">
             <a:avLst/>
           </a:prstGeom>
-          <a:noFill/>
         </p:spPr>
-        <p:txBody>
-          <a:bodyPr wrap="none" rtlCol="0">
-            <a:spAutoFit/>
-          </a:bodyPr>
-          <a:lstStyle/>
-          <a:p>
-            <a:r>
-              <a:rPr lang="en-US" dirty="0"/>
-              <a:t>Input tree</a:t>
-            </a:r>
-          </a:p>
-        </p:txBody>
-      </p:sp>
+      </p:pic>
+      <p:pic>
+        <p:nvPicPr>
+          <p:cNvPr id="44" name="Graphic 43">
+            <a:extLst>
+              <a:ext uri="{FF2B5EF4-FFF2-40B4-BE49-F238E27FC236}">
+                <a16:creationId xmlns:a16="http://schemas.microsoft.com/office/drawing/2014/main" id="{D696CAB4-408A-EC4D-9BCE-4050684684BE}"/>
+              </a:ext>
+            </a:extLst>
+          </p:cNvPr>
+          <p:cNvPicPr>
+            <a:picLocks noChangeAspect="1"/>
+          </p:cNvPicPr>
+          <p:nvPr/>
+        </p:nvPicPr>
+        <p:blipFill>
+          <a:blip r:embed="rId4">
+            <a:extLst>
+              <a:ext uri="{96DAC541-7B7A-43D3-8B79-37D633B846F1}">
+                <asvg:svgBlip xmlns:asvg="http://schemas.microsoft.com/office/drawing/2016/SVG/main" r:embed="rId5"/>
+              </a:ext>
+            </a:extLst>
+          </a:blip>
+          <a:stretch>
+            <a:fillRect/>
+          </a:stretch>
+        </p:blipFill>
+        <p:spPr>
+          <a:xfrm>
+            <a:off x="0" y="2679402"/>
+            <a:ext cx="6400800" cy="6400800"/>
+          </a:xfrm>
+          <a:prstGeom prst="rect">
+            <a:avLst/>
+          </a:prstGeom>
+        </p:spPr>
+      </p:pic>
     </p:spTree>
     <p:extLst>
       <p:ext uri="{BB962C8B-B14F-4D97-AF65-F5344CB8AC3E}">

--- a/figures/figure2/figure2.pptx
+++ b/figures/figure2/figure2.pptx
@@ -3449,10 +3449,10 @@
       </p:pic>
       <p:pic>
         <p:nvPicPr>
-          <p:cNvPr id="44" name="Graphic 43">
+          <p:cNvPr id="62" name="Graphic 61">
             <a:extLst>
               <a:ext uri="{FF2B5EF4-FFF2-40B4-BE49-F238E27FC236}">
-                <a16:creationId xmlns:a16="http://schemas.microsoft.com/office/drawing/2014/main" id="{D696CAB4-408A-EC4D-9BCE-4050684684BE}"/>
+                <a16:creationId xmlns:a16="http://schemas.microsoft.com/office/drawing/2014/main" id="{1E396271-02AF-874A-8B12-AA3D173388CD}"/>
               </a:ext>
             </a:extLst>
           </p:cNvPr>
@@ -3475,8 +3475,44 @@
         </p:blipFill>
         <p:spPr>
           <a:xfrm>
-            <a:off x="0" y="2679402"/>
-            <a:ext cx="6400800" cy="6400800"/>
+            <a:off x="3088411" y="89019"/>
+            <a:ext cx="3237958" cy="2698298"/>
+          </a:xfrm>
+          <a:prstGeom prst="rect">
+            <a:avLst/>
+          </a:prstGeom>
+        </p:spPr>
+      </p:pic>
+      <p:pic>
+        <p:nvPicPr>
+          <p:cNvPr id="66" name="Graphic 65">
+            <a:extLst>
+              <a:ext uri="{FF2B5EF4-FFF2-40B4-BE49-F238E27FC236}">
+                <a16:creationId xmlns:a16="http://schemas.microsoft.com/office/drawing/2014/main" id="{EB22CD8F-BEAC-CC4E-94E7-16F3E8F4F307}"/>
+              </a:ext>
+            </a:extLst>
+          </p:cNvPr>
+          <p:cNvPicPr>
+            <a:picLocks noChangeAspect="1"/>
+          </p:cNvPicPr>
+          <p:nvPr/>
+        </p:nvPicPr>
+        <p:blipFill>
+          <a:blip r:embed="rId6">
+            <a:extLst>
+              <a:ext uri="{96DAC541-7B7A-43D3-8B79-37D633B846F1}">
+                <asvg:svgBlip xmlns:asvg="http://schemas.microsoft.com/office/drawing/2016/SVG/main" r:embed="rId7"/>
+              </a:ext>
+            </a:extLst>
+          </a:blip>
+          <a:stretch>
+            <a:fillRect/>
+          </a:stretch>
+        </p:blipFill>
+        <p:spPr>
+          <a:xfrm>
+            <a:off x="0" y="3810000"/>
+            <a:ext cx="6400800" cy="5181600"/>
           </a:xfrm>
           <a:prstGeom prst="rect">
             <a:avLst/>

--- a/figures/figure2/figure2.pptx
+++ b/figures/figure2/figure2.pptx
@@ -2,18 +2,19 @@
 <file path=ppt/presentation.xml><?xml version="1.0" encoding="utf-8"?>
 <p:presentation xmlns:a="http://schemas.openxmlformats.org/drawingml/2006/main" xmlns:r="http://schemas.openxmlformats.org/officeDocument/2006/relationships" xmlns:p="http://schemas.openxmlformats.org/presentationml/2006/main" saveSubsetFonts="1" autoCompressPictures="0">
   <p:sldMasterIdLst>
-    <p:sldMasterId id="2147483672" r:id="rId1"/>
+    <p:sldMasterId id="2147483720" r:id="rId1"/>
   </p:sldMasterIdLst>
   <p:sldIdLst>
     <p:sldId id="256" r:id="rId2"/>
+    <p:sldId id="257" r:id="rId3"/>
   </p:sldIdLst>
-  <p:sldSz cx="6400800" cy="12801600"/>
+  <p:sldSz cx="15179675" cy="10698163"/>
   <p:notesSz cx="6858000" cy="9144000"/>
   <p:defaultTextStyle>
     <a:defPPr>
       <a:defRPr lang="en-US"/>
     </a:defPPr>
-    <a:lvl1pPr marL="0" algn="l" defTabSz="914400" rtl="0" eaLnBrk="1" latinLnBrk="0" hangingPunct="1">
+    <a:lvl1pPr marL="0" algn="l" defTabSz="457200" rtl="0" eaLnBrk="1" latinLnBrk="0" hangingPunct="1">
       <a:defRPr sz="1800" kern="1200">
         <a:solidFill>
           <a:schemeClr val="tx1"/>
@@ -23,7 +24,7 @@
         <a:cs typeface="+mn-cs"/>
       </a:defRPr>
     </a:lvl1pPr>
-    <a:lvl2pPr marL="457200" algn="l" defTabSz="914400" rtl="0" eaLnBrk="1" latinLnBrk="0" hangingPunct="1">
+    <a:lvl2pPr marL="457200" algn="l" defTabSz="457200" rtl="0" eaLnBrk="1" latinLnBrk="0" hangingPunct="1">
       <a:defRPr sz="1800" kern="1200">
         <a:solidFill>
           <a:schemeClr val="tx1"/>
@@ -33,7 +34,7 @@
         <a:cs typeface="+mn-cs"/>
       </a:defRPr>
     </a:lvl2pPr>
-    <a:lvl3pPr marL="914400" algn="l" defTabSz="914400" rtl="0" eaLnBrk="1" latinLnBrk="0" hangingPunct="1">
+    <a:lvl3pPr marL="914400" algn="l" defTabSz="457200" rtl="0" eaLnBrk="1" latinLnBrk="0" hangingPunct="1">
       <a:defRPr sz="1800" kern="1200">
         <a:solidFill>
           <a:schemeClr val="tx1"/>
@@ -43,7 +44,7 @@
         <a:cs typeface="+mn-cs"/>
       </a:defRPr>
     </a:lvl3pPr>
-    <a:lvl4pPr marL="1371600" algn="l" defTabSz="914400" rtl="0" eaLnBrk="1" latinLnBrk="0" hangingPunct="1">
+    <a:lvl4pPr marL="1371600" algn="l" defTabSz="457200" rtl="0" eaLnBrk="1" latinLnBrk="0" hangingPunct="1">
       <a:defRPr sz="1800" kern="1200">
         <a:solidFill>
           <a:schemeClr val="tx1"/>
@@ -53,7 +54,7 @@
         <a:cs typeface="+mn-cs"/>
       </a:defRPr>
     </a:lvl4pPr>
-    <a:lvl5pPr marL="1828800" algn="l" defTabSz="914400" rtl="0" eaLnBrk="1" latinLnBrk="0" hangingPunct="1">
+    <a:lvl5pPr marL="1828800" algn="l" defTabSz="457200" rtl="0" eaLnBrk="1" latinLnBrk="0" hangingPunct="1">
       <a:defRPr sz="1800" kern="1200">
         <a:solidFill>
           <a:schemeClr val="tx1"/>
@@ -63,7 +64,7 @@
         <a:cs typeface="+mn-cs"/>
       </a:defRPr>
     </a:lvl5pPr>
-    <a:lvl6pPr marL="2286000" algn="l" defTabSz="914400" rtl="0" eaLnBrk="1" latinLnBrk="0" hangingPunct="1">
+    <a:lvl6pPr marL="2286000" algn="l" defTabSz="457200" rtl="0" eaLnBrk="1" latinLnBrk="0" hangingPunct="1">
       <a:defRPr sz="1800" kern="1200">
         <a:solidFill>
           <a:schemeClr val="tx1"/>
@@ -73,7 +74,7 @@
         <a:cs typeface="+mn-cs"/>
       </a:defRPr>
     </a:lvl6pPr>
-    <a:lvl7pPr marL="2743200" algn="l" defTabSz="914400" rtl="0" eaLnBrk="1" latinLnBrk="0" hangingPunct="1">
+    <a:lvl7pPr marL="2743200" algn="l" defTabSz="457200" rtl="0" eaLnBrk="1" latinLnBrk="0" hangingPunct="1">
       <a:defRPr sz="1800" kern="1200">
         <a:solidFill>
           <a:schemeClr val="tx1"/>
@@ -83,7 +84,7 @@
         <a:cs typeface="+mn-cs"/>
       </a:defRPr>
     </a:lvl7pPr>
-    <a:lvl8pPr marL="3200400" algn="l" defTabSz="914400" rtl="0" eaLnBrk="1" latinLnBrk="0" hangingPunct="1">
+    <a:lvl8pPr marL="3200400" algn="l" defTabSz="457200" rtl="0" eaLnBrk="1" latinLnBrk="0" hangingPunct="1">
       <a:defRPr sz="1800" kern="1200">
         <a:solidFill>
           <a:schemeClr val="tx1"/>
@@ -93,7 +94,7 @@
         <a:cs typeface="+mn-cs"/>
       </a:defRPr>
     </a:lvl8pPr>
-    <a:lvl9pPr marL="3657600" algn="l" defTabSz="914400" rtl="0" eaLnBrk="1" latinLnBrk="0" hangingPunct="1">
+    <a:lvl9pPr marL="3657600" algn="l" defTabSz="457200" rtl="0" eaLnBrk="1" latinLnBrk="0" hangingPunct="1">
       <a:defRPr sz="1800" kern="1200">
         <a:solidFill>
           <a:schemeClr val="tx1"/>
@@ -141,15 +142,15 @@
         </p:nvSpPr>
         <p:spPr>
           <a:xfrm>
-            <a:off x="480060" y="2095078"/>
-            <a:ext cx="5440680" cy="4456853"/>
+            <a:off x="1138476" y="1750834"/>
+            <a:ext cx="12902724" cy="3724546"/>
           </a:xfrm>
         </p:spPr>
         <p:txBody>
           <a:bodyPr anchor="b"/>
           <a:lstStyle>
             <a:lvl1pPr algn="ctr">
-              <a:defRPr sz="4200"/>
+              <a:defRPr sz="9360"/>
             </a:lvl1pPr>
           </a:lstStyle>
           <a:p>
@@ -173,8 +174,8 @@
         </p:nvSpPr>
         <p:spPr>
           <a:xfrm>
-            <a:off x="800100" y="6723804"/>
-            <a:ext cx="4800600" cy="3090756"/>
+            <a:off x="1897460" y="5619013"/>
+            <a:ext cx="11384756" cy="2582912"/>
           </a:xfrm>
         </p:spPr>
         <p:txBody>
@@ -182,39 +183,39 @@
           <a:lstStyle>
             <a:lvl1pPr marL="0" indent="0" algn="ctr">
               <a:buNone/>
-              <a:defRPr sz="1680"/>
+              <a:defRPr sz="3744"/>
             </a:lvl1pPr>
-            <a:lvl2pPr marL="320040" indent="0" algn="ctr">
-              <a:buNone/>
-              <a:defRPr sz="1400"/>
+            <a:lvl2pPr marL="713232" indent="0" algn="ctr">
+              <a:buNone/>
+              <a:defRPr sz="3120"/>
             </a:lvl2pPr>
-            <a:lvl3pPr marL="640080" indent="0" algn="ctr">
-              <a:buNone/>
-              <a:defRPr sz="1260"/>
+            <a:lvl3pPr marL="1426464" indent="0" algn="ctr">
+              <a:buNone/>
+              <a:defRPr sz="2808"/>
             </a:lvl3pPr>
-            <a:lvl4pPr marL="960120" indent="0" algn="ctr">
-              <a:buNone/>
-              <a:defRPr sz="1120"/>
+            <a:lvl4pPr marL="2139696" indent="0" algn="ctr">
+              <a:buNone/>
+              <a:defRPr sz="2496"/>
             </a:lvl4pPr>
-            <a:lvl5pPr marL="1280160" indent="0" algn="ctr">
-              <a:buNone/>
-              <a:defRPr sz="1120"/>
+            <a:lvl5pPr marL="2852928" indent="0" algn="ctr">
+              <a:buNone/>
+              <a:defRPr sz="2496"/>
             </a:lvl5pPr>
-            <a:lvl6pPr marL="1600200" indent="0" algn="ctr">
-              <a:buNone/>
-              <a:defRPr sz="1120"/>
+            <a:lvl6pPr marL="3566160" indent="0" algn="ctr">
+              <a:buNone/>
+              <a:defRPr sz="2496"/>
             </a:lvl6pPr>
-            <a:lvl7pPr marL="1920240" indent="0" algn="ctr">
-              <a:buNone/>
-              <a:defRPr sz="1120"/>
+            <a:lvl7pPr marL="4279392" indent="0" algn="ctr">
+              <a:buNone/>
+              <a:defRPr sz="2496"/>
             </a:lvl7pPr>
-            <a:lvl8pPr marL="2240280" indent="0" algn="ctr">
-              <a:buNone/>
-              <a:defRPr sz="1120"/>
+            <a:lvl8pPr marL="4992624" indent="0" algn="ctr">
+              <a:buNone/>
+              <a:defRPr sz="2496"/>
             </a:lvl8pPr>
-            <a:lvl9pPr marL="2560320" indent="0" algn="ctr">
-              <a:buNone/>
-              <a:defRPr sz="1120"/>
+            <a:lvl9pPr marL="5705856" indent="0" algn="ctr">
+              <a:buNone/>
+              <a:defRPr sz="2496"/>
             </a:lvl9pPr>
           </a:lstStyle>
           <a:p>
@@ -294,7 +295,7 @@
     </p:spTree>
     <p:extLst>
       <p:ext uri="{BB962C8B-B14F-4D97-AF65-F5344CB8AC3E}">
-        <p14:creationId xmlns:p14="http://schemas.microsoft.com/office/powerpoint/2010/main" val="12932999"/>
+        <p14:creationId xmlns:p14="http://schemas.microsoft.com/office/powerpoint/2010/main" val="3736845816"/>
       </p:ext>
     </p:extLst>
   </p:cSld>
@@ -362,7 +363,7 @@
             <a:pPr lvl="0"/>
             <a:r>
               <a:rPr lang="en-US"/>
-              <a:t>Edit Master text styles</a:t>
+              <a:t>Click to edit Master text styles</a:t>
             </a:r>
           </a:p>
           <a:p>
@@ -464,7 +465,7 @@
     </p:spTree>
     <p:extLst>
       <p:ext uri="{BB962C8B-B14F-4D97-AF65-F5344CB8AC3E}">
-        <p14:creationId xmlns:p14="http://schemas.microsoft.com/office/powerpoint/2010/main" val="2131105291"/>
+        <p14:creationId xmlns:p14="http://schemas.microsoft.com/office/powerpoint/2010/main" val="4074493953"/>
       </p:ext>
     </p:extLst>
   </p:cSld>
@@ -503,8 +504,8 @@
         </p:nvSpPr>
         <p:spPr>
           <a:xfrm>
-            <a:off x="4580573" y="681567"/>
-            <a:ext cx="1380173" cy="10848764"/>
+            <a:off x="10862956" y="569578"/>
+            <a:ext cx="3273117" cy="9066199"/>
           </a:xfrm>
         </p:spPr>
         <p:txBody>
@@ -531,8 +532,8 @@
         </p:nvSpPr>
         <p:spPr>
           <a:xfrm>
-            <a:off x="440055" y="681567"/>
-            <a:ext cx="4060508" cy="10848764"/>
+            <a:off x="1043604" y="569578"/>
+            <a:ext cx="9629606" cy="9066199"/>
           </a:xfrm>
         </p:spPr>
         <p:txBody>
@@ -542,7 +543,7 @@
             <a:pPr lvl="0"/>
             <a:r>
               <a:rPr lang="en-US"/>
-              <a:t>Edit Master text styles</a:t>
+              <a:t>Click to edit Master text styles</a:t>
             </a:r>
           </a:p>
           <a:p>
@@ -644,7 +645,7 @@
     </p:spTree>
     <p:extLst>
       <p:ext uri="{BB962C8B-B14F-4D97-AF65-F5344CB8AC3E}">
-        <p14:creationId xmlns:p14="http://schemas.microsoft.com/office/powerpoint/2010/main" val="2814991552"/>
+        <p14:creationId xmlns:p14="http://schemas.microsoft.com/office/powerpoint/2010/main" val="602271635"/>
       </p:ext>
     </p:extLst>
   </p:cSld>
@@ -712,7 +713,7 @@
             <a:pPr lvl="0"/>
             <a:r>
               <a:rPr lang="en-US"/>
-              <a:t>Edit Master text styles</a:t>
+              <a:t>Click to edit Master text styles</a:t>
             </a:r>
           </a:p>
           <a:p>
@@ -814,7 +815,7 @@
     </p:spTree>
     <p:extLst>
       <p:ext uri="{BB962C8B-B14F-4D97-AF65-F5344CB8AC3E}">
-        <p14:creationId xmlns:p14="http://schemas.microsoft.com/office/powerpoint/2010/main" val="2035378521"/>
+        <p14:creationId xmlns:p14="http://schemas.microsoft.com/office/powerpoint/2010/main" val="3834413486"/>
       </p:ext>
     </p:extLst>
   </p:cSld>
@@ -853,15 +854,15 @@
         </p:nvSpPr>
         <p:spPr>
           <a:xfrm>
-            <a:off x="436722" y="3191514"/>
-            <a:ext cx="5520690" cy="5325109"/>
+            <a:off x="1035697" y="2667115"/>
+            <a:ext cx="13092470" cy="4450138"/>
           </a:xfrm>
         </p:spPr>
         <p:txBody>
           <a:bodyPr anchor="b"/>
           <a:lstStyle>
             <a:lvl1pPr>
-              <a:defRPr sz="4200"/>
+              <a:defRPr sz="9360"/>
             </a:lvl1pPr>
           </a:lstStyle>
           <a:p>
@@ -885,8 +886,8 @@
         </p:nvSpPr>
         <p:spPr>
           <a:xfrm>
-            <a:off x="436722" y="8567000"/>
-            <a:ext cx="5520690" cy="2800349"/>
+            <a:off x="1035697" y="7159353"/>
+            <a:ext cx="13092470" cy="2340222"/>
           </a:xfrm>
         </p:spPr>
         <p:txBody>
@@ -894,15 +895,15 @@
           <a:lstStyle>
             <a:lvl1pPr marL="0" indent="0">
               <a:buNone/>
-              <a:defRPr sz="1680">
+              <a:defRPr sz="3744">
                 <a:solidFill>
                   <a:schemeClr val="tx1"/>
                 </a:solidFill>
               </a:defRPr>
             </a:lvl1pPr>
-            <a:lvl2pPr marL="320040" indent="0">
-              <a:buNone/>
-              <a:defRPr sz="1400">
+            <a:lvl2pPr marL="713232" indent="0">
+              <a:buNone/>
+              <a:defRPr sz="3120">
                 <a:solidFill>
                   <a:schemeClr val="tx1">
                     <a:tint val="75000"/>
@@ -910,9 +911,9 @@
                 </a:solidFill>
               </a:defRPr>
             </a:lvl2pPr>
-            <a:lvl3pPr marL="640080" indent="0">
-              <a:buNone/>
-              <a:defRPr sz="1260">
+            <a:lvl3pPr marL="1426464" indent="0">
+              <a:buNone/>
+              <a:defRPr sz="2808">
                 <a:solidFill>
                   <a:schemeClr val="tx1">
                     <a:tint val="75000"/>
@@ -920,9 +921,9 @@
                 </a:solidFill>
               </a:defRPr>
             </a:lvl3pPr>
-            <a:lvl4pPr marL="960120" indent="0">
-              <a:buNone/>
-              <a:defRPr sz="1120">
+            <a:lvl4pPr marL="2139696" indent="0">
+              <a:buNone/>
+              <a:defRPr sz="2496">
                 <a:solidFill>
                   <a:schemeClr val="tx1">
                     <a:tint val="75000"/>
@@ -930,9 +931,9 @@
                 </a:solidFill>
               </a:defRPr>
             </a:lvl4pPr>
-            <a:lvl5pPr marL="1280160" indent="0">
-              <a:buNone/>
-              <a:defRPr sz="1120">
+            <a:lvl5pPr marL="2852928" indent="0">
+              <a:buNone/>
+              <a:defRPr sz="2496">
                 <a:solidFill>
                   <a:schemeClr val="tx1">
                     <a:tint val="75000"/>
@@ -940,9 +941,9 @@
                 </a:solidFill>
               </a:defRPr>
             </a:lvl5pPr>
-            <a:lvl6pPr marL="1600200" indent="0">
-              <a:buNone/>
-              <a:defRPr sz="1120">
+            <a:lvl6pPr marL="3566160" indent="0">
+              <a:buNone/>
+              <a:defRPr sz="2496">
                 <a:solidFill>
                   <a:schemeClr val="tx1">
                     <a:tint val="75000"/>
@@ -950,9 +951,9 @@
                 </a:solidFill>
               </a:defRPr>
             </a:lvl6pPr>
-            <a:lvl7pPr marL="1920240" indent="0">
-              <a:buNone/>
-              <a:defRPr sz="1120">
+            <a:lvl7pPr marL="4279392" indent="0">
+              <a:buNone/>
+              <a:defRPr sz="2496">
                 <a:solidFill>
                   <a:schemeClr val="tx1">
                     <a:tint val="75000"/>
@@ -960,9 +961,9 @@
                 </a:solidFill>
               </a:defRPr>
             </a:lvl7pPr>
-            <a:lvl8pPr marL="2240280" indent="0">
-              <a:buNone/>
-              <a:defRPr sz="1120">
+            <a:lvl8pPr marL="4992624" indent="0">
+              <a:buNone/>
+              <a:defRPr sz="2496">
                 <a:solidFill>
                   <a:schemeClr val="tx1">
                     <a:tint val="75000"/>
@@ -970,9 +971,9 @@
                 </a:solidFill>
               </a:defRPr>
             </a:lvl8pPr>
-            <a:lvl9pPr marL="2560320" indent="0">
-              <a:buNone/>
-              <a:defRPr sz="1120">
+            <a:lvl9pPr marL="5705856" indent="0">
+              <a:buNone/>
+              <a:defRPr sz="2496">
                 <a:solidFill>
                   <a:schemeClr val="tx1">
                     <a:tint val="75000"/>
@@ -985,7 +986,7 @@
             <a:pPr lvl="0"/>
             <a:r>
               <a:rPr lang="en-US"/>
-              <a:t>Edit Master text styles</a:t>
+              <a:t>Click to edit Master text styles</a:t>
             </a:r>
           </a:p>
         </p:txBody>
@@ -1058,7 +1059,7 @@
     </p:spTree>
     <p:extLst>
       <p:ext uri="{BB962C8B-B14F-4D97-AF65-F5344CB8AC3E}">
-        <p14:creationId xmlns:p14="http://schemas.microsoft.com/office/powerpoint/2010/main" val="2522138311"/>
+        <p14:creationId xmlns:p14="http://schemas.microsoft.com/office/powerpoint/2010/main" val="4164518602"/>
       </p:ext>
     </p:extLst>
   </p:cSld>
@@ -1120,8 +1121,8 @@
         </p:nvSpPr>
         <p:spPr>
           <a:xfrm>
-            <a:off x="440055" y="3407833"/>
-            <a:ext cx="2720340" cy="8122498"/>
+            <a:off x="1043603" y="2847891"/>
+            <a:ext cx="6451362" cy="6787886"/>
           </a:xfrm>
         </p:spPr>
         <p:txBody>
@@ -1131,7 +1132,7 @@
             <a:pPr lvl="0"/>
             <a:r>
               <a:rPr lang="en-US"/>
-              <a:t>Edit Master text styles</a:t>
+              <a:t>Click to edit Master text styles</a:t>
             </a:r>
           </a:p>
           <a:p>
@@ -1177,8 +1178,8 @@
         </p:nvSpPr>
         <p:spPr>
           <a:xfrm>
-            <a:off x="3240405" y="3407833"/>
-            <a:ext cx="2720340" cy="8122498"/>
+            <a:off x="7684710" y="2847891"/>
+            <a:ext cx="6451362" cy="6787886"/>
           </a:xfrm>
         </p:spPr>
         <p:txBody>
@@ -1188,7 +1189,7 @@
             <a:pPr lvl="0"/>
             <a:r>
               <a:rPr lang="en-US"/>
-              <a:t>Edit Master text styles</a:t>
+              <a:t>Click to edit Master text styles</a:t>
             </a:r>
           </a:p>
           <a:p>
@@ -1290,7 +1291,7 @@
     </p:spTree>
     <p:extLst>
       <p:ext uri="{BB962C8B-B14F-4D97-AF65-F5344CB8AC3E}">
-        <p14:creationId xmlns:p14="http://schemas.microsoft.com/office/powerpoint/2010/main" val="63651947"/>
+        <p14:creationId xmlns:p14="http://schemas.microsoft.com/office/powerpoint/2010/main" val="3151117644"/>
       </p:ext>
     </p:extLst>
   </p:cSld>
@@ -1329,8 +1330,8 @@
         </p:nvSpPr>
         <p:spPr>
           <a:xfrm>
-            <a:off x="440889" y="681570"/>
-            <a:ext cx="5520690" cy="2474384"/>
+            <a:off x="1045580" y="569580"/>
+            <a:ext cx="13092470" cy="2067817"/>
           </a:xfrm>
         </p:spPr>
         <p:txBody>
@@ -1357,8 +1358,8 @@
         </p:nvSpPr>
         <p:spPr>
           <a:xfrm>
-            <a:off x="440889" y="3138171"/>
-            <a:ext cx="2707838" cy="1537969"/>
+            <a:off x="1045581" y="2622536"/>
+            <a:ext cx="6421713" cy="1285265"/>
           </a:xfrm>
         </p:spPr>
         <p:txBody>
@@ -1366,46 +1367,46 @@
           <a:lstStyle>
             <a:lvl1pPr marL="0" indent="0">
               <a:buNone/>
-              <a:defRPr sz="1680" b="1"/>
+              <a:defRPr sz="3744" b="1"/>
             </a:lvl1pPr>
-            <a:lvl2pPr marL="320040" indent="0">
-              <a:buNone/>
-              <a:defRPr sz="1400" b="1"/>
+            <a:lvl2pPr marL="713232" indent="0">
+              <a:buNone/>
+              <a:defRPr sz="3120" b="1"/>
             </a:lvl2pPr>
-            <a:lvl3pPr marL="640080" indent="0">
-              <a:buNone/>
-              <a:defRPr sz="1260" b="1"/>
+            <a:lvl3pPr marL="1426464" indent="0">
+              <a:buNone/>
+              <a:defRPr sz="2808" b="1"/>
             </a:lvl3pPr>
-            <a:lvl4pPr marL="960120" indent="0">
-              <a:buNone/>
-              <a:defRPr sz="1120" b="1"/>
+            <a:lvl4pPr marL="2139696" indent="0">
+              <a:buNone/>
+              <a:defRPr sz="2496" b="1"/>
             </a:lvl4pPr>
-            <a:lvl5pPr marL="1280160" indent="0">
-              <a:buNone/>
-              <a:defRPr sz="1120" b="1"/>
+            <a:lvl5pPr marL="2852928" indent="0">
+              <a:buNone/>
+              <a:defRPr sz="2496" b="1"/>
             </a:lvl5pPr>
-            <a:lvl6pPr marL="1600200" indent="0">
-              <a:buNone/>
-              <a:defRPr sz="1120" b="1"/>
+            <a:lvl6pPr marL="3566160" indent="0">
+              <a:buNone/>
+              <a:defRPr sz="2496" b="1"/>
             </a:lvl6pPr>
-            <a:lvl7pPr marL="1920240" indent="0">
-              <a:buNone/>
-              <a:defRPr sz="1120" b="1"/>
+            <a:lvl7pPr marL="4279392" indent="0">
+              <a:buNone/>
+              <a:defRPr sz="2496" b="1"/>
             </a:lvl7pPr>
-            <a:lvl8pPr marL="2240280" indent="0">
-              <a:buNone/>
-              <a:defRPr sz="1120" b="1"/>
+            <a:lvl8pPr marL="4992624" indent="0">
+              <a:buNone/>
+              <a:defRPr sz="2496" b="1"/>
             </a:lvl8pPr>
-            <a:lvl9pPr marL="2560320" indent="0">
-              <a:buNone/>
-              <a:defRPr sz="1120" b="1"/>
+            <a:lvl9pPr marL="5705856" indent="0">
+              <a:buNone/>
+              <a:defRPr sz="2496" b="1"/>
             </a:lvl9pPr>
           </a:lstStyle>
           <a:p>
             <a:pPr lvl="0"/>
             <a:r>
               <a:rPr lang="en-US"/>
-              <a:t>Edit Master text styles</a:t>
+              <a:t>Click to edit Master text styles</a:t>
             </a:r>
           </a:p>
         </p:txBody>
@@ -1422,8 +1423,8 @@
         </p:nvSpPr>
         <p:spPr>
           <a:xfrm>
-            <a:off x="440889" y="4676140"/>
-            <a:ext cx="2707838" cy="6877898"/>
+            <a:off x="1045581" y="3907801"/>
+            <a:ext cx="6421713" cy="5747787"/>
           </a:xfrm>
         </p:spPr>
         <p:txBody>
@@ -1433,7 +1434,7 @@
             <a:pPr lvl="0"/>
             <a:r>
               <a:rPr lang="en-US"/>
-              <a:t>Edit Master text styles</a:t>
+              <a:t>Click to edit Master text styles</a:t>
             </a:r>
           </a:p>
           <a:p>
@@ -1479,8 +1480,8 @@
         </p:nvSpPr>
         <p:spPr>
           <a:xfrm>
-            <a:off x="3240405" y="3138171"/>
-            <a:ext cx="2721174" cy="1537969"/>
+            <a:off x="7684711" y="2622536"/>
+            <a:ext cx="6453339" cy="1285265"/>
           </a:xfrm>
         </p:spPr>
         <p:txBody>
@@ -1488,46 +1489,46 @@
           <a:lstStyle>
             <a:lvl1pPr marL="0" indent="0">
               <a:buNone/>
-              <a:defRPr sz="1680" b="1"/>
+              <a:defRPr sz="3744" b="1"/>
             </a:lvl1pPr>
-            <a:lvl2pPr marL="320040" indent="0">
-              <a:buNone/>
-              <a:defRPr sz="1400" b="1"/>
+            <a:lvl2pPr marL="713232" indent="0">
+              <a:buNone/>
+              <a:defRPr sz="3120" b="1"/>
             </a:lvl2pPr>
-            <a:lvl3pPr marL="640080" indent="0">
-              <a:buNone/>
-              <a:defRPr sz="1260" b="1"/>
+            <a:lvl3pPr marL="1426464" indent="0">
+              <a:buNone/>
+              <a:defRPr sz="2808" b="1"/>
             </a:lvl3pPr>
-            <a:lvl4pPr marL="960120" indent="0">
-              <a:buNone/>
-              <a:defRPr sz="1120" b="1"/>
+            <a:lvl4pPr marL="2139696" indent="0">
+              <a:buNone/>
+              <a:defRPr sz="2496" b="1"/>
             </a:lvl4pPr>
-            <a:lvl5pPr marL="1280160" indent="0">
-              <a:buNone/>
-              <a:defRPr sz="1120" b="1"/>
+            <a:lvl5pPr marL="2852928" indent="0">
+              <a:buNone/>
+              <a:defRPr sz="2496" b="1"/>
             </a:lvl5pPr>
-            <a:lvl6pPr marL="1600200" indent="0">
-              <a:buNone/>
-              <a:defRPr sz="1120" b="1"/>
+            <a:lvl6pPr marL="3566160" indent="0">
+              <a:buNone/>
+              <a:defRPr sz="2496" b="1"/>
             </a:lvl6pPr>
-            <a:lvl7pPr marL="1920240" indent="0">
-              <a:buNone/>
-              <a:defRPr sz="1120" b="1"/>
+            <a:lvl7pPr marL="4279392" indent="0">
+              <a:buNone/>
+              <a:defRPr sz="2496" b="1"/>
             </a:lvl7pPr>
-            <a:lvl8pPr marL="2240280" indent="0">
-              <a:buNone/>
-              <a:defRPr sz="1120" b="1"/>
+            <a:lvl8pPr marL="4992624" indent="0">
+              <a:buNone/>
+              <a:defRPr sz="2496" b="1"/>
             </a:lvl8pPr>
-            <a:lvl9pPr marL="2560320" indent="0">
-              <a:buNone/>
-              <a:defRPr sz="1120" b="1"/>
+            <a:lvl9pPr marL="5705856" indent="0">
+              <a:buNone/>
+              <a:defRPr sz="2496" b="1"/>
             </a:lvl9pPr>
           </a:lstStyle>
           <a:p>
             <a:pPr lvl="0"/>
             <a:r>
               <a:rPr lang="en-US"/>
-              <a:t>Edit Master text styles</a:t>
+              <a:t>Click to edit Master text styles</a:t>
             </a:r>
           </a:p>
         </p:txBody>
@@ -1544,8 +1545,8 @@
         </p:nvSpPr>
         <p:spPr>
           <a:xfrm>
-            <a:off x="3240405" y="4676140"/>
-            <a:ext cx="2721174" cy="6877898"/>
+            <a:off x="7684711" y="3907801"/>
+            <a:ext cx="6453339" cy="5747787"/>
           </a:xfrm>
         </p:spPr>
         <p:txBody>
@@ -1555,7 +1556,7 @@
             <a:pPr lvl="0"/>
             <a:r>
               <a:rPr lang="en-US"/>
-              <a:t>Edit Master text styles</a:t>
+              <a:t>Click to edit Master text styles</a:t>
             </a:r>
           </a:p>
           <a:p>
@@ -1657,7 +1658,7 @@
     </p:spTree>
     <p:extLst>
       <p:ext uri="{BB962C8B-B14F-4D97-AF65-F5344CB8AC3E}">
-        <p14:creationId xmlns:p14="http://schemas.microsoft.com/office/powerpoint/2010/main" val="724028970"/>
+        <p14:creationId xmlns:p14="http://schemas.microsoft.com/office/powerpoint/2010/main" val="519835138"/>
       </p:ext>
     </p:extLst>
   </p:cSld>
@@ -1775,7 +1776,7 @@
     </p:spTree>
     <p:extLst>
       <p:ext uri="{BB962C8B-B14F-4D97-AF65-F5344CB8AC3E}">
-        <p14:creationId xmlns:p14="http://schemas.microsoft.com/office/powerpoint/2010/main" val="955169747"/>
+        <p14:creationId xmlns:p14="http://schemas.microsoft.com/office/powerpoint/2010/main" val="3153727160"/>
       </p:ext>
     </p:extLst>
   </p:cSld>
@@ -1870,7 +1871,7 @@
     </p:spTree>
     <p:extLst>
       <p:ext uri="{BB962C8B-B14F-4D97-AF65-F5344CB8AC3E}">
-        <p14:creationId xmlns:p14="http://schemas.microsoft.com/office/powerpoint/2010/main" val="3961089993"/>
+        <p14:creationId xmlns:p14="http://schemas.microsoft.com/office/powerpoint/2010/main" val="2175604767"/>
       </p:ext>
     </p:extLst>
   </p:cSld>
@@ -1909,15 +1910,15 @@
         </p:nvSpPr>
         <p:spPr>
           <a:xfrm>
-            <a:off x="440889" y="853440"/>
-            <a:ext cx="2064425" cy="2987040"/>
+            <a:off x="1045580" y="713211"/>
+            <a:ext cx="4895840" cy="2496238"/>
           </a:xfrm>
         </p:spPr>
         <p:txBody>
           <a:bodyPr anchor="b"/>
           <a:lstStyle>
             <a:lvl1pPr>
-              <a:defRPr sz="2240"/>
+              <a:defRPr sz="4992"/>
             </a:lvl1pPr>
           </a:lstStyle>
           <a:p>
@@ -1941,46 +1942,46 @@
         </p:nvSpPr>
         <p:spPr>
           <a:xfrm>
-            <a:off x="2721174" y="1843196"/>
-            <a:ext cx="3240405" cy="9097433"/>
+            <a:off x="6453339" y="1540340"/>
+            <a:ext cx="7684710" cy="7602630"/>
           </a:xfrm>
         </p:spPr>
         <p:txBody>
           <a:bodyPr/>
           <a:lstStyle>
             <a:lvl1pPr>
-              <a:defRPr sz="2240"/>
+              <a:defRPr sz="4992"/>
             </a:lvl1pPr>
             <a:lvl2pPr>
-              <a:defRPr sz="1960"/>
+              <a:defRPr sz="4368"/>
             </a:lvl2pPr>
             <a:lvl3pPr>
-              <a:defRPr sz="1680"/>
+              <a:defRPr sz="3744"/>
             </a:lvl3pPr>
             <a:lvl4pPr>
-              <a:defRPr sz="1400"/>
+              <a:defRPr sz="3120"/>
             </a:lvl4pPr>
             <a:lvl5pPr>
-              <a:defRPr sz="1400"/>
+              <a:defRPr sz="3120"/>
             </a:lvl5pPr>
             <a:lvl6pPr>
-              <a:defRPr sz="1400"/>
+              <a:defRPr sz="3120"/>
             </a:lvl6pPr>
             <a:lvl7pPr>
-              <a:defRPr sz="1400"/>
+              <a:defRPr sz="3120"/>
             </a:lvl7pPr>
             <a:lvl8pPr>
-              <a:defRPr sz="1400"/>
+              <a:defRPr sz="3120"/>
             </a:lvl8pPr>
             <a:lvl9pPr>
-              <a:defRPr sz="1400"/>
+              <a:defRPr sz="3120"/>
             </a:lvl9pPr>
           </a:lstStyle>
           <a:p>
             <a:pPr lvl="0"/>
             <a:r>
               <a:rPr lang="en-US"/>
-              <a:t>Edit Master text styles</a:t>
+              <a:t>Click to edit Master text styles</a:t>
             </a:r>
           </a:p>
           <a:p>
@@ -2026,8 +2027,8 @@
         </p:nvSpPr>
         <p:spPr>
           <a:xfrm>
-            <a:off x="440889" y="3840480"/>
-            <a:ext cx="2064425" cy="7114964"/>
+            <a:off x="1045580" y="3209449"/>
+            <a:ext cx="4895840" cy="5945901"/>
           </a:xfrm>
         </p:spPr>
         <p:txBody>
@@ -2035,46 +2036,46 @@
           <a:lstStyle>
             <a:lvl1pPr marL="0" indent="0">
               <a:buNone/>
-              <a:defRPr sz="1120"/>
+              <a:defRPr sz="2496"/>
             </a:lvl1pPr>
-            <a:lvl2pPr marL="320040" indent="0">
-              <a:buNone/>
-              <a:defRPr sz="980"/>
+            <a:lvl2pPr marL="713232" indent="0">
+              <a:buNone/>
+              <a:defRPr sz="2184"/>
             </a:lvl2pPr>
-            <a:lvl3pPr marL="640080" indent="0">
-              <a:buNone/>
-              <a:defRPr sz="840"/>
+            <a:lvl3pPr marL="1426464" indent="0">
+              <a:buNone/>
+              <a:defRPr sz="1872"/>
             </a:lvl3pPr>
-            <a:lvl4pPr marL="960120" indent="0">
-              <a:buNone/>
-              <a:defRPr sz="700"/>
+            <a:lvl4pPr marL="2139696" indent="0">
+              <a:buNone/>
+              <a:defRPr sz="1560"/>
             </a:lvl4pPr>
-            <a:lvl5pPr marL="1280160" indent="0">
-              <a:buNone/>
-              <a:defRPr sz="700"/>
+            <a:lvl5pPr marL="2852928" indent="0">
+              <a:buNone/>
+              <a:defRPr sz="1560"/>
             </a:lvl5pPr>
-            <a:lvl6pPr marL="1600200" indent="0">
-              <a:buNone/>
-              <a:defRPr sz="700"/>
+            <a:lvl6pPr marL="3566160" indent="0">
+              <a:buNone/>
+              <a:defRPr sz="1560"/>
             </a:lvl6pPr>
-            <a:lvl7pPr marL="1920240" indent="0">
-              <a:buNone/>
-              <a:defRPr sz="700"/>
+            <a:lvl7pPr marL="4279392" indent="0">
+              <a:buNone/>
+              <a:defRPr sz="1560"/>
             </a:lvl7pPr>
-            <a:lvl8pPr marL="2240280" indent="0">
-              <a:buNone/>
-              <a:defRPr sz="700"/>
+            <a:lvl8pPr marL="4992624" indent="0">
+              <a:buNone/>
+              <a:defRPr sz="1560"/>
             </a:lvl8pPr>
-            <a:lvl9pPr marL="2560320" indent="0">
-              <a:buNone/>
-              <a:defRPr sz="700"/>
+            <a:lvl9pPr marL="5705856" indent="0">
+              <a:buNone/>
+              <a:defRPr sz="1560"/>
             </a:lvl9pPr>
           </a:lstStyle>
           <a:p>
             <a:pPr lvl="0"/>
             <a:r>
               <a:rPr lang="en-US"/>
-              <a:t>Edit Master text styles</a:t>
+              <a:t>Click to edit Master text styles</a:t>
             </a:r>
           </a:p>
         </p:txBody>
@@ -2147,7 +2148,7 @@
     </p:spTree>
     <p:extLst>
       <p:ext uri="{BB962C8B-B14F-4D97-AF65-F5344CB8AC3E}">
-        <p14:creationId xmlns:p14="http://schemas.microsoft.com/office/powerpoint/2010/main" val="3484242626"/>
+        <p14:creationId xmlns:p14="http://schemas.microsoft.com/office/powerpoint/2010/main" val="1134789784"/>
       </p:ext>
     </p:extLst>
   </p:cSld>
@@ -2186,15 +2187,15 @@
         </p:nvSpPr>
         <p:spPr>
           <a:xfrm>
-            <a:off x="440889" y="853440"/>
-            <a:ext cx="2064425" cy="2987040"/>
+            <a:off x="1045580" y="713211"/>
+            <a:ext cx="4895840" cy="2496238"/>
           </a:xfrm>
         </p:spPr>
         <p:txBody>
           <a:bodyPr anchor="b"/>
           <a:lstStyle>
             <a:lvl1pPr>
-              <a:defRPr sz="2240"/>
+              <a:defRPr sz="4992"/>
             </a:lvl1pPr>
           </a:lstStyle>
           <a:p>
@@ -2218,8 +2219,8 @@
         </p:nvSpPr>
         <p:spPr>
           <a:xfrm>
-            <a:off x="2721174" y="1843196"/>
-            <a:ext cx="3240405" cy="9097433"/>
+            <a:off x="6453339" y="1540340"/>
+            <a:ext cx="7684710" cy="7602630"/>
           </a:xfrm>
         </p:spPr>
         <p:txBody>
@@ -2227,39 +2228,39 @@
           <a:lstStyle>
             <a:lvl1pPr marL="0" indent="0">
               <a:buNone/>
-              <a:defRPr sz="2240"/>
+              <a:defRPr sz="4992"/>
             </a:lvl1pPr>
-            <a:lvl2pPr marL="320040" indent="0">
-              <a:buNone/>
-              <a:defRPr sz="1960"/>
+            <a:lvl2pPr marL="713232" indent="0">
+              <a:buNone/>
+              <a:defRPr sz="4368"/>
             </a:lvl2pPr>
-            <a:lvl3pPr marL="640080" indent="0">
-              <a:buNone/>
-              <a:defRPr sz="1680"/>
+            <a:lvl3pPr marL="1426464" indent="0">
+              <a:buNone/>
+              <a:defRPr sz="3744"/>
             </a:lvl3pPr>
-            <a:lvl4pPr marL="960120" indent="0">
-              <a:buNone/>
-              <a:defRPr sz="1400"/>
+            <a:lvl4pPr marL="2139696" indent="0">
+              <a:buNone/>
+              <a:defRPr sz="3120"/>
             </a:lvl4pPr>
-            <a:lvl5pPr marL="1280160" indent="0">
-              <a:buNone/>
-              <a:defRPr sz="1400"/>
+            <a:lvl5pPr marL="2852928" indent="0">
+              <a:buNone/>
+              <a:defRPr sz="3120"/>
             </a:lvl5pPr>
-            <a:lvl6pPr marL="1600200" indent="0">
-              <a:buNone/>
-              <a:defRPr sz="1400"/>
+            <a:lvl6pPr marL="3566160" indent="0">
+              <a:buNone/>
+              <a:defRPr sz="3120"/>
             </a:lvl6pPr>
-            <a:lvl7pPr marL="1920240" indent="0">
-              <a:buNone/>
-              <a:defRPr sz="1400"/>
+            <a:lvl7pPr marL="4279392" indent="0">
+              <a:buNone/>
+              <a:defRPr sz="3120"/>
             </a:lvl7pPr>
-            <a:lvl8pPr marL="2240280" indent="0">
-              <a:buNone/>
-              <a:defRPr sz="1400"/>
+            <a:lvl8pPr marL="4992624" indent="0">
+              <a:buNone/>
+              <a:defRPr sz="3120"/>
             </a:lvl8pPr>
-            <a:lvl9pPr marL="2560320" indent="0">
-              <a:buNone/>
-              <a:defRPr sz="1400"/>
+            <a:lvl9pPr marL="5705856" indent="0">
+              <a:buNone/>
+              <a:defRPr sz="3120"/>
             </a:lvl9pPr>
           </a:lstStyle>
           <a:p>
@@ -2283,8 +2284,8 @@
         </p:nvSpPr>
         <p:spPr>
           <a:xfrm>
-            <a:off x="440889" y="3840480"/>
-            <a:ext cx="2064425" cy="7114964"/>
+            <a:off x="1045580" y="3209449"/>
+            <a:ext cx="4895840" cy="5945901"/>
           </a:xfrm>
         </p:spPr>
         <p:txBody>
@@ -2292,46 +2293,46 @@
           <a:lstStyle>
             <a:lvl1pPr marL="0" indent="0">
               <a:buNone/>
-              <a:defRPr sz="1120"/>
+              <a:defRPr sz="2496"/>
             </a:lvl1pPr>
-            <a:lvl2pPr marL="320040" indent="0">
-              <a:buNone/>
-              <a:defRPr sz="980"/>
+            <a:lvl2pPr marL="713232" indent="0">
+              <a:buNone/>
+              <a:defRPr sz="2184"/>
             </a:lvl2pPr>
-            <a:lvl3pPr marL="640080" indent="0">
-              <a:buNone/>
-              <a:defRPr sz="840"/>
+            <a:lvl3pPr marL="1426464" indent="0">
+              <a:buNone/>
+              <a:defRPr sz="1872"/>
             </a:lvl3pPr>
-            <a:lvl4pPr marL="960120" indent="0">
-              <a:buNone/>
-              <a:defRPr sz="700"/>
+            <a:lvl4pPr marL="2139696" indent="0">
+              <a:buNone/>
+              <a:defRPr sz="1560"/>
             </a:lvl4pPr>
-            <a:lvl5pPr marL="1280160" indent="0">
-              <a:buNone/>
-              <a:defRPr sz="700"/>
+            <a:lvl5pPr marL="2852928" indent="0">
+              <a:buNone/>
+              <a:defRPr sz="1560"/>
             </a:lvl5pPr>
-            <a:lvl6pPr marL="1600200" indent="0">
-              <a:buNone/>
-              <a:defRPr sz="700"/>
+            <a:lvl6pPr marL="3566160" indent="0">
+              <a:buNone/>
+              <a:defRPr sz="1560"/>
             </a:lvl6pPr>
-            <a:lvl7pPr marL="1920240" indent="0">
-              <a:buNone/>
-              <a:defRPr sz="700"/>
+            <a:lvl7pPr marL="4279392" indent="0">
+              <a:buNone/>
+              <a:defRPr sz="1560"/>
             </a:lvl7pPr>
-            <a:lvl8pPr marL="2240280" indent="0">
-              <a:buNone/>
-              <a:defRPr sz="700"/>
+            <a:lvl8pPr marL="4992624" indent="0">
+              <a:buNone/>
+              <a:defRPr sz="1560"/>
             </a:lvl8pPr>
-            <a:lvl9pPr marL="2560320" indent="0">
-              <a:buNone/>
-              <a:defRPr sz="700"/>
+            <a:lvl9pPr marL="5705856" indent="0">
+              <a:buNone/>
+              <a:defRPr sz="1560"/>
             </a:lvl9pPr>
           </a:lstStyle>
           <a:p>
             <a:pPr lvl="0"/>
             <a:r>
               <a:rPr lang="en-US"/>
-              <a:t>Edit Master text styles</a:t>
+              <a:t>Click to edit Master text styles</a:t>
             </a:r>
           </a:p>
         </p:txBody>
@@ -2404,7 +2405,7 @@
     </p:spTree>
     <p:extLst>
       <p:ext uri="{BB962C8B-B14F-4D97-AF65-F5344CB8AC3E}">
-        <p14:creationId xmlns:p14="http://schemas.microsoft.com/office/powerpoint/2010/main" val="2088083951"/>
+        <p14:creationId xmlns:p14="http://schemas.microsoft.com/office/powerpoint/2010/main" val="671100594"/>
       </p:ext>
     </p:extLst>
   </p:cSld>
@@ -2448,8 +2449,8 @@
         </p:nvSpPr>
         <p:spPr>
           <a:xfrm>
-            <a:off x="440055" y="681570"/>
-            <a:ext cx="5520690" cy="2474384"/>
+            <a:off x="1043603" y="569580"/>
+            <a:ext cx="13092470" cy="2067817"/>
           </a:xfrm>
           <a:prstGeom prst="rect">
             <a:avLst/>
@@ -2481,8 +2482,8 @@
         </p:nvSpPr>
         <p:spPr>
           <a:xfrm>
-            <a:off x="440055" y="3407833"/>
-            <a:ext cx="5520690" cy="8122498"/>
+            <a:off x="1043603" y="2847891"/>
+            <a:ext cx="13092470" cy="6787886"/>
           </a:xfrm>
           <a:prstGeom prst="rect">
             <a:avLst/>
@@ -2497,7 +2498,7 @@
             <a:pPr lvl="0"/>
             <a:r>
               <a:rPr lang="en-US"/>
-              <a:t>Edit Master text styles</a:t>
+              <a:t>Click to edit Master text styles</a:t>
             </a:r>
           </a:p>
           <a:p>
@@ -2543,8 +2544,8 @@
         </p:nvSpPr>
         <p:spPr>
           <a:xfrm>
-            <a:off x="440055" y="11865189"/>
-            <a:ext cx="1440180" cy="681567"/>
+            <a:off x="1043603" y="9915615"/>
+            <a:ext cx="3415427" cy="569578"/>
           </a:xfrm>
           <a:prstGeom prst="rect">
             <a:avLst/>
@@ -2554,7 +2555,7 @@
           <a:bodyPr vert="horz" lIns="91440" tIns="45720" rIns="91440" bIns="45720" rtlCol="0" anchor="ctr"/>
           <a:lstStyle>
             <a:lvl1pPr algn="l">
-              <a:defRPr sz="840">
+              <a:defRPr sz="1872">
                 <a:solidFill>
                   <a:schemeClr val="tx1">
                     <a:tint val="75000"/>
@@ -2584,8 +2585,8 @@
         </p:nvSpPr>
         <p:spPr>
           <a:xfrm>
-            <a:off x="2120265" y="11865189"/>
-            <a:ext cx="2160270" cy="681567"/>
+            <a:off x="5028268" y="9915615"/>
+            <a:ext cx="5123140" cy="569578"/>
           </a:xfrm>
           <a:prstGeom prst="rect">
             <a:avLst/>
@@ -2595,7 +2596,7 @@
           <a:bodyPr vert="horz" lIns="91440" tIns="45720" rIns="91440" bIns="45720" rtlCol="0" anchor="ctr"/>
           <a:lstStyle>
             <a:lvl1pPr algn="ctr">
-              <a:defRPr sz="840">
+              <a:defRPr sz="1872">
                 <a:solidFill>
                   <a:schemeClr val="tx1">
                     <a:tint val="75000"/>
@@ -2621,8 +2622,8 @@
         </p:nvSpPr>
         <p:spPr>
           <a:xfrm>
-            <a:off x="4520565" y="11865189"/>
-            <a:ext cx="1440180" cy="681567"/>
+            <a:off x="10720645" y="9915615"/>
+            <a:ext cx="3415427" cy="569578"/>
           </a:xfrm>
           <a:prstGeom prst="rect">
             <a:avLst/>
@@ -2632,7 +2633,7 @@
           <a:bodyPr vert="horz" lIns="91440" tIns="45720" rIns="91440" bIns="45720" rtlCol="0" anchor="ctr"/>
           <a:lstStyle>
             <a:lvl1pPr algn="r">
-              <a:defRPr sz="840">
+              <a:defRPr sz="1872">
                 <a:solidFill>
                   <a:schemeClr val="tx1">
                     <a:tint val="75000"/>
@@ -2653,27 +2654,27 @@
     </p:spTree>
     <p:extLst>
       <p:ext uri="{BB962C8B-B14F-4D97-AF65-F5344CB8AC3E}">
-        <p14:creationId xmlns:p14="http://schemas.microsoft.com/office/powerpoint/2010/main" val="2247193285"/>
+        <p14:creationId xmlns:p14="http://schemas.microsoft.com/office/powerpoint/2010/main" val="2431342902"/>
       </p:ext>
     </p:extLst>
   </p:cSld>
   <p:clrMap bg1="lt1" tx1="dk1" bg2="lt2" tx2="dk2" accent1="accent1" accent2="accent2" accent3="accent3" accent4="accent4" accent5="accent5" accent6="accent6" hlink="hlink" folHlink="folHlink"/>
   <p:sldLayoutIdLst>
-    <p:sldLayoutId id="2147483673" r:id="rId1"/>
-    <p:sldLayoutId id="2147483674" r:id="rId2"/>
-    <p:sldLayoutId id="2147483675" r:id="rId3"/>
-    <p:sldLayoutId id="2147483676" r:id="rId4"/>
-    <p:sldLayoutId id="2147483677" r:id="rId5"/>
-    <p:sldLayoutId id="2147483678" r:id="rId6"/>
-    <p:sldLayoutId id="2147483679" r:id="rId7"/>
-    <p:sldLayoutId id="2147483680" r:id="rId8"/>
-    <p:sldLayoutId id="2147483681" r:id="rId9"/>
-    <p:sldLayoutId id="2147483682" r:id="rId10"/>
-    <p:sldLayoutId id="2147483683" r:id="rId11"/>
+    <p:sldLayoutId id="2147483721" r:id="rId1"/>
+    <p:sldLayoutId id="2147483722" r:id="rId2"/>
+    <p:sldLayoutId id="2147483723" r:id="rId3"/>
+    <p:sldLayoutId id="2147483724" r:id="rId4"/>
+    <p:sldLayoutId id="2147483725" r:id="rId5"/>
+    <p:sldLayoutId id="2147483726" r:id="rId6"/>
+    <p:sldLayoutId id="2147483727" r:id="rId7"/>
+    <p:sldLayoutId id="2147483728" r:id="rId8"/>
+    <p:sldLayoutId id="2147483729" r:id="rId9"/>
+    <p:sldLayoutId id="2147483730" r:id="rId10"/>
+    <p:sldLayoutId id="2147483731" r:id="rId11"/>
   </p:sldLayoutIdLst>
   <p:txStyles>
     <p:titleStyle>
-      <a:lvl1pPr algn="l" defTabSz="640080" rtl="0" eaLnBrk="1" latinLnBrk="0" hangingPunct="1">
+      <a:lvl1pPr algn="l" defTabSz="1426464" rtl="0" eaLnBrk="1" latinLnBrk="0" hangingPunct="1">
         <a:lnSpc>
           <a:spcPct val="90000"/>
         </a:lnSpc>
@@ -2681,7 +2682,7 @@
           <a:spcPct val="0"/>
         </a:spcBef>
         <a:buNone/>
-        <a:defRPr sz="3080" kern="1200">
+        <a:defRPr sz="6864" kern="1200">
           <a:solidFill>
             <a:schemeClr val="tx1"/>
           </a:solidFill>
@@ -2692,16 +2693,16 @@
       </a:lvl1pPr>
     </p:titleStyle>
     <p:bodyStyle>
-      <a:lvl1pPr marL="160020" indent="-160020" algn="l" defTabSz="640080" rtl="0" eaLnBrk="1" latinLnBrk="0" hangingPunct="1">
+      <a:lvl1pPr marL="356616" indent="-356616" algn="l" defTabSz="1426464" rtl="0" eaLnBrk="1" latinLnBrk="0" hangingPunct="1">
         <a:lnSpc>
           <a:spcPct val="90000"/>
         </a:lnSpc>
         <a:spcBef>
-          <a:spcPts val="700"/>
+          <a:spcPts val="1560"/>
         </a:spcBef>
         <a:buFont typeface="Arial" panose="020B0604020202020204" pitchFamily="34" charset="0"/>
         <a:buChar char="•"/>
-        <a:defRPr sz="1960" kern="1200">
+        <a:defRPr sz="4368" kern="1200">
           <a:solidFill>
             <a:schemeClr val="tx1"/>
           </a:solidFill>
@@ -2710,16 +2711,16 @@
           <a:cs typeface="+mn-cs"/>
         </a:defRPr>
       </a:lvl1pPr>
-      <a:lvl2pPr marL="480060" indent="-160020" algn="l" defTabSz="640080" rtl="0" eaLnBrk="1" latinLnBrk="0" hangingPunct="1">
+      <a:lvl2pPr marL="1069848" indent="-356616" algn="l" defTabSz="1426464" rtl="0" eaLnBrk="1" latinLnBrk="0" hangingPunct="1">
         <a:lnSpc>
           <a:spcPct val="90000"/>
         </a:lnSpc>
         <a:spcBef>
-          <a:spcPts val="350"/>
+          <a:spcPts val="780"/>
         </a:spcBef>
         <a:buFont typeface="Arial" panose="020B0604020202020204" pitchFamily="34" charset="0"/>
         <a:buChar char="•"/>
-        <a:defRPr sz="1680" kern="1200">
+        <a:defRPr sz="3744" kern="1200">
           <a:solidFill>
             <a:schemeClr val="tx1"/>
           </a:solidFill>
@@ -2728,16 +2729,16 @@
           <a:cs typeface="+mn-cs"/>
         </a:defRPr>
       </a:lvl2pPr>
-      <a:lvl3pPr marL="800100" indent="-160020" algn="l" defTabSz="640080" rtl="0" eaLnBrk="1" latinLnBrk="0" hangingPunct="1">
+      <a:lvl3pPr marL="1783080" indent="-356616" algn="l" defTabSz="1426464" rtl="0" eaLnBrk="1" latinLnBrk="0" hangingPunct="1">
         <a:lnSpc>
           <a:spcPct val="90000"/>
         </a:lnSpc>
         <a:spcBef>
-          <a:spcPts val="350"/>
+          <a:spcPts val="780"/>
         </a:spcBef>
         <a:buFont typeface="Arial" panose="020B0604020202020204" pitchFamily="34" charset="0"/>
         <a:buChar char="•"/>
-        <a:defRPr sz="1400" kern="1200">
+        <a:defRPr sz="3120" kern="1200">
           <a:solidFill>
             <a:schemeClr val="tx1"/>
           </a:solidFill>
@@ -2746,16 +2747,16 @@
           <a:cs typeface="+mn-cs"/>
         </a:defRPr>
       </a:lvl3pPr>
-      <a:lvl4pPr marL="1120140" indent="-160020" algn="l" defTabSz="640080" rtl="0" eaLnBrk="1" latinLnBrk="0" hangingPunct="1">
+      <a:lvl4pPr marL="2496312" indent="-356616" algn="l" defTabSz="1426464" rtl="0" eaLnBrk="1" latinLnBrk="0" hangingPunct="1">
         <a:lnSpc>
           <a:spcPct val="90000"/>
         </a:lnSpc>
         <a:spcBef>
-          <a:spcPts val="350"/>
+          <a:spcPts val="780"/>
         </a:spcBef>
         <a:buFont typeface="Arial" panose="020B0604020202020204" pitchFamily="34" charset="0"/>
         <a:buChar char="•"/>
-        <a:defRPr sz="1260" kern="1200">
+        <a:defRPr sz="2808" kern="1200">
           <a:solidFill>
             <a:schemeClr val="tx1"/>
           </a:solidFill>
@@ -2764,16 +2765,16 @@
           <a:cs typeface="+mn-cs"/>
         </a:defRPr>
       </a:lvl4pPr>
-      <a:lvl5pPr marL="1440180" indent="-160020" algn="l" defTabSz="640080" rtl="0" eaLnBrk="1" latinLnBrk="0" hangingPunct="1">
+      <a:lvl5pPr marL="3209544" indent="-356616" algn="l" defTabSz="1426464" rtl="0" eaLnBrk="1" latinLnBrk="0" hangingPunct="1">
         <a:lnSpc>
           <a:spcPct val="90000"/>
         </a:lnSpc>
         <a:spcBef>
-          <a:spcPts val="350"/>
+          <a:spcPts val="780"/>
         </a:spcBef>
         <a:buFont typeface="Arial" panose="020B0604020202020204" pitchFamily="34" charset="0"/>
         <a:buChar char="•"/>
-        <a:defRPr sz="1260" kern="1200">
+        <a:defRPr sz="2808" kern="1200">
           <a:solidFill>
             <a:schemeClr val="tx1"/>
           </a:solidFill>
@@ -2782,16 +2783,16 @@
           <a:cs typeface="+mn-cs"/>
         </a:defRPr>
       </a:lvl5pPr>
-      <a:lvl6pPr marL="1760220" indent="-160020" algn="l" defTabSz="640080" rtl="0" eaLnBrk="1" latinLnBrk="0" hangingPunct="1">
+      <a:lvl6pPr marL="3922776" indent="-356616" algn="l" defTabSz="1426464" rtl="0" eaLnBrk="1" latinLnBrk="0" hangingPunct="1">
         <a:lnSpc>
           <a:spcPct val="90000"/>
         </a:lnSpc>
         <a:spcBef>
-          <a:spcPts val="350"/>
+          <a:spcPts val="780"/>
         </a:spcBef>
         <a:buFont typeface="Arial" panose="020B0604020202020204" pitchFamily="34" charset="0"/>
         <a:buChar char="•"/>
-        <a:defRPr sz="1260" kern="1200">
+        <a:defRPr sz="2808" kern="1200">
           <a:solidFill>
             <a:schemeClr val="tx1"/>
           </a:solidFill>
@@ -2800,16 +2801,16 @@
           <a:cs typeface="+mn-cs"/>
         </a:defRPr>
       </a:lvl6pPr>
-      <a:lvl7pPr marL="2080260" indent="-160020" algn="l" defTabSz="640080" rtl="0" eaLnBrk="1" latinLnBrk="0" hangingPunct="1">
+      <a:lvl7pPr marL="4636008" indent="-356616" algn="l" defTabSz="1426464" rtl="0" eaLnBrk="1" latinLnBrk="0" hangingPunct="1">
         <a:lnSpc>
           <a:spcPct val="90000"/>
         </a:lnSpc>
         <a:spcBef>
-          <a:spcPts val="350"/>
+          <a:spcPts val="780"/>
         </a:spcBef>
         <a:buFont typeface="Arial" panose="020B0604020202020204" pitchFamily="34" charset="0"/>
         <a:buChar char="•"/>
-        <a:defRPr sz="1260" kern="1200">
+        <a:defRPr sz="2808" kern="1200">
           <a:solidFill>
             <a:schemeClr val="tx1"/>
           </a:solidFill>
@@ -2818,16 +2819,16 @@
           <a:cs typeface="+mn-cs"/>
         </a:defRPr>
       </a:lvl7pPr>
-      <a:lvl8pPr marL="2400300" indent="-160020" algn="l" defTabSz="640080" rtl="0" eaLnBrk="1" latinLnBrk="0" hangingPunct="1">
+      <a:lvl8pPr marL="5349240" indent="-356616" algn="l" defTabSz="1426464" rtl="0" eaLnBrk="1" latinLnBrk="0" hangingPunct="1">
         <a:lnSpc>
           <a:spcPct val="90000"/>
         </a:lnSpc>
         <a:spcBef>
-          <a:spcPts val="350"/>
+          <a:spcPts val="780"/>
         </a:spcBef>
         <a:buFont typeface="Arial" panose="020B0604020202020204" pitchFamily="34" charset="0"/>
         <a:buChar char="•"/>
-        <a:defRPr sz="1260" kern="1200">
+        <a:defRPr sz="2808" kern="1200">
           <a:solidFill>
             <a:schemeClr val="tx1"/>
           </a:solidFill>
@@ -2836,16 +2837,16 @@
           <a:cs typeface="+mn-cs"/>
         </a:defRPr>
       </a:lvl8pPr>
-      <a:lvl9pPr marL="2720340" indent="-160020" algn="l" defTabSz="640080" rtl="0" eaLnBrk="1" latinLnBrk="0" hangingPunct="1">
+      <a:lvl9pPr marL="6062472" indent="-356616" algn="l" defTabSz="1426464" rtl="0" eaLnBrk="1" latinLnBrk="0" hangingPunct="1">
         <a:lnSpc>
           <a:spcPct val="90000"/>
         </a:lnSpc>
         <a:spcBef>
-          <a:spcPts val="350"/>
+          <a:spcPts val="780"/>
         </a:spcBef>
         <a:buFont typeface="Arial" panose="020B0604020202020204" pitchFamily="34" charset="0"/>
         <a:buChar char="•"/>
-        <a:defRPr sz="1260" kern="1200">
+        <a:defRPr sz="2808" kern="1200">
           <a:solidFill>
             <a:schemeClr val="tx1"/>
           </a:solidFill>
@@ -2859,8 +2860,8 @@
       <a:defPPr>
         <a:defRPr lang="en-US"/>
       </a:defPPr>
-      <a:lvl1pPr marL="0" algn="l" defTabSz="640080" rtl="0" eaLnBrk="1" latinLnBrk="0" hangingPunct="1">
-        <a:defRPr sz="1260" kern="1200">
+      <a:lvl1pPr marL="0" algn="l" defTabSz="1426464" rtl="0" eaLnBrk="1" latinLnBrk="0" hangingPunct="1">
+        <a:defRPr sz="2808" kern="1200">
           <a:solidFill>
             <a:schemeClr val="tx1"/>
           </a:solidFill>
@@ -2869,8 +2870,8 @@
           <a:cs typeface="+mn-cs"/>
         </a:defRPr>
       </a:lvl1pPr>
-      <a:lvl2pPr marL="320040" algn="l" defTabSz="640080" rtl="0" eaLnBrk="1" latinLnBrk="0" hangingPunct="1">
-        <a:defRPr sz="1260" kern="1200">
+      <a:lvl2pPr marL="713232" algn="l" defTabSz="1426464" rtl="0" eaLnBrk="1" latinLnBrk="0" hangingPunct="1">
+        <a:defRPr sz="2808" kern="1200">
           <a:solidFill>
             <a:schemeClr val="tx1"/>
           </a:solidFill>
@@ -2879,8 +2880,8 @@
           <a:cs typeface="+mn-cs"/>
         </a:defRPr>
       </a:lvl2pPr>
-      <a:lvl3pPr marL="640080" algn="l" defTabSz="640080" rtl="0" eaLnBrk="1" latinLnBrk="0" hangingPunct="1">
-        <a:defRPr sz="1260" kern="1200">
+      <a:lvl3pPr marL="1426464" algn="l" defTabSz="1426464" rtl="0" eaLnBrk="1" latinLnBrk="0" hangingPunct="1">
+        <a:defRPr sz="2808" kern="1200">
           <a:solidFill>
             <a:schemeClr val="tx1"/>
           </a:solidFill>
@@ -2889,8 +2890,8 @@
           <a:cs typeface="+mn-cs"/>
         </a:defRPr>
       </a:lvl3pPr>
-      <a:lvl4pPr marL="960120" algn="l" defTabSz="640080" rtl="0" eaLnBrk="1" latinLnBrk="0" hangingPunct="1">
-        <a:defRPr sz="1260" kern="1200">
+      <a:lvl4pPr marL="2139696" algn="l" defTabSz="1426464" rtl="0" eaLnBrk="1" latinLnBrk="0" hangingPunct="1">
+        <a:defRPr sz="2808" kern="1200">
           <a:solidFill>
             <a:schemeClr val="tx1"/>
           </a:solidFill>
@@ -2899,8 +2900,8 @@
           <a:cs typeface="+mn-cs"/>
         </a:defRPr>
       </a:lvl4pPr>
-      <a:lvl5pPr marL="1280160" algn="l" defTabSz="640080" rtl="0" eaLnBrk="1" latinLnBrk="0" hangingPunct="1">
-        <a:defRPr sz="1260" kern="1200">
+      <a:lvl5pPr marL="2852928" algn="l" defTabSz="1426464" rtl="0" eaLnBrk="1" latinLnBrk="0" hangingPunct="1">
+        <a:defRPr sz="2808" kern="1200">
           <a:solidFill>
             <a:schemeClr val="tx1"/>
           </a:solidFill>
@@ -2909,8 +2910,8 @@
           <a:cs typeface="+mn-cs"/>
         </a:defRPr>
       </a:lvl5pPr>
-      <a:lvl6pPr marL="1600200" algn="l" defTabSz="640080" rtl="0" eaLnBrk="1" latinLnBrk="0" hangingPunct="1">
-        <a:defRPr sz="1260" kern="1200">
+      <a:lvl6pPr marL="3566160" algn="l" defTabSz="1426464" rtl="0" eaLnBrk="1" latinLnBrk="0" hangingPunct="1">
+        <a:defRPr sz="2808" kern="1200">
           <a:solidFill>
             <a:schemeClr val="tx1"/>
           </a:solidFill>
@@ -2919,8 +2920,8 @@
           <a:cs typeface="+mn-cs"/>
         </a:defRPr>
       </a:lvl6pPr>
-      <a:lvl7pPr marL="1920240" algn="l" defTabSz="640080" rtl="0" eaLnBrk="1" latinLnBrk="0" hangingPunct="1">
-        <a:defRPr sz="1260" kern="1200">
+      <a:lvl7pPr marL="4279392" algn="l" defTabSz="1426464" rtl="0" eaLnBrk="1" latinLnBrk="0" hangingPunct="1">
+        <a:defRPr sz="2808" kern="1200">
           <a:solidFill>
             <a:schemeClr val="tx1"/>
           </a:solidFill>
@@ -2929,8 +2930,8 @@
           <a:cs typeface="+mn-cs"/>
         </a:defRPr>
       </a:lvl7pPr>
-      <a:lvl8pPr marL="2240280" algn="l" defTabSz="640080" rtl="0" eaLnBrk="1" latinLnBrk="0" hangingPunct="1">
-        <a:defRPr sz="1260" kern="1200">
+      <a:lvl8pPr marL="4992624" algn="l" defTabSz="1426464" rtl="0" eaLnBrk="1" latinLnBrk="0" hangingPunct="1">
+        <a:defRPr sz="2808" kern="1200">
           <a:solidFill>
             <a:schemeClr val="tx1"/>
           </a:solidFill>
@@ -2939,8 +2940,8 @@
           <a:cs typeface="+mn-cs"/>
         </a:defRPr>
       </a:lvl8pPr>
-      <a:lvl9pPr marL="2560320" algn="l" defTabSz="640080" rtl="0" eaLnBrk="1" latinLnBrk="0" hangingPunct="1">
-        <a:defRPr sz="1260" kern="1200">
+      <a:lvl9pPr marL="5705856" algn="l" defTabSz="1426464" rtl="0" eaLnBrk="1" latinLnBrk="0" hangingPunct="1">
+        <a:defRPr sz="2808" kern="1200">
           <a:solidFill>
             <a:schemeClr val="tx1"/>
           </a:solidFill>
@@ -2993,7 +2994,7 @@
         </p:blipFill>
         <p:spPr>
           <a:xfrm>
-            <a:off x="-3263516" y="2103199"/>
+            <a:off x="-5068901" y="2050045"/>
             <a:ext cx="1517799" cy="709406"/>
           </a:xfrm>
           <a:prstGeom prst="rect">
@@ -3015,7 +3016,7 @@
         </p:nvGrpSpPr>
         <p:grpSpPr>
           <a:xfrm>
-            <a:off x="-4369213" y="799814"/>
+            <a:off x="-6174598" y="746663"/>
             <a:ext cx="3094087" cy="1082355"/>
             <a:chOff x="533400" y="100568"/>
             <a:chExt cx="3094087" cy="1082355"/>
@@ -3396,7 +3397,7 @@
         </p:nvSpPr>
         <p:spPr>
           <a:xfrm>
-            <a:off x="-3422113" y="273658"/>
+            <a:off x="-5227498" y="220504"/>
             <a:ext cx="1126142" cy="369332"/>
           </a:xfrm>
           <a:prstGeom prst="rect">
@@ -3417,36 +3418,6 @@
           </a:p>
         </p:txBody>
       </p:sp>
-      <p:pic>
-        <p:nvPicPr>
-          <p:cNvPr id="7" name="Picture 6">
-            <a:extLst>
-              <a:ext uri="{FF2B5EF4-FFF2-40B4-BE49-F238E27FC236}">
-                <a16:creationId xmlns:a16="http://schemas.microsoft.com/office/drawing/2014/main" id="{D707A1D4-4704-DC40-907D-8201EF027B3E}"/>
-              </a:ext>
-            </a:extLst>
-          </p:cNvPr>
-          <p:cNvPicPr>
-            <a:picLocks noChangeAspect="1"/>
-          </p:cNvPicPr>
-          <p:nvPr/>
-        </p:nvPicPr>
-        <p:blipFill>
-          <a:blip r:embed="rId3"/>
-          <a:stretch>
-            <a:fillRect/>
-          </a:stretch>
-        </p:blipFill>
-        <p:spPr>
-          <a:xfrm>
-            <a:off x="0" y="1"/>
-            <a:ext cx="2958678" cy="2451370"/>
-          </a:xfrm>
-          <a:prstGeom prst="rect">
-            <a:avLst/>
-          </a:prstGeom>
-        </p:spPr>
-      </p:pic>
       <p:pic>
         <p:nvPicPr>
           <p:cNvPr id="62" name="Graphic 61">
@@ -3462,10 +3433,10 @@
           <p:nvPr/>
         </p:nvPicPr>
         <p:blipFill>
-          <a:blip r:embed="rId4">
+          <a:blip r:embed="rId3">
             <a:extLst>
               <a:ext uri="{96DAC541-7B7A-43D3-8B79-37D633B846F1}">
-                <asvg:svgBlip xmlns:asvg="http://schemas.microsoft.com/office/drawing/2016/SVG/main" r:embed="rId5"/>
+                <asvg:svgBlip xmlns:asvg="http://schemas.microsoft.com/office/drawing/2016/SVG/main" r:embed="rId4"/>
               </a:ext>
             </a:extLst>
           </a:blip>
@@ -3475,14 +3446,395 @@
         </p:blipFill>
         <p:spPr>
           <a:xfrm>
-            <a:off x="3088411" y="89019"/>
-            <a:ext cx="3237958" cy="2698298"/>
+            <a:off x="2306583" y="3901724"/>
+            <a:ext cx="4163987" cy="3469989"/>
           </a:xfrm>
           <a:prstGeom prst="rect">
             <a:avLst/>
           </a:prstGeom>
         </p:spPr>
       </p:pic>
+      <p:pic>
+        <p:nvPicPr>
+          <p:cNvPr id="68" name="Picture 67">
+            <a:extLst>
+              <a:ext uri="{FF2B5EF4-FFF2-40B4-BE49-F238E27FC236}">
+                <a16:creationId xmlns:a16="http://schemas.microsoft.com/office/drawing/2014/main" id="{CBF9B66A-AB72-F34F-A9F1-3D4556B66E09}"/>
+              </a:ext>
+            </a:extLst>
+          </p:cNvPr>
+          <p:cNvPicPr>
+            <a:picLocks noChangeAspect="1"/>
+          </p:cNvPicPr>
+          <p:nvPr/>
+        </p:nvPicPr>
+        <p:blipFill>
+          <a:blip r:embed="rId5"/>
+          <a:stretch>
+            <a:fillRect/>
+          </a:stretch>
+        </p:blipFill>
+        <p:spPr>
+          <a:xfrm>
+            <a:off x="2207847" y="436"/>
+            <a:ext cx="4371739" cy="3622141"/>
+          </a:xfrm>
+          <a:prstGeom prst="rect">
+            <a:avLst/>
+          </a:prstGeom>
+        </p:spPr>
+      </p:pic>
+      <p:sp>
+        <p:nvSpPr>
+          <p:cNvPr id="74" name="Right Arrow 73">
+            <a:extLst>
+              <a:ext uri="{FF2B5EF4-FFF2-40B4-BE49-F238E27FC236}">
+                <a16:creationId xmlns:a16="http://schemas.microsoft.com/office/drawing/2014/main" id="{00881415-B30E-6841-AB43-050140D09DA4}"/>
+              </a:ext>
+            </a:extLst>
+          </p:cNvPr>
+          <p:cNvSpPr/>
+          <p:nvPr/>
+        </p:nvSpPr>
+        <p:spPr>
+          <a:xfrm>
+            <a:off x="7029388" y="2604044"/>
+            <a:ext cx="872092" cy="722643"/>
+          </a:xfrm>
+          <a:prstGeom prst="rightArrow">
+            <a:avLst/>
+          </a:prstGeom>
+          <a:solidFill>
+            <a:srgbClr val="92D050"/>
+          </a:solidFill>
+          <a:ln>
+            <a:solidFill>
+              <a:srgbClr val="92D050"/>
+            </a:solidFill>
+          </a:ln>
+        </p:spPr>
+        <p:style>
+          <a:lnRef idx="2">
+            <a:schemeClr val="accent1">
+              <a:shade val="50000"/>
+            </a:schemeClr>
+          </a:lnRef>
+          <a:fillRef idx="1">
+            <a:schemeClr val="accent1"/>
+          </a:fillRef>
+          <a:effectRef idx="0">
+            <a:schemeClr val="accent1"/>
+          </a:effectRef>
+          <a:fontRef idx="minor">
+            <a:schemeClr val="lt1"/>
+          </a:fontRef>
+        </p:style>
+        <p:txBody>
+          <a:bodyPr rot="0" spcFirstLastPara="0" vertOverflow="overflow" horzOverflow="overflow" vert="horz" wrap="square" lIns="91440" tIns="45720" rIns="91440" bIns="45720" numCol="1" spcCol="0" rtlCol="0" fromWordArt="0" anchor="ctr" anchorCtr="0" forceAA="0" compatLnSpc="1">
+            <a:prstTxWarp prst="textNoShape">
+              <a:avLst/>
+            </a:prstTxWarp>
+            <a:noAutofit/>
+          </a:bodyPr>
+          <a:lstStyle/>
+          <a:p>
+            <a:pPr algn="ctr"/>
+            <a:endParaRPr lang="en-US"/>
+          </a:p>
+        </p:txBody>
+      </p:sp>
+      <p:sp>
+        <p:nvSpPr>
+          <p:cNvPr id="76" name="TextBox 75">
+            <a:extLst>
+              <a:ext uri="{FF2B5EF4-FFF2-40B4-BE49-F238E27FC236}">
+                <a16:creationId xmlns:a16="http://schemas.microsoft.com/office/drawing/2014/main" id="{554ECC55-3E1B-E743-B36C-119D6BED237B}"/>
+              </a:ext>
+            </a:extLst>
+          </p:cNvPr>
+          <p:cNvSpPr txBox="1"/>
+          <p:nvPr/>
+        </p:nvSpPr>
+        <p:spPr>
+          <a:xfrm>
+            <a:off x="159803" y="1521241"/>
+            <a:ext cx="1431930" cy="646331"/>
+          </a:xfrm>
+          <a:prstGeom prst="rect">
+            <a:avLst/>
+          </a:prstGeom>
+          <a:noFill/>
+        </p:spPr>
+        <p:txBody>
+          <a:bodyPr wrap="none" rtlCol="0">
+            <a:spAutoFit/>
+          </a:bodyPr>
+          <a:lstStyle/>
+          <a:p>
+            <a:pPr algn="ctr"/>
+            <a:r>
+              <a:rPr lang="en-US" b="1" dirty="0"/>
+              <a:t>Source </a:t>
+            </a:r>
+          </a:p>
+          <a:p>
+            <a:pPr algn="ctr"/>
+            <a:r>
+              <a:rPr lang="en-US" b="1" dirty="0"/>
+              <a:t>chronograms</a:t>
+            </a:r>
+          </a:p>
+        </p:txBody>
+      </p:sp>
+      <p:sp>
+        <p:nvSpPr>
+          <p:cNvPr id="77" name="TextBox 76">
+            <a:extLst>
+              <a:ext uri="{FF2B5EF4-FFF2-40B4-BE49-F238E27FC236}">
+                <a16:creationId xmlns:a16="http://schemas.microsoft.com/office/drawing/2014/main" id="{A31F6AE0-AD58-3D43-9E50-0B2F0D1873D7}"/>
+              </a:ext>
+            </a:extLst>
+          </p:cNvPr>
+          <p:cNvSpPr txBox="1"/>
+          <p:nvPr/>
+        </p:nvSpPr>
+        <p:spPr>
+          <a:xfrm>
+            <a:off x="2250614" y="3662332"/>
+            <a:ext cx="644728" cy="1200329"/>
+          </a:xfrm>
+          <a:prstGeom prst="rect">
+            <a:avLst/>
+          </a:prstGeom>
+          <a:noFill/>
+        </p:spPr>
+        <p:txBody>
+          <a:bodyPr wrap="none" rtlCol="0">
+            <a:spAutoFit/>
+          </a:bodyPr>
+          <a:lstStyle/>
+          <a:p>
+            <a:r>
+              <a:rPr lang="en-US" sz="7200" dirty="0">
+                <a:solidFill>
+                  <a:srgbClr val="92D051"/>
+                </a:solidFill>
+              </a:rPr>
+              <a:t>+</a:t>
+            </a:r>
+          </a:p>
+        </p:txBody>
+      </p:sp>
+      <p:grpSp>
+        <p:nvGrpSpPr>
+          <p:cNvPr id="80" name="Group 79">
+            <a:extLst>
+              <a:ext uri="{FF2B5EF4-FFF2-40B4-BE49-F238E27FC236}">
+                <a16:creationId xmlns:a16="http://schemas.microsoft.com/office/drawing/2014/main" id="{33FA9978-B2D1-B843-BEB5-0BBC2616A55A}"/>
+              </a:ext>
+            </a:extLst>
+          </p:cNvPr>
+          <p:cNvGrpSpPr/>
+          <p:nvPr/>
+        </p:nvGrpSpPr>
+        <p:grpSpPr>
+          <a:xfrm>
+            <a:off x="7941236" y="-337928"/>
+            <a:ext cx="7315445" cy="7315445"/>
+            <a:chOff x="4226886" y="-126139"/>
+            <a:chExt cx="6589895" cy="6589895"/>
+          </a:xfrm>
+        </p:grpSpPr>
+        <p:pic>
+          <p:nvPicPr>
+            <p:cNvPr id="71" name="Picture 70">
+              <a:extLst>
+                <a:ext uri="{FF2B5EF4-FFF2-40B4-BE49-F238E27FC236}">
+                  <a16:creationId xmlns:a16="http://schemas.microsoft.com/office/drawing/2014/main" id="{3C821C1D-3FF3-5B40-B9D8-827CFFFD5E97}"/>
+                </a:ext>
+              </a:extLst>
+            </p:cNvPr>
+            <p:cNvPicPr>
+              <a:picLocks noChangeAspect="1"/>
+            </p:cNvPicPr>
+            <p:nvPr/>
+          </p:nvPicPr>
+          <p:blipFill>
+            <a:blip r:embed="rId6"/>
+            <a:stretch>
+              <a:fillRect/>
+            </a:stretch>
+          </p:blipFill>
+          <p:spPr>
+            <a:xfrm>
+              <a:off x="4226886" y="-126139"/>
+              <a:ext cx="6589895" cy="6589895"/>
+            </a:xfrm>
+            <a:prstGeom prst="rect">
+              <a:avLst/>
+            </a:prstGeom>
+          </p:spPr>
+        </p:pic>
+        <p:sp>
+          <p:nvSpPr>
+            <p:cNvPr id="78" name="TextBox 77">
+              <a:extLst>
+                <a:ext uri="{FF2B5EF4-FFF2-40B4-BE49-F238E27FC236}">
+                  <a16:creationId xmlns:a16="http://schemas.microsoft.com/office/drawing/2014/main" id="{A0E99704-15E2-6748-BDFD-E5959A856250}"/>
+                </a:ext>
+              </a:extLst>
+            </p:cNvPr>
+            <p:cNvSpPr txBox="1"/>
+            <p:nvPr/>
+          </p:nvSpPr>
+          <p:spPr>
+            <a:xfrm>
+              <a:off x="5303962" y="83049"/>
+              <a:ext cx="4471714" cy="332701"/>
+            </a:xfrm>
+            <a:prstGeom prst="rect">
+              <a:avLst/>
+            </a:prstGeom>
+            <a:noFill/>
+          </p:spPr>
+          <p:txBody>
+            <a:bodyPr wrap="none" rtlCol="0">
+              <a:spAutoFit/>
+            </a:bodyPr>
+            <a:lstStyle/>
+            <a:p>
+              <a:r>
+                <a:rPr lang="en-US" b="1" dirty="0"/>
+                <a:t>Taxon pair ages mapped to nodes of tree topology</a:t>
+              </a:r>
+            </a:p>
+          </p:txBody>
+        </p:sp>
+      </p:grpSp>
+      <p:sp>
+        <p:nvSpPr>
+          <p:cNvPr id="84" name="Right Arrow 83">
+            <a:extLst>
+              <a:ext uri="{FF2B5EF4-FFF2-40B4-BE49-F238E27FC236}">
+                <a16:creationId xmlns:a16="http://schemas.microsoft.com/office/drawing/2014/main" id="{F08D6621-C3FA-AA45-9FDD-4B633C3A3D9F}"/>
+              </a:ext>
+            </a:extLst>
+          </p:cNvPr>
+          <p:cNvSpPr/>
+          <p:nvPr/>
+        </p:nvSpPr>
+        <p:spPr>
+          <a:xfrm rot="5400000" flipV="1">
+            <a:off x="11206137" y="6228947"/>
+            <a:ext cx="688359" cy="716625"/>
+          </a:xfrm>
+          <a:prstGeom prst="rightArrow">
+            <a:avLst/>
+          </a:prstGeom>
+          <a:solidFill>
+            <a:srgbClr val="92D050"/>
+          </a:solidFill>
+          <a:ln>
+            <a:solidFill>
+              <a:srgbClr val="92D050"/>
+            </a:solidFill>
+          </a:ln>
+        </p:spPr>
+        <p:style>
+          <a:lnRef idx="2">
+            <a:schemeClr val="accent1">
+              <a:shade val="50000"/>
+            </a:schemeClr>
+          </a:lnRef>
+          <a:fillRef idx="1">
+            <a:schemeClr val="accent1"/>
+          </a:fillRef>
+          <a:effectRef idx="0">
+            <a:schemeClr val="accent1"/>
+          </a:effectRef>
+          <a:fontRef idx="minor">
+            <a:schemeClr val="lt1"/>
+          </a:fontRef>
+        </p:style>
+        <p:txBody>
+          <a:bodyPr rot="0" spcFirstLastPara="0" vertOverflow="overflow" horzOverflow="overflow" vert="horz" wrap="square" lIns="91440" tIns="45720" rIns="91440" bIns="45720" numCol="1" spcCol="0" rtlCol="0" fromWordArt="0" anchor="ctr" anchorCtr="0" forceAA="0" compatLnSpc="1">
+            <a:prstTxWarp prst="textNoShape">
+              <a:avLst/>
+            </a:prstTxWarp>
+            <a:noAutofit/>
+          </a:bodyPr>
+          <a:lstStyle/>
+          <a:p>
+            <a:pPr algn="ctr"/>
+            <a:endParaRPr lang="en-US"/>
+          </a:p>
+        </p:txBody>
+      </p:sp>
+      <p:sp>
+        <p:nvSpPr>
+          <p:cNvPr id="85" name="TextBox 84">
+            <a:extLst>
+              <a:ext uri="{FF2B5EF4-FFF2-40B4-BE49-F238E27FC236}">
+                <a16:creationId xmlns:a16="http://schemas.microsoft.com/office/drawing/2014/main" id="{1FEC4368-11DD-764E-9071-EEEB8471A3D7}"/>
+              </a:ext>
+            </a:extLst>
+          </p:cNvPr>
+          <p:cNvSpPr txBox="1"/>
+          <p:nvPr/>
+        </p:nvSpPr>
+        <p:spPr>
+          <a:xfrm>
+            <a:off x="10882698" y="6977517"/>
+            <a:ext cx="1350370" cy="369332"/>
+          </a:xfrm>
+          <a:prstGeom prst="rect">
+            <a:avLst/>
+          </a:prstGeom>
+          <a:noFill/>
+        </p:spPr>
+        <p:txBody>
+          <a:bodyPr wrap="none" rtlCol="0">
+            <a:spAutoFit/>
+          </a:bodyPr>
+          <a:lstStyle/>
+          <a:p>
+            <a:r>
+              <a:rPr lang="en-US" b="1" dirty="0"/>
+              <a:t>To summary</a:t>
+            </a:r>
+          </a:p>
+        </p:txBody>
+      </p:sp>
+    </p:spTree>
+    <p:extLst>
+      <p:ext uri="{BB962C8B-B14F-4D97-AF65-F5344CB8AC3E}">
+        <p14:creationId xmlns:p14="http://schemas.microsoft.com/office/powerpoint/2010/main" val="489028446"/>
+      </p:ext>
+    </p:extLst>
+  </p:cSld>
+  <p:clrMapOvr>
+    <a:masterClrMapping/>
+  </p:clrMapOvr>
+</p:sld>
+</file>
+
+<file path=ppt/slides/slide2.xml><?xml version="1.0" encoding="utf-8"?>
+<p:sld xmlns:a="http://schemas.openxmlformats.org/drawingml/2006/main" xmlns:r="http://schemas.openxmlformats.org/officeDocument/2006/relationships" xmlns:p="http://schemas.openxmlformats.org/presentationml/2006/main">
+  <p:cSld>
+    <p:spTree>
+      <p:nvGrpSpPr>
+        <p:cNvPr id="1" name=""/>
+        <p:cNvGrpSpPr/>
+        <p:nvPr/>
+      </p:nvGrpSpPr>
+      <p:grpSpPr>
+        <a:xfrm>
+          <a:off x="0" y="0"/>
+          <a:ext cx="0" cy="0"/>
+          <a:chOff x="0" y="0"/>
+          <a:chExt cx="0" cy="0"/>
+        </a:xfrm>
+      </p:grpSpPr>
       <p:pic>
         <p:nvPicPr>
           <p:cNvPr id="66" name="Graphic 65">
@@ -3498,10 +3850,10 @@
           <p:nvPr/>
         </p:nvPicPr>
         <p:blipFill>
-          <a:blip r:embed="rId6">
+          <a:blip r:embed="rId2">
             <a:extLst>
               <a:ext uri="{96DAC541-7B7A-43D3-8B79-37D633B846F1}">
-                <asvg:svgBlip xmlns:asvg="http://schemas.microsoft.com/office/drawing/2016/SVG/main" r:embed="rId7"/>
+                <asvg:svgBlip xmlns:asvg="http://schemas.microsoft.com/office/drawing/2016/SVG/main" r:embed="rId3"/>
               </a:ext>
             </a:extLst>
           </a:blip>
@@ -3511,7 +3863,7 @@
         </p:blipFill>
         <p:spPr>
           <a:xfrm>
-            <a:off x="0" y="3810000"/>
+            <a:off x="0" y="5695466"/>
             <a:ext cx="6400800" cy="5181600"/>
           </a:xfrm>
           <a:prstGeom prst="rect">
@@ -3519,10 +3871,156 @@
           </a:prstGeom>
         </p:spPr>
       </p:pic>
+      <p:grpSp>
+        <p:nvGrpSpPr>
+          <p:cNvPr id="82" name="Group 81">
+            <a:extLst>
+              <a:ext uri="{FF2B5EF4-FFF2-40B4-BE49-F238E27FC236}">
+                <a16:creationId xmlns:a16="http://schemas.microsoft.com/office/drawing/2014/main" id="{2D6F0F45-69BD-8642-B808-FA0D6F2FCFD4}"/>
+              </a:ext>
+            </a:extLst>
+          </p:cNvPr>
+          <p:cNvGrpSpPr/>
+          <p:nvPr/>
+        </p:nvGrpSpPr>
+        <p:grpSpPr>
+          <a:xfrm>
+            <a:off x="0" y="-449154"/>
+            <a:ext cx="6062870" cy="6062870"/>
+            <a:chOff x="0" y="7799471"/>
+            <a:chExt cx="5433496" cy="5433496"/>
+          </a:xfrm>
+        </p:grpSpPr>
+        <p:pic>
+          <p:nvPicPr>
+            <p:cNvPr id="73" name="Picture 72">
+              <a:extLst>
+                <a:ext uri="{FF2B5EF4-FFF2-40B4-BE49-F238E27FC236}">
+                  <a16:creationId xmlns:a16="http://schemas.microsoft.com/office/drawing/2014/main" id="{58878B76-C476-B547-ABD6-46228F3FC422}"/>
+                </a:ext>
+              </a:extLst>
+            </p:cNvPr>
+            <p:cNvPicPr>
+              <a:picLocks noChangeAspect="1"/>
+            </p:cNvPicPr>
+            <p:nvPr/>
+          </p:nvPicPr>
+          <p:blipFill>
+            <a:blip r:embed="rId4"/>
+            <a:stretch>
+              <a:fillRect/>
+            </a:stretch>
+          </p:blipFill>
+          <p:spPr>
+            <a:xfrm>
+              <a:off x="0" y="7799471"/>
+              <a:ext cx="5433496" cy="5433496"/>
+            </a:xfrm>
+            <a:prstGeom prst="rect">
+              <a:avLst/>
+            </a:prstGeom>
+          </p:spPr>
+        </p:pic>
+        <p:sp>
+          <p:nvSpPr>
+            <p:cNvPr id="79" name="TextBox 78">
+              <a:extLst>
+                <a:ext uri="{FF2B5EF4-FFF2-40B4-BE49-F238E27FC236}">
+                  <a16:creationId xmlns:a16="http://schemas.microsoft.com/office/drawing/2014/main" id="{F0BAD050-B028-6B48-AED7-63D498D6ACB5}"/>
+                </a:ext>
+              </a:extLst>
+            </p:cNvPr>
+            <p:cNvSpPr txBox="1"/>
+            <p:nvPr/>
+          </p:nvSpPr>
+          <p:spPr>
+            <a:xfrm>
+              <a:off x="1036141" y="8307747"/>
+              <a:ext cx="3303085" cy="330992"/>
+            </a:xfrm>
+            <a:prstGeom prst="rect">
+              <a:avLst/>
+            </a:prstGeom>
+            <a:noFill/>
+          </p:spPr>
+          <p:txBody>
+            <a:bodyPr wrap="none" rtlCol="0">
+              <a:spAutoFit/>
+            </a:bodyPr>
+            <a:lstStyle/>
+            <a:p>
+              <a:pPr algn="ctr"/>
+              <a:r>
+                <a:rPr lang="en-US" b="1" dirty="0"/>
+                <a:t>Summary of mapped taxon pair ages</a:t>
+              </a:r>
+            </a:p>
+          </p:txBody>
+        </p:sp>
+      </p:grpSp>
+      <p:sp>
+        <p:nvSpPr>
+          <p:cNvPr id="81" name="Right Arrow 80">
+            <a:extLst>
+              <a:ext uri="{FF2B5EF4-FFF2-40B4-BE49-F238E27FC236}">
+                <a16:creationId xmlns:a16="http://schemas.microsoft.com/office/drawing/2014/main" id="{DAAF9955-6DB0-A345-B599-7F34C2FD61C4}"/>
+              </a:ext>
+            </a:extLst>
+          </p:cNvPr>
+          <p:cNvSpPr/>
+          <p:nvPr/>
+        </p:nvSpPr>
+        <p:spPr>
+          <a:xfrm rot="5400000">
+            <a:off x="2676437" y="4723686"/>
+            <a:ext cx="872092" cy="722643"/>
+          </a:xfrm>
+          <a:prstGeom prst="rightArrow">
+            <a:avLst/>
+          </a:prstGeom>
+          <a:solidFill>
+            <a:srgbClr val="92D050"/>
+          </a:solidFill>
+          <a:ln>
+            <a:solidFill>
+              <a:srgbClr val="92D050"/>
+            </a:solidFill>
+          </a:ln>
+        </p:spPr>
+        <p:style>
+          <a:lnRef idx="2">
+            <a:schemeClr val="accent1">
+              <a:shade val="50000"/>
+            </a:schemeClr>
+          </a:lnRef>
+          <a:fillRef idx="1">
+            <a:schemeClr val="accent1"/>
+          </a:fillRef>
+          <a:effectRef idx="0">
+            <a:schemeClr val="accent1"/>
+          </a:effectRef>
+          <a:fontRef idx="minor">
+            <a:schemeClr val="lt1"/>
+          </a:fontRef>
+        </p:style>
+        <p:txBody>
+          <a:bodyPr rot="0" spcFirstLastPara="0" vertOverflow="overflow" horzOverflow="overflow" vert="horz" wrap="square" lIns="91440" tIns="45720" rIns="91440" bIns="45720" numCol="1" spcCol="0" rtlCol="0" fromWordArt="0" anchor="ctr" anchorCtr="0" forceAA="0" compatLnSpc="1">
+            <a:prstTxWarp prst="textNoShape">
+              <a:avLst/>
+            </a:prstTxWarp>
+            <a:noAutofit/>
+          </a:bodyPr>
+          <a:lstStyle/>
+          <a:p>
+            <a:pPr algn="ctr"/>
+            <a:endParaRPr lang="en-US"/>
+          </a:p>
+        </p:txBody>
+      </p:sp>
     </p:spTree>
     <p:extLst>
       <p:ext uri="{BB962C8B-B14F-4D97-AF65-F5344CB8AC3E}">
-        <p14:creationId xmlns:p14="http://schemas.microsoft.com/office/powerpoint/2010/main" val="489028446"/>
+        <p14:creationId xmlns:p14="http://schemas.microsoft.com/office/powerpoint/2010/main" val="3223048988"/>
       </p:ext>
     </p:extLst>
   </p:cSld>

--- a/figures/figure2/figure2.pptx
+++ b/figures/figure2/figure2.pptx
@@ -2,13 +2,12 @@
 <file path=ppt/presentation.xml><?xml version="1.0" encoding="utf-8"?>
 <p:presentation xmlns:a="http://schemas.openxmlformats.org/drawingml/2006/main" xmlns:r="http://schemas.openxmlformats.org/officeDocument/2006/relationships" xmlns:p="http://schemas.openxmlformats.org/presentationml/2006/main" saveSubsetFonts="1" autoCompressPictures="0">
   <p:sldMasterIdLst>
-    <p:sldMasterId id="2147483720" r:id="rId1"/>
+    <p:sldMasterId id="2147483936" r:id="rId1"/>
   </p:sldMasterIdLst>
   <p:sldIdLst>
-    <p:sldId id="256" r:id="rId2"/>
-    <p:sldId id="257" r:id="rId3"/>
+    <p:sldId id="262" r:id="rId2"/>
   </p:sldIdLst>
-  <p:sldSz cx="15179675" cy="10698163"/>
+  <p:sldSz cx="15179675" cy="11887200"/>
   <p:notesSz cx="6858000" cy="9144000"/>
   <p:defaultTextStyle>
     <a:defPPr>
@@ -142,15 +141,15 @@
         </p:nvSpPr>
         <p:spPr>
           <a:xfrm>
-            <a:off x="1138476" y="1750834"/>
-            <a:ext cx="12902724" cy="3724546"/>
+            <a:off x="1138476" y="1945429"/>
+            <a:ext cx="12902724" cy="4138507"/>
           </a:xfrm>
         </p:spPr>
         <p:txBody>
           <a:bodyPr anchor="b"/>
           <a:lstStyle>
             <a:lvl1pPr algn="ctr">
-              <a:defRPr sz="9360"/>
+              <a:defRPr sz="9961"/>
             </a:lvl1pPr>
           </a:lstStyle>
           <a:p>
@@ -174,8 +173,8 @@
         </p:nvSpPr>
         <p:spPr>
           <a:xfrm>
-            <a:off x="1897460" y="5619013"/>
-            <a:ext cx="11384756" cy="2582912"/>
+            <a:off x="1897460" y="6243533"/>
+            <a:ext cx="11384756" cy="2869987"/>
           </a:xfrm>
         </p:spPr>
         <p:txBody>
@@ -183,39 +182,39 @@
           <a:lstStyle>
             <a:lvl1pPr marL="0" indent="0" algn="ctr">
               <a:buNone/>
-              <a:defRPr sz="3744"/>
+              <a:defRPr sz="3984"/>
             </a:lvl1pPr>
-            <a:lvl2pPr marL="713232" indent="0" algn="ctr">
+            <a:lvl2pPr marL="758998" indent="0" algn="ctr">
               <a:buNone/>
-              <a:defRPr sz="3120"/>
+              <a:defRPr sz="3320"/>
             </a:lvl2pPr>
-            <a:lvl3pPr marL="1426464" indent="0" algn="ctr">
+            <a:lvl3pPr marL="1517995" indent="0" algn="ctr">
               <a:buNone/>
-              <a:defRPr sz="2808"/>
+              <a:defRPr sz="2988"/>
             </a:lvl3pPr>
-            <a:lvl4pPr marL="2139696" indent="0" algn="ctr">
+            <a:lvl4pPr marL="2276993" indent="0" algn="ctr">
               <a:buNone/>
-              <a:defRPr sz="2496"/>
+              <a:defRPr sz="2656"/>
             </a:lvl4pPr>
-            <a:lvl5pPr marL="2852928" indent="0" algn="ctr">
+            <a:lvl5pPr marL="3035991" indent="0" algn="ctr">
               <a:buNone/>
-              <a:defRPr sz="2496"/>
+              <a:defRPr sz="2656"/>
             </a:lvl5pPr>
-            <a:lvl6pPr marL="3566160" indent="0" algn="ctr">
+            <a:lvl6pPr marL="3794989" indent="0" algn="ctr">
               <a:buNone/>
-              <a:defRPr sz="2496"/>
+              <a:defRPr sz="2656"/>
             </a:lvl6pPr>
-            <a:lvl7pPr marL="4279392" indent="0" algn="ctr">
+            <a:lvl7pPr marL="4553986" indent="0" algn="ctr">
               <a:buNone/>
-              <a:defRPr sz="2496"/>
+              <a:defRPr sz="2656"/>
             </a:lvl7pPr>
-            <a:lvl8pPr marL="4992624" indent="0" algn="ctr">
+            <a:lvl8pPr marL="5312984" indent="0" algn="ctr">
               <a:buNone/>
-              <a:defRPr sz="2496"/>
+              <a:defRPr sz="2656"/>
             </a:lvl8pPr>
-            <a:lvl9pPr marL="5705856" indent="0" algn="ctr">
+            <a:lvl9pPr marL="6071982" indent="0" algn="ctr">
               <a:buNone/>
-              <a:defRPr sz="2496"/>
+              <a:defRPr sz="2656"/>
             </a:lvl9pPr>
           </a:lstStyle>
           <a:p>
@@ -244,7 +243,7 @@
           <a:p>
             <a:fld id="{36D6B43A-FB72-2B4A-8DB0-B6C23179BADB}" type="datetimeFigureOut">
               <a:rPr lang="en-US" smtClean="0"/>
-              <a:t>3/22/22</a:t>
+              <a:t>5/30/22</a:t>
             </a:fld>
             <a:endParaRPr lang="en-US"/>
           </a:p>
@@ -295,7 +294,7 @@
     </p:spTree>
     <p:extLst>
       <p:ext uri="{BB962C8B-B14F-4D97-AF65-F5344CB8AC3E}">
-        <p14:creationId xmlns:p14="http://schemas.microsoft.com/office/powerpoint/2010/main" val="3736845816"/>
+        <p14:creationId xmlns:p14="http://schemas.microsoft.com/office/powerpoint/2010/main" val="3674197857"/>
       </p:ext>
     </p:extLst>
   </p:cSld>
@@ -414,7 +413,7 @@
           <a:p>
             <a:fld id="{36D6B43A-FB72-2B4A-8DB0-B6C23179BADB}" type="datetimeFigureOut">
               <a:rPr lang="en-US" smtClean="0"/>
-              <a:t>3/22/22</a:t>
+              <a:t>5/30/22</a:t>
             </a:fld>
             <a:endParaRPr lang="en-US"/>
           </a:p>
@@ -465,7 +464,7 @@
     </p:spTree>
     <p:extLst>
       <p:ext uri="{BB962C8B-B14F-4D97-AF65-F5344CB8AC3E}">
-        <p14:creationId xmlns:p14="http://schemas.microsoft.com/office/powerpoint/2010/main" val="4074493953"/>
+        <p14:creationId xmlns:p14="http://schemas.microsoft.com/office/powerpoint/2010/main" val="2546480096"/>
       </p:ext>
     </p:extLst>
   </p:cSld>
@@ -504,8 +503,8 @@
         </p:nvSpPr>
         <p:spPr>
           <a:xfrm>
-            <a:off x="10862956" y="569578"/>
-            <a:ext cx="3273117" cy="9066199"/>
+            <a:off x="10862956" y="632883"/>
+            <a:ext cx="3273117" cy="10073853"/>
           </a:xfrm>
         </p:spPr>
         <p:txBody>
@@ -532,8 +531,8 @@
         </p:nvSpPr>
         <p:spPr>
           <a:xfrm>
-            <a:off x="1043604" y="569578"/>
-            <a:ext cx="9629606" cy="9066199"/>
+            <a:off x="1043604" y="632883"/>
+            <a:ext cx="9629606" cy="10073853"/>
           </a:xfrm>
         </p:spPr>
         <p:txBody>
@@ -594,7 +593,7 @@
           <a:p>
             <a:fld id="{36D6B43A-FB72-2B4A-8DB0-B6C23179BADB}" type="datetimeFigureOut">
               <a:rPr lang="en-US" smtClean="0"/>
-              <a:t>3/22/22</a:t>
+              <a:t>5/30/22</a:t>
             </a:fld>
             <a:endParaRPr lang="en-US"/>
           </a:p>
@@ -645,7 +644,7 @@
     </p:spTree>
     <p:extLst>
       <p:ext uri="{BB962C8B-B14F-4D97-AF65-F5344CB8AC3E}">
-        <p14:creationId xmlns:p14="http://schemas.microsoft.com/office/powerpoint/2010/main" val="602271635"/>
+        <p14:creationId xmlns:p14="http://schemas.microsoft.com/office/powerpoint/2010/main" val="1810142148"/>
       </p:ext>
     </p:extLst>
   </p:cSld>
@@ -764,7 +763,7 @@
           <a:p>
             <a:fld id="{36D6B43A-FB72-2B4A-8DB0-B6C23179BADB}" type="datetimeFigureOut">
               <a:rPr lang="en-US" smtClean="0"/>
-              <a:t>3/22/22</a:t>
+              <a:t>5/30/22</a:t>
             </a:fld>
             <a:endParaRPr lang="en-US"/>
           </a:p>
@@ -815,7 +814,7 @@
     </p:spTree>
     <p:extLst>
       <p:ext uri="{BB962C8B-B14F-4D97-AF65-F5344CB8AC3E}">
-        <p14:creationId xmlns:p14="http://schemas.microsoft.com/office/powerpoint/2010/main" val="3834413486"/>
+        <p14:creationId xmlns:p14="http://schemas.microsoft.com/office/powerpoint/2010/main" val="1070258234"/>
       </p:ext>
     </p:extLst>
   </p:cSld>
@@ -854,15 +853,15 @@
         </p:nvSpPr>
         <p:spPr>
           <a:xfrm>
-            <a:off x="1035697" y="2667115"/>
-            <a:ext cx="13092470" cy="4450138"/>
+            <a:off x="1035697" y="2963549"/>
+            <a:ext cx="13092470" cy="4944744"/>
           </a:xfrm>
         </p:spPr>
         <p:txBody>
           <a:bodyPr anchor="b"/>
           <a:lstStyle>
             <a:lvl1pPr>
-              <a:defRPr sz="9360"/>
+              <a:defRPr sz="9961"/>
             </a:lvl1pPr>
           </a:lstStyle>
           <a:p>
@@ -886,8 +885,8 @@
         </p:nvSpPr>
         <p:spPr>
           <a:xfrm>
-            <a:off x="1035697" y="7159353"/>
-            <a:ext cx="13092470" cy="2340222"/>
+            <a:off x="1035697" y="7955072"/>
+            <a:ext cx="13092470" cy="2600324"/>
           </a:xfrm>
         </p:spPr>
         <p:txBody>
@@ -895,15 +894,15 @@
           <a:lstStyle>
             <a:lvl1pPr marL="0" indent="0">
               <a:buNone/>
-              <a:defRPr sz="3744">
+              <a:defRPr sz="3984">
                 <a:solidFill>
                   <a:schemeClr val="tx1"/>
                 </a:solidFill>
               </a:defRPr>
             </a:lvl1pPr>
-            <a:lvl2pPr marL="713232" indent="0">
+            <a:lvl2pPr marL="758998" indent="0">
               <a:buNone/>
-              <a:defRPr sz="3120">
+              <a:defRPr sz="3320">
                 <a:solidFill>
                   <a:schemeClr val="tx1">
                     <a:tint val="75000"/>
@@ -911,9 +910,9 @@
                 </a:solidFill>
               </a:defRPr>
             </a:lvl2pPr>
-            <a:lvl3pPr marL="1426464" indent="0">
+            <a:lvl3pPr marL="1517995" indent="0">
               <a:buNone/>
-              <a:defRPr sz="2808">
+              <a:defRPr sz="2988">
                 <a:solidFill>
                   <a:schemeClr val="tx1">
                     <a:tint val="75000"/>
@@ -921,9 +920,9 @@
                 </a:solidFill>
               </a:defRPr>
             </a:lvl3pPr>
-            <a:lvl4pPr marL="2139696" indent="0">
+            <a:lvl4pPr marL="2276993" indent="0">
               <a:buNone/>
-              <a:defRPr sz="2496">
+              <a:defRPr sz="2656">
                 <a:solidFill>
                   <a:schemeClr val="tx1">
                     <a:tint val="75000"/>
@@ -931,9 +930,9 @@
                 </a:solidFill>
               </a:defRPr>
             </a:lvl4pPr>
-            <a:lvl5pPr marL="2852928" indent="0">
+            <a:lvl5pPr marL="3035991" indent="0">
               <a:buNone/>
-              <a:defRPr sz="2496">
+              <a:defRPr sz="2656">
                 <a:solidFill>
                   <a:schemeClr val="tx1">
                     <a:tint val="75000"/>
@@ -941,9 +940,9 @@
                 </a:solidFill>
               </a:defRPr>
             </a:lvl5pPr>
-            <a:lvl6pPr marL="3566160" indent="0">
+            <a:lvl6pPr marL="3794989" indent="0">
               <a:buNone/>
-              <a:defRPr sz="2496">
+              <a:defRPr sz="2656">
                 <a:solidFill>
                   <a:schemeClr val="tx1">
                     <a:tint val="75000"/>
@@ -951,9 +950,9 @@
                 </a:solidFill>
               </a:defRPr>
             </a:lvl6pPr>
-            <a:lvl7pPr marL="4279392" indent="0">
+            <a:lvl7pPr marL="4553986" indent="0">
               <a:buNone/>
-              <a:defRPr sz="2496">
+              <a:defRPr sz="2656">
                 <a:solidFill>
                   <a:schemeClr val="tx1">
                     <a:tint val="75000"/>
@@ -961,9 +960,9 @@
                 </a:solidFill>
               </a:defRPr>
             </a:lvl7pPr>
-            <a:lvl8pPr marL="4992624" indent="0">
+            <a:lvl8pPr marL="5312984" indent="0">
               <a:buNone/>
-              <a:defRPr sz="2496">
+              <a:defRPr sz="2656">
                 <a:solidFill>
                   <a:schemeClr val="tx1">
                     <a:tint val="75000"/>
@@ -971,9 +970,9 @@
                 </a:solidFill>
               </a:defRPr>
             </a:lvl8pPr>
-            <a:lvl9pPr marL="5705856" indent="0">
+            <a:lvl9pPr marL="6071982" indent="0">
               <a:buNone/>
-              <a:defRPr sz="2496">
+              <a:defRPr sz="2656">
                 <a:solidFill>
                   <a:schemeClr val="tx1">
                     <a:tint val="75000"/>
@@ -1008,7 +1007,7 @@
           <a:p>
             <a:fld id="{36D6B43A-FB72-2B4A-8DB0-B6C23179BADB}" type="datetimeFigureOut">
               <a:rPr lang="en-US" smtClean="0"/>
-              <a:t>3/22/22</a:t>
+              <a:t>5/30/22</a:t>
             </a:fld>
             <a:endParaRPr lang="en-US"/>
           </a:p>
@@ -1059,7 +1058,7 @@
     </p:spTree>
     <p:extLst>
       <p:ext uri="{BB962C8B-B14F-4D97-AF65-F5344CB8AC3E}">
-        <p14:creationId xmlns:p14="http://schemas.microsoft.com/office/powerpoint/2010/main" val="4164518602"/>
+        <p14:creationId xmlns:p14="http://schemas.microsoft.com/office/powerpoint/2010/main" val="1122147623"/>
       </p:ext>
     </p:extLst>
   </p:cSld>
@@ -1121,8 +1120,8 @@
         </p:nvSpPr>
         <p:spPr>
           <a:xfrm>
-            <a:off x="1043603" y="2847891"/>
-            <a:ext cx="6451362" cy="6787886"/>
+            <a:off x="1043603" y="3164417"/>
+            <a:ext cx="6451362" cy="7542319"/>
           </a:xfrm>
         </p:spPr>
         <p:txBody>
@@ -1178,8 +1177,8 @@
         </p:nvSpPr>
         <p:spPr>
           <a:xfrm>
-            <a:off x="7684710" y="2847891"/>
-            <a:ext cx="6451362" cy="6787886"/>
+            <a:off x="7684710" y="3164417"/>
+            <a:ext cx="6451362" cy="7542319"/>
           </a:xfrm>
         </p:spPr>
         <p:txBody>
@@ -1240,7 +1239,7 @@
           <a:p>
             <a:fld id="{36D6B43A-FB72-2B4A-8DB0-B6C23179BADB}" type="datetimeFigureOut">
               <a:rPr lang="en-US" smtClean="0"/>
-              <a:t>3/22/22</a:t>
+              <a:t>5/30/22</a:t>
             </a:fld>
             <a:endParaRPr lang="en-US"/>
           </a:p>
@@ -1291,7 +1290,7 @@
     </p:spTree>
     <p:extLst>
       <p:ext uri="{BB962C8B-B14F-4D97-AF65-F5344CB8AC3E}">
-        <p14:creationId xmlns:p14="http://schemas.microsoft.com/office/powerpoint/2010/main" val="3151117644"/>
+        <p14:creationId xmlns:p14="http://schemas.microsoft.com/office/powerpoint/2010/main" val="1683464962"/>
       </p:ext>
     </p:extLst>
   </p:cSld>
@@ -1330,8 +1329,8 @@
         </p:nvSpPr>
         <p:spPr>
           <a:xfrm>
-            <a:off x="1045580" y="569580"/>
-            <a:ext cx="13092470" cy="2067817"/>
+            <a:off x="1045580" y="632886"/>
+            <a:ext cx="13092470" cy="2297643"/>
           </a:xfrm>
         </p:spPr>
         <p:txBody>
@@ -1358,8 +1357,8 @@
         </p:nvSpPr>
         <p:spPr>
           <a:xfrm>
-            <a:off x="1045581" y="2622536"/>
-            <a:ext cx="6421713" cy="1285265"/>
+            <a:off x="1045581" y="2914016"/>
+            <a:ext cx="6421713" cy="1428114"/>
           </a:xfrm>
         </p:spPr>
         <p:txBody>
@@ -1367,39 +1366,39 @@
           <a:lstStyle>
             <a:lvl1pPr marL="0" indent="0">
               <a:buNone/>
-              <a:defRPr sz="3744" b="1"/>
+              <a:defRPr sz="3984" b="1"/>
             </a:lvl1pPr>
-            <a:lvl2pPr marL="713232" indent="0">
+            <a:lvl2pPr marL="758998" indent="0">
               <a:buNone/>
-              <a:defRPr sz="3120" b="1"/>
+              <a:defRPr sz="3320" b="1"/>
             </a:lvl2pPr>
-            <a:lvl3pPr marL="1426464" indent="0">
+            <a:lvl3pPr marL="1517995" indent="0">
               <a:buNone/>
-              <a:defRPr sz="2808" b="1"/>
+              <a:defRPr sz="2988" b="1"/>
             </a:lvl3pPr>
-            <a:lvl4pPr marL="2139696" indent="0">
+            <a:lvl4pPr marL="2276993" indent="0">
               <a:buNone/>
-              <a:defRPr sz="2496" b="1"/>
+              <a:defRPr sz="2656" b="1"/>
             </a:lvl4pPr>
-            <a:lvl5pPr marL="2852928" indent="0">
+            <a:lvl5pPr marL="3035991" indent="0">
               <a:buNone/>
-              <a:defRPr sz="2496" b="1"/>
+              <a:defRPr sz="2656" b="1"/>
             </a:lvl5pPr>
-            <a:lvl6pPr marL="3566160" indent="0">
+            <a:lvl6pPr marL="3794989" indent="0">
               <a:buNone/>
-              <a:defRPr sz="2496" b="1"/>
+              <a:defRPr sz="2656" b="1"/>
             </a:lvl6pPr>
-            <a:lvl7pPr marL="4279392" indent="0">
+            <a:lvl7pPr marL="4553986" indent="0">
               <a:buNone/>
-              <a:defRPr sz="2496" b="1"/>
+              <a:defRPr sz="2656" b="1"/>
             </a:lvl7pPr>
-            <a:lvl8pPr marL="4992624" indent="0">
+            <a:lvl8pPr marL="5312984" indent="0">
               <a:buNone/>
-              <a:defRPr sz="2496" b="1"/>
+              <a:defRPr sz="2656" b="1"/>
             </a:lvl8pPr>
-            <a:lvl9pPr marL="5705856" indent="0">
+            <a:lvl9pPr marL="6071982" indent="0">
               <a:buNone/>
-              <a:defRPr sz="2496" b="1"/>
+              <a:defRPr sz="2656" b="1"/>
             </a:lvl9pPr>
           </a:lstStyle>
           <a:p>
@@ -1423,8 +1422,8 @@
         </p:nvSpPr>
         <p:spPr>
           <a:xfrm>
-            <a:off x="1045581" y="3907801"/>
-            <a:ext cx="6421713" cy="5747787"/>
+            <a:off x="1045581" y="4342130"/>
+            <a:ext cx="6421713" cy="6386619"/>
           </a:xfrm>
         </p:spPr>
         <p:txBody>
@@ -1480,8 +1479,8 @@
         </p:nvSpPr>
         <p:spPr>
           <a:xfrm>
-            <a:off x="7684711" y="2622536"/>
-            <a:ext cx="6453339" cy="1285265"/>
+            <a:off x="7684711" y="2914016"/>
+            <a:ext cx="6453339" cy="1428114"/>
           </a:xfrm>
         </p:spPr>
         <p:txBody>
@@ -1489,39 +1488,39 @@
           <a:lstStyle>
             <a:lvl1pPr marL="0" indent="0">
               <a:buNone/>
-              <a:defRPr sz="3744" b="1"/>
+              <a:defRPr sz="3984" b="1"/>
             </a:lvl1pPr>
-            <a:lvl2pPr marL="713232" indent="0">
+            <a:lvl2pPr marL="758998" indent="0">
               <a:buNone/>
-              <a:defRPr sz="3120" b="1"/>
+              <a:defRPr sz="3320" b="1"/>
             </a:lvl2pPr>
-            <a:lvl3pPr marL="1426464" indent="0">
+            <a:lvl3pPr marL="1517995" indent="0">
               <a:buNone/>
-              <a:defRPr sz="2808" b="1"/>
+              <a:defRPr sz="2988" b="1"/>
             </a:lvl3pPr>
-            <a:lvl4pPr marL="2139696" indent="0">
+            <a:lvl4pPr marL="2276993" indent="0">
               <a:buNone/>
-              <a:defRPr sz="2496" b="1"/>
+              <a:defRPr sz="2656" b="1"/>
             </a:lvl4pPr>
-            <a:lvl5pPr marL="2852928" indent="0">
+            <a:lvl5pPr marL="3035991" indent="0">
               <a:buNone/>
-              <a:defRPr sz="2496" b="1"/>
+              <a:defRPr sz="2656" b="1"/>
             </a:lvl5pPr>
-            <a:lvl6pPr marL="3566160" indent="0">
+            <a:lvl6pPr marL="3794989" indent="0">
               <a:buNone/>
-              <a:defRPr sz="2496" b="1"/>
+              <a:defRPr sz="2656" b="1"/>
             </a:lvl6pPr>
-            <a:lvl7pPr marL="4279392" indent="0">
+            <a:lvl7pPr marL="4553986" indent="0">
               <a:buNone/>
-              <a:defRPr sz="2496" b="1"/>
+              <a:defRPr sz="2656" b="1"/>
             </a:lvl7pPr>
-            <a:lvl8pPr marL="4992624" indent="0">
+            <a:lvl8pPr marL="5312984" indent="0">
               <a:buNone/>
-              <a:defRPr sz="2496" b="1"/>
+              <a:defRPr sz="2656" b="1"/>
             </a:lvl8pPr>
-            <a:lvl9pPr marL="5705856" indent="0">
+            <a:lvl9pPr marL="6071982" indent="0">
               <a:buNone/>
-              <a:defRPr sz="2496" b="1"/>
+              <a:defRPr sz="2656" b="1"/>
             </a:lvl9pPr>
           </a:lstStyle>
           <a:p>
@@ -1545,8 +1544,8 @@
         </p:nvSpPr>
         <p:spPr>
           <a:xfrm>
-            <a:off x="7684711" y="3907801"/>
-            <a:ext cx="6453339" cy="5747787"/>
+            <a:off x="7684711" y="4342130"/>
+            <a:ext cx="6453339" cy="6386619"/>
           </a:xfrm>
         </p:spPr>
         <p:txBody>
@@ -1607,7 +1606,7 @@
           <a:p>
             <a:fld id="{36D6B43A-FB72-2B4A-8DB0-B6C23179BADB}" type="datetimeFigureOut">
               <a:rPr lang="en-US" smtClean="0"/>
-              <a:t>3/22/22</a:t>
+              <a:t>5/30/22</a:t>
             </a:fld>
             <a:endParaRPr lang="en-US"/>
           </a:p>
@@ -1658,7 +1657,7 @@
     </p:spTree>
     <p:extLst>
       <p:ext uri="{BB962C8B-B14F-4D97-AF65-F5344CB8AC3E}">
-        <p14:creationId xmlns:p14="http://schemas.microsoft.com/office/powerpoint/2010/main" val="519835138"/>
+        <p14:creationId xmlns:p14="http://schemas.microsoft.com/office/powerpoint/2010/main" val="3037863498"/>
       </p:ext>
     </p:extLst>
   </p:cSld>
@@ -1725,7 +1724,7 @@
           <a:p>
             <a:fld id="{36D6B43A-FB72-2B4A-8DB0-B6C23179BADB}" type="datetimeFigureOut">
               <a:rPr lang="en-US" smtClean="0"/>
-              <a:t>3/22/22</a:t>
+              <a:t>5/30/22</a:t>
             </a:fld>
             <a:endParaRPr lang="en-US"/>
           </a:p>
@@ -1776,7 +1775,7 @@
     </p:spTree>
     <p:extLst>
       <p:ext uri="{BB962C8B-B14F-4D97-AF65-F5344CB8AC3E}">
-        <p14:creationId xmlns:p14="http://schemas.microsoft.com/office/powerpoint/2010/main" val="3153727160"/>
+        <p14:creationId xmlns:p14="http://schemas.microsoft.com/office/powerpoint/2010/main" val="1789301145"/>
       </p:ext>
     </p:extLst>
   </p:cSld>
@@ -1820,7 +1819,7 @@
           <a:p>
             <a:fld id="{36D6B43A-FB72-2B4A-8DB0-B6C23179BADB}" type="datetimeFigureOut">
               <a:rPr lang="en-US" smtClean="0"/>
-              <a:t>3/22/22</a:t>
+              <a:t>5/30/22</a:t>
             </a:fld>
             <a:endParaRPr lang="en-US"/>
           </a:p>
@@ -1871,7 +1870,7 @@
     </p:spTree>
     <p:extLst>
       <p:ext uri="{BB962C8B-B14F-4D97-AF65-F5344CB8AC3E}">
-        <p14:creationId xmlns:p14="http://schemas.microsoft.com/office/powerpoint/2010/main" val="2175604767"/>
+        <p14:creationId xmlns:p14="http://schemas.microsoft.com/office/powerpoint/2010/main" val="1694715415"/>
       </p:ext>
     </p:extLst>
   </p:cSld>
@@ -1910,15 +1909,15 @@
         </p:nvSpPr>
         <p:spPr>
           <a:xfrm>
-            <a:off x="1045580" y="713211"/>
-            <a:ext cx="4895840" cy="2496238"/>
+            <a:off x="1045580" y="792480"/>
+            <a:ext cx="4895840" cy="2773680"/>
           </a:xfrm>
         </p:spPr>
         <p:txBody>
           <a:bodyPr anchor="b"/>
           <a:lstStyle>
             <a:lvl1pPr>
-              <a:defRPr sz="4992"/>
+              <a:defRPr sz="5312"/>
             </a:lvl1pPr>
           </a:lstStyle>
           <a:p>
@@ -1942,39 +1941,39 @@
         </p:nvSpPr>
         <p:spPr>
           <a:xfrm>
-            <a:off x="6453339" y="1540340"/>
-            <a:ext cx="7684710" cy="7602630"/>
+            <a:off x="6453339" y="1711539"/>
+            <a:ext cx="7684710" cy="8447617"/>
           </a:xfrm>
         </p:spPr>
         <p:txBody>
           <a:bodyPr/>
           <a:lstStyle>
             <a:lvl1pPr>
-              <a:defRPr sz="4992"/>
+              <a:defRPr sz="5312"/>
             </a:lvl1pPr>
             <a:lvl2pPr>
-              <a:defRPr sz="4368"/>
+              <a:defRPr sz="4648"/>
             </a:lvl2pPr>
             <a:lvl3pPr>
-              <a:defRPr sz="3744"/>
+              <a:defRPr sz="3984"/>
             </a:lvl3pPr>
             <a:lvl4pPr>
-              <a:defRPr sz="3120"/>
+              <a:defRPr sz="3320"/>
             </a:lvl4pPr>
             <a:lvl5pPr>
-              <a:defRPr sz="3120"/>
+              <a:defRPr sz="3320"/>
             </a:lvl5pPr>
             <a:lvl6pPr>
-              <a:defRPr sz="3120"/>
+              <a:defRPr sz="3320"/>
             </a:lvl6pPr>
             <a:lvl7pPr>
-              <a:defRPr sz="3120"/>
+              <a:defRPr sz="3320"/>
             </a:lvl7pPr>
             <a:lvl8pPr>
-              <a:defRPr sz="3120"/>
+              <a:defRPr sz="3320"/>
             </a:lvl8pPr>
             <a:lvl9pPr>
-              <a:defRPr sz="3120"/>
+              <a:defRPr sz="3320"/>
             </a:lvl9pPr>
           </a:lstStyle>
           <a:p>
@@ -2027,8 +2026,8 @@
         </p:nvSpPr>
         <p:spPr>
           <a:xfrm>
-            <a:off x="1045580" y="3209449"/>
-            <a:ext cx="4895840" cy="5945901"/>
+            <a:off x="1045580" y="3566160"/>
+            <a:ext cx="4895840" cy="6606753"/>
           </a:xfrm>
         </p:spPr>
         <p:txBody>
@@ -2036,39 +2035,39 @@
           <a:lstStyle>
             <a:lvl1pPr marL="0" indent="0">
               <a:buNone/>
-              <a:defRPr sz="2496"/>
+              <a:defRPr sz="2656"/>
             </a:lvl1pPr>
-            <a:lvl2pPr marL="713232" indent="0">
+            <a:lvl2pPr marL="758998" indent="0">
               <a:buNone/>
-              <a:defRPr sz="2184"/>
+              <a:defRPr sz="2324"/>
             </a:lvl2pPr>
-            <a:lvl3pPr marL="1426464" indent="0">
+            <a:lvl3pPr marL="1517995" indent="0">
               <a:buNone/>
-              <a:defRPr sz="1872"/>
+              <a:defRPr sz="1992"/>
             </a:lvl3pPr>
-            <a:lvl4pPr marL="2139696" indent="0">
+            <a:lvl4pPr marL="2276993" indent="0">
               <a:buNone/>
-              <a:defRPr sz="1560"/>
+              <a:defRPr sz="1660"/>
             </a:lvl4pPr>
-            <a:lvl5pPr marL="2852928" indent="0">
+            <a:lvl5pPr marL="3035991" indent="0">
               <a:buNone/>
-              <a:defRPr sz="1560"/>
+              <a:defRPr sz="1660"/>
             </a:lvl5pPr>
-            <a:lvl6pPr marL="3566160" indent="0">
+            <a:lvl6pPr marL="3794989" indent="0">
               <a:buNone/>
-              <a:defRPr sz="1560"/>
+              <a:defRPr sz="1660"/>
             </a:lvl6pPr>
-            <a:lvl7pPr marL="4279392" indent="0">
+            <a:lvl7pPr marL="4553986" indent="0">
               <a:buNone/>
-              <a:defRPr sz="1560"/>
+              <a:defRPr sz="1660"/>
             </a:lvl7pPr>
-            <a:lvl8pPr marL="4992624" indent="0">
+            <a:lvl8pPr marL="5312984" indent="0">
               <a:buNone/>
-              <a:defRPr sz="1560"/>
+              <a:defRPr sz="1660"/>
             </a:lvl8pPr>
-            <a:lvl9pPr marL="5705856" indent="0">
+            <a:lvl9pPr marL="6071982" indent="0">
               <a:buNone/>
-              <a:defRPr sz="1560"/>
+              <a:defRPr sz="1660"/>
             </a:lvl9pPr>
           </a:lstStyle>
           <a:p>
@@ -2097,7 +2096,7 @@
           <a:p>
             <a:fld id="{36D6B43A-FB72-2B4A-8DB0-B6C23179BADB}" type="datetimeFigureOut">
               <a:rPr lang="en-US" smtClean="0"/>
-              <a:t>3/22/22</a:t>
+              <a:t>5/30/22</a:t>
             </a:fld>
             <a:endParaRPr lang="en-US"/>
           </a:p>
@@ -2148,7 +2147,7 @@
     </p:spTree>
     <p:extLst>
       <p:ext uri="{BB962C8B-B14F-4D97-AF65-F5344CB8AC3E}">
-        <p14:creationId xmlns:p14="http://schemas.microsoft.com/office/powerpoint/2010/main" val="1134789784"/>
+        <p14:creationId xmlns:p14="http://schemas.microsoft.com/office/powerpoint/2010/main" val="3753174730"/>
       </p:ext>
     </p:extLst>
   </p:cSld>
@@ -2187,15 +2186,15 @@
         </p:nvSpPr>
         <p:spPr>
           <a:xfrm>
-            <a:off x="1045580" y="713211"/>
-            <a:ext cx="4895840" cy="2496238"/>
+            <a:off x="1045580" y="792480"/>
+            <a:ext cx="4895840" cy="2773680"/>
           </a:xfrm>
         </p:spPr>
         <p:txBody>
           <a:bodyPr anchor="b"/>
           <a:lstStyle>
             <a:lvl1pPr>
-              <a:defRPr sz="4992"/>
+              <a:defRPr sz="5312"/>
             </a:lvl1pPr>
           </a:lstStyle>
           <a:p>
@@ -2219,8 +2218,8 @@
         </p:nvSpPr>
         <p:spPr>
           <a:xfrm>
-            <a:off x="6453339" y="1540340"/>
-            <a:ext cx="7684710" cy="7602630"/>
+            <a:off x="6453339" y="1711539"/>
+            <a:ext cx="7684710" cy="8447617"/>
           </a:xfrm>
         </p:spPr>
         <p:txBody>
@@ -2228,39 +2227,39 @@
           <a:lstStyle>
             <a:lvl1pPr marL="0" indent="0">
               <a:buNone/>
-              <a:defRPr sz="4992"/>
+              <a:defRPr sz="5312"/>
             </a:lvl1pPr>
-            <a:lvl2pPr marL="713232" indent="0">
+            <a:lvl2pPr marL="758998" indent="0">
               <a:buNone/>
-              <a:defRPr sz="4368"/>
+              <a:defRPr sz="4648"/>
             </a:lvl2pPr>
-            <a:lvl3pPr marL="1426464" indent="0">
+            <a:lvl3pPr marL="1517995" indent="0">
               <a:buNone/>
-              <a:defRPr sz="3744"/>
+              <a:defRPr sz="3984"/>
             </a:lvl3pPr>
-            <a:lvl4pPr marL="2139696" indent="0">
+            <a:lvl4pPr marL="2276993" indent="0">
               <a:buNone/>
-              <a:defRPr sz="3120"/>
+              <a:defRPr sz="3320"/>
             </a:lvl4pPr>
-            <a:lvl5pPr marL="2852928" indent="0">
+            <a:lvl5pPr marL="3035991" indent="0">
               <a:buNone/>
-              <a:defRPr sz="3120"/>
+              <a:defRPr sz="3320"/>
             </a:lvl5pPr>
-            <a:lvl6pPr marL="3566160" indent="0">
+            <a:lvl6pPr marL="3794989" indent="0">
               <a:buNone/>
-              <a:defRPr sz="3120"/>
+              <a:defRPr sz="3320"/>
             </a:lvl6pPr>
-            <a:lvl7pPr marL="4279392" indent="0">
+            <a:lvl7pPr marL="4553986" indent="0">
               <a:buNone/>
-              <a:defRPr sz="3120"/>
+              <a:defRPr sz="3320"/>
             </a:lvl7pPr>
-            <a:lvl8pPr marL="4992624" indent="0">
+            <a:lvl8pPr marL="5312984" indent="0">
               <a:buNone/>
-              <a:defRPr sz="3120"/>
+              <a:defRPr sz="3320"/>
             </a:lvl8pPr>
-            <a:lvl9pPr marL="5705856" indent="0">
+            <a:lvl9pPr marL="6071982" indent="0">
               <a:buNone/>
-              <a:defRPr sz="3120"/>
+              <a:defRPr sz="3320"/>
             </a:lvl9pPr>
           </a:lstStyle>
           <a:p>
@@ -2284,8 +2283,8 @@
         </p:nvSpPr>
         <p:spPr>
           <a:xfrm>
-            <a:off x="1045580" y="3209449"/>
-            <a:ext cx="4895840" cy="5945901"/>
+            <a:off x="1045580" y="3566160"/>
+            <a:ext cx="4895840" cy="6606753"/>
           </a:xfrm>
         </p:spPr>
         <p:txBody>
@@ -2293,39 +2292,39 @@
           <a:lstStyle>
             <a:lvl1pPr marL="0" indent="0">
               <a:buNone/>
-              <a:defRPr sz="2496"/>
+              <a:defRPr sz="2656"/>
             </a:lvl1pPr>
-            <a:lvl2pPr marL="713232" indent="0">
+            <a:lvl2pPr marL="758998" indent="0">
               <a:buNone/>
-              <a:defRPr sz="2184"/>
+              <a:defRPr sz="2324"/>
             </a:lvl2pPr>
-            <a:lvl3pPr marL="1426464" indent="0">
+            <a:lvl3pPr marL="1517995" indent="0">
               <a:buNone/>
-              <a:defRPr sz="1872"/>
+              <a:defRPr sz="1992"/>
             </a:lvl3pPr>
-            <a:lvl4pPr marL="2139696" indent="0">
+            <a:lvl4pPr marL="2276993" indent="0">
               <a:buNone/>
-              <a:defRPr sz="1560"/>
+              <a:defRPr sz="1660"/>
             </a:lvl4pPr>
-            <a:lvl5pPr marL="2852928" indent="0">
+            <a:lvl5pPr marL="3035991" indent="0">
               <a:buNone/>
-              <a:defRPr sz="1560"/>
+              <a:defRPr sz="1660"/>
             </a:lvl5pPr>
-            <a:lvl6pPr marL="3566160" indent="0">
+            <a:lvl6pPr marL="3794989" indent="0">
               <a:buNone/>
-              <a:defRPr sz="1560"/>
+              <a:defRPr sz="1660"/>
             </a:lvl6pPr>
-            <a:lvl7pPr marL="4279392" indent="0">
+            <a:lvl7pPr marL="4553986" indent="0">
               <a:buNone/>
-              <a:defRPr sz="1560"/>
+              <a:defRPr sz="1660"/>
             </a:lvl7pPr>
-            <a:lvl8pPr marL="4992624" indent="0">
+            <a:lvl8pPr marL="5312984" indent="0">
               <a:buNone/>
-              <a:defRPr sz="1560"/>
+              <a:defRPr sz="1660"/>
             </a:lvl8pPr>
-            <a:lvl9pPr marL="5705856" indent="0">
+            <a:lvl9pPr marL="6071982" indent="0">
               <a:buNone/>
-              <a:defRPr sz="1560"/>
+              <a:defRPr sz="1660"/>
             </a:lvl9pPr>
           </a:lstStyle>
           <a:p>
@@ -2354,7 +2353,7 @@
           <a:p>
             <a:fld id="{36D6B43A-FB72-2B4A-8DB0-B6C23179BADB}" type="datetimeFigureOut">
               <a:rPr lang="en-US" smtClean="0"/>
-              <a:t>3/22/22</a:t>
+              <a:t>5/30/22</a:t>
             </a:fld>
             <a:endParaRPr lang="en-US"/>
           </a:p>
@@ -2405,7 +2404,7 @@
     </p:spTree>
     <p:extLst>
       <p:ext uri="{BB962C8B-B14F-4D97-AF65-F5344CB8AC3E}">
-        <p14:creationId xmlns:p14="http://schemas.microsoft.com/office/powerpoint/2010/main" val="671100594"/>
+        <p14:creationId xmlns:p14="http://schemas.microsoft.com/office/powerpoint/2010/main" val="3948826216"/>
       </p:ext>
     </p:extLst>
   </p:cSld>
@@ -2449,8 +2448,8 @@
         </p:nvSpPr>
         <p:spPr>
           <a:xfrm>
-            <a:off x="1043603" y="569580"/>
-            <a:ext cx="13092470" cy="2067817"/>
+            <a:off x="1043603" y="632886"/>
+            <a:ext cx="13092470" cy="2297643"/>
           </a:xfrm>
           <a:prstGeom prst="rect">
             <a:avLst/>
@@ -2482,8 +2481,8 @@
         </p:nvSpPr>
         <p:spPr>
           <a:xfrm>
-            <a:off x="1043603" y="2847891"/>
-            <a:ext cx="13092470" cy="6787886"/>
+            <a:off x="1043603" y="3164417"/>
+            <a:ext cx="13092470" cy="7542319"/>
           </a:xfrm>
           <a:prstGeom prst="rect">
             <a:avLst/>
@@ -2544,8 +2543,8 @@
         </p:nvSpPr>
         <p:spPr>
           <a:xfrm>
-            <a:off x="1043603" y="9915615"/>
-            <a:ext cx="3415427" cy="569578"/>
+            <a:off x="1043603" y="11017676"/>
+            <a:ext cx="3415427" cy="632883"/>
           </a:xfrm>
           <a:prstGeom prst="rect">
             <a:avLst/>
@@ -2555,7 +2554,7 @@
           <a:bodyPr vert="horz" lIns="91440" tIns="45720" rIns="91440" bIns="45720" rtlCol="0" anchor="ctr"/>
           <a:lstStyle>
             <a:lvl1pPr algn="l">
-              <a:defRPr sz="1872">
+              <a:defRPr sz="1992">
                 <a:solidFill>
                   <a:schemeClr val="tx1">
                     <a:tint val="75000"/>
@@ -2567,7 +2566,7 @@
           <a:p>
             <a:fld id="{36D6B43A-FB72-2B4A-8DB0-B6C23179BADB}" type="datetimeFigureOut">
               <a:rPr lang="en-US" smtClean="0"/>
-              <a:t>3/22/22</a:t>
+              <a:t>5/30/22</a:t>
             </a:fld>
             <a:endParaRPr lang="en-US"/>
           </a:p>
@@ -2585,8 +2584,8 @@
         </p:nvSpPr>
         <p:spPr>
           <a:xfrm>
-            <a:off x="5028268" y="9915615"/>
-            <a:ext cx="5123140" cy="569578"/>
+            <a:off x="5028268" y="11017676"/>
+            <a:ext cx="5123140" cy="632883"/>
           </a:xfrm>
           <a:prstGeom prst="rect">
             <a:avLst/>
@@ -2596,7 +2595,7 @@
           <a:bodyPr vert="horz" lIns="91440" tIns="45720" rIns="91440" bIns="45720" rtlCol="0" anchor="ctr"/>
           <a:lstStyle>
             <a:lvl1pPr algn="ctr">
-              <a:defRPr sz="1872">
+              <a:defRPr sz="1992">
                 <a:solidFill>
                   <a:schemeClr val="tx1">
                     <a:tint val="75000"/>
@@ -2622,8 +2621,8 @@
         </p:nvSpPr>
         <p:spPr>
           <a:xfrm>
-            <a:off x="10720645" y="9915615"/>
-            <a:ext cx="3415427" cy="569578"/>
+            <a:off x="10720645" y="11017676"/>
+            <a:ext cx="3415427" cy="632883"/>
           </a:xfrm>
           <a:prstGeom prst="rect">
             <a:avLst/>
@@ -2633,7 +2632,7 @@
           <a:bodyPr vert="horz" lIns="91440" tIns="45720" rIns="91440" bIns="45720" rtlCol="0" anchor="ctr"/>
           <a:lstStyle>
             <a:lvl1pPr algn="r">
-              <a:defRPr sz="1872">
+              <a:defRPr sz="1992">
                 <a:solidFill>
                   <a:schemeClr val="tx1">
                     <a:tint val="75000"/>
@@ -2654,27 +2653,27 @@
     </p:spTree>
     <p:extLst>
       <p:ext uri="{BB962C8B-B14F-4D97-AF65-F5344CB8AC3E}">
-        <p14:creationId xmlns:p14="http://schemas.microsoft.com/office/powerpoint/2010/main" val="2431342902"/>
+        <p14:creationId xmlns:p14="http://schemas.microsoft.com/office/powerpoint/2010/main" val="1266781090"/>
       </p:ext>
     </p:extLst>
   </p:cSld>
   <p:clrMap bg1="lt1" tx1="dk1" bg2="lt2" tx2="dk2" accent1="accent1" accent2="accent2" accent3="accent3" accent4="accent4" accent5="accent5" accent6="accent6" hlink="hlink" folHlink="folHlink"/>
   <p:sldLayoutIdLst>
-    <p:sldLayoutId id="2147483721" r:id="rId1"/>
-    <p:sldLayoutId id="2147483722" r:id="rId2"/>
-    <p:sldLayoutId id="2147483723" r:id="rId3"/>
-    <p:sldLayoutId id="2147483724" r:id="rId4"/>
-    <p:sldLayoutId id="2147483725" r:id="rId5"/>
-    <p:sldLayoutId id="2147483726" r:id="rId6"/>
-    <p:sldLayoutId id="2147483727" r:id="rId7"/>
-    <p:sldLayoutId id="2147483728" r:id="rId8"/>
-    <p:sldLayoutId id="2147483729" r:id="rId9"/>
-    <p:sldLayoutId id="2147483730" r:id="rId10"/>
-    <p:sldLayoutId id="2147483731" r:id="rId11"/>
+    <p:sldLayoutId id="2147483937" r:id="rId1"/>
+    <p:sldLayoutId id="2147483938" r:id="rId2"/>
+    <p:sldLayoutId id="2147483939" r:id="rId3"/>
+    <p:sldLayoutId id="2147483940" r:id="rId4"/>
+    <p:sldLayoutId id="2147483941" r:id="rId5"/>
+    <p:sldLayoutId id="2147483942" r:id="rId6"/>
+    <p:sldLayoutId id="2147483943" r:id="rId7"/>
+    <p:sldLayoutId id="2147483944" r:id="rId8"/>
+    <p:sldLayoutId id="2147483945" r:id="rId9"/>
+    <p:sldLayoutId id="2147483946" r:id="rId10"/>
+    <p:sldLayoutId id="2147483947" r:id="rId11"/>
   </p:sldLayoutIdLst>
   <p:txStyles>
     <p:titleStyle>
-      <a:lvl1pPr algn="l" defTabSz="1426464" rtl="0" eaLnBrk="1" latinLnBrk="0" hangingPunct="1">
+      <a:lvl1pPr algn="l" defTabSz="1517995" rtl="0" eaLnBrk="1" latinLnBrk="0" hangingPunct="1">
         <a:lnSpc>
           <a:spcPct val="90000"/>
         </a:lnSpc>
@@ -2682,7 +2681,7 @@
           <a:spcPct val="0"/>
         </a:spcBef>
         <a:buNone/>
-        <a:defRPr sz="6864" kern="1200">
+        <a:defRPr sz="7304" kern="1200">
           <a:solidFill>
             <a:schemeClr val="tx1"/>
           </a:solidFill>
@@ -2693,16 +2692,16 @@
       </a:lvl1pPr>
     </p:titleStyle>
     <p:bodyStyle>
-      <a:lvl1pPr marL="356616" indent="-356616" algn="l" defTabSz="1426464" rtl="0" eaLnBrk="1" latinLnBrk="0" hangingPunct="1">
+      <a:lvl1pPr marL="379499" indent="-379499" algn="l" defTabSz="1517995" rtl="0" eaLnBrk="1" latinLnBrk="0" hangingPunct="1">
         <a:lnSpc>
           <a:spcPct val="90000"/>
         </a:lnSpc>
         <a:spcBef>
-          <a:spcPts val="1560"/>
+          <a:spcPts val="1660"/>
         </a:spcBef>
         <a:buFont typeface="Arial" panose="020B0604020202020204" pitchFamily="34" charset="0"/>
         <a:buChar char="•"/>
-        <a:defRPr sz="4368" kern="1200">
+        <a:defRPr sz="4648" kern="1200">
           <a:solidFill>
             <a:schemeClr val="tx1"/>
           </a:solidFill>
@@ -2711,16 +2710,16 @@
           <a:cs typeface="+mn-cs"/>
         </a:defRPr>
       </a:lvl1pPr>
-      <a:lvl2pPr marL="1069848" indent="-356616" algn="l" defTabSz="1426464" rtl="0" eaLnBrk="1" latinLnBrk="0" hangingPunct="1">
+      <a:lvl2pPr marL="1138497" indent="-379499" algn="l" defTabSz="1517995" rtl="0" eaLnBrk="1" latinLnBrk="0" hangingPunct="1">
         <a:lnSpc>
           <a:spcPct val="90000"/>
         </a:lnSpc>
         <a:spcBef>
-          <a:spcPts val="780"/>
+          <a:spcPts val="830"/>
         </a:spcBef>
         <a:buFont typeface="Arial" panose="020B0604020202020204" pitchFamily="34" charset="0"/>
         <a:buChar char="•"/>
-        <a:defRPr sz="3744" kern="1200">
+        <a:defRPr sz="3984" kern="1200">
           <a:solidFill>
             <a:schemeClr val="tx1"/>
           </a:solidFill>
@@ -2729,16 +2728,16 @@
           <a:cs typeface="+mn-cs"/>
         </a:defRPr>
       </a:lvl2pPr>
-      <a:lvl3pPr marL="1783080" indent="-356616" algn="l" defTabSz="1426464" rtl="0" eaLnBrk="1" latinLnBrk="0" hangingPunct="1">
+      <a:lvl3pPr marL="1897494" indent="-379499" algn="l" defTabSz="1517995" rtl="0" eaLnBrk="1" latinLnBrk="0" hangingPunct="1">
         <a:lnSpc>
           <a:spcPct val="90000"/>
         </a:lnSpc>
         <a:spcBef>
-          <a:spcPts val="780"/>
+          <a:spcPts val="830"/>
         </a:spcBef>
         <a:buFont typeface="Arial" panose="020B0604020202020204" pitchFamily="34" charset="0"/>
         <a:buChar char="•"/>
-        <a:defRPr sz="3120" kern="1200">
+        <a:defRPr sz="3320" kern="1200">
           <a:solidFill>
             <a:schemeClr val="tx1"/>
           </a:solidFill>
@@ -2747,16 +2746,16 @@
           <a:cs typeface="+mn-cs"/>
         </a:defRPr>
       </a:lvl3pPr>
-      <a:lvl4pPr marL="2496312" indent="-356616" algn="l" defTabSz="1426464" rtl="0" eaLnBrk="1" latinLnBrk="0" hangingPunct="1">
+      <a:lvl4pPr marL="2656492" indent="-379499" algn="l" defTabSz="1517995" rtl="0" eaLnBrk="1" latinLnBrk="0" hangingPunct="1">
         <a:lnSpc>
           <a:spcPct val="90000"/>
         </a:lnSpc>
         <a:spcBef>
-          <a:spcPts val="780"/>
+          <a:spcPts val="830"/>
         </a:spcBef>
         <a:buFont typeface="Arial" panose="020B0604020202020204" pitchFamily="34" charset="0"/>
         <a:buChar char="•"/>
-        <a:defRPr sz="2808" kern="1200">
+        <a:defRPr sz="2988" kern="1200">
           <a:solidFill>
             <a:schemeClr val="tx1"/>
           </a:solidFill>
@@ -2765,16 +2764,16 @@
           <a:cs typeface="+mn-cs"/>
         </a:defRPr>
       </a:lvl4pPr>
-      <a:lvl5pPr marL="3209544" indent="-356616" algn="l" defTabSz="1426464" rtl="0" eaLnBrk="1" latinLnBrk="0" hangingPunct="1">
+      <a:lvl5pPr marL="3415490" indent="-379499" algn="l" defTabSz="1517995" rtl="0" eaLnBrk="1" latinLnBrk="0" hangingPunct="1">
         <a:lnSpc>
           <a:spcPct val="90000"/>
         </a:lnSpc>
         <a:spcBef>
-          <a:spcPts val="780"/>
+          <a:spcPts val="830"/>
         </a:spcBef>
         <a:buFont typeface="Arial" panose="020B0604020202020204" pitchFamily="34" charset="0"/>
         <a:buChar char="•"/>
-        <a:defRPr sz="2808" kern="1200">
+        <a:defRPr sz="2988" kern="1200">
           <a:solidFill>
             <a:schemeClr val="tx1"/>
           </a:solidFill>
@@ -2783,16 +2782,16 @@
           <a:cs typeface="+mn-cs"/>
         </a:defRPr>
       </a:lvl5pPr>
-      <a:lvl6pPr marL="3922776" indent="-356616" algn="l" defTabSz="1426464" rtl="0" eaLnBrk="1" latinLnBrk="0" hangingPunct="1">
+      <a:lvl6pPr marL="4174487" indent="-379499" algn="l" defTabSz="1517995" rtl="0" eaLnBrk="1" latinLnBrk="0" hangingPunct="1">
         <a:lnSpc>
           <a:spcPct val="90000"/>
         </a:lnSpc>
         <a:spcBef>
-          <a:spcPts val="780"/>
+          <a:spcPts val="830"/>
         </a:spcBef>
         <a:buFont typeface="Arial" panose="020B0604020202020204" pitchFamily="34" charset="0"/>
         <a:buChar char="•"/>
-        <a:defRPr sz="2808" kern="1200">
+        <a:defRPr sz="2988" kern="1200">
           <a:solidFill>
             <a:schemeClr val="tx1"/>
           </a:solidFill>
@@ -2801,16 +2800,16 @@
           <a:cs typeface="+mn-cs"/>
         </a:defRPr>
       </a:lvl6pPr>
-      <a:lvl7pPr marL="4636008" indent="-356616" algn="l" defTabSz="1426464" rtl="0" eaLnBrk="1" latinLnBrk="0" hangingPunct="1">
+      <a:lvl7pPr marL="4933485" indent="-379499" algn="l" defTabSz="1517995" rtl="0" eaLnBrk="1" latinLnBrk="0" hangingPunct="1">
         <a:lnSpc>
           <a:spcPct val="90000"/>
         </a:lnSpc>
         <a:spcBef>
-          <a:spcPts val="780"/>
+          <a:spcPts val="830"/>
         </a:spcBef>
         <a:buFont typeface="Arial" panose="020B0604020202020204" pitchFamily="34" charset="0"/>
         <a:buChar char="•"/>
-        <a:defRPr sz="2808" kern="1200">
+        <a:defRPr sz="2988" kern="1200">
           <a:solidFill>
             <a:schemeClr val="tx1"/>
           </a:solidFill>
@@ -2819,16 +2818,16 @@
           <a:cs typeface="+mn-cs"/>
         </a:defRPr>
       </a:lvl7pPr>
-      <a:lvl8pPr marL="5349240" indent="-356616" algn="l" defTabSz="1426464" rtl="0" eaLnBrk="1" latinLnBrk="0" hangingPunct="1">
+      <a:lvl8pPr marL="5692483" indent="-379499" algn="l" defTabSz="1517995" rtl="0" eaLnBrk="1" latinLnBrk="0" hangingPunct="1">
         <a:lnSpc>
           <a:spcPct val="90000"/>
         </a:lnSpc>
         <a:spcBef>
-          <a:spcPts val="780"/>
+          <a:spcPts val="830"/>
         </a:spcBef>
         <a:buFont typeface="Arial" panose="020B0604020202020204" pitchFamily="34" charset="0"/>
         <a:buChar char="•"/>
-        <a:defRPr sz="2808" kern="1200">
+        <a:defRPr sz="2988" kern="1200">
           <a:solidFill>
             <a:schemeClr val="tx1"/>
           </a:solidFill>
@@ -2837,16 +2836,16 @@
           <a:cs typeface="+mn-cs"/>
         </a:defRPr>
       </a:lvl8pPr>
-      <a:lvl9pPr marL="6062472" indent="-356616" algn="l" defTabSz="1426464" rtl="0" eaLnBrk="1" latinLnBrk="0" hangingPunct="1">
+      <a:lvl9pPr marL="6451481" indent="-379499" algn="l" defTabSz="1517995" rtl="0" eaLnBrk="1" latinLnBrk="0" hangingPunct="1">
         <a:lnSpc>
           <a:spcPct val="90000"/>
         </a:lnSpc>
         <a:spcBef>
-          <a:spcPts val="780"/>
+          <a:spcPts val="830"/>
         </a:spcBef>
         <a:buFont typeface="Arial" panose="020B0604020202020204" pitchFamily="34" charset="0"/>
         <a:buChar char="•"/>
-        <a:defRPr sz="2808" kern="1200">
+        <a:defRPr sz="2988" kern="1200">
           <a:solidFill>
             <a:schemeClr val="tx1"/>
           </a:solidFill>
@@ -2860,8 +2859,8 @@
       <a:defPPr>
         <a:defRPr lang="en-US"/>
       </a:defPPr>
-      <a:lvl1pPr marL="0" algn="l" defTabSz="1426464" rtl="0" eaLnBrk="1" latinLnBrk="0" hangingPunct="1">
-        <a:defRPr sz="2808" kern="1200">
+      <a:lvl1pPr marL="0" algn="l" defTabSz="1517995" rtl="0" eaLnBrk="1" latinLnBrk="0" hangingPunct="1">
+        <a:defRPr sz="2988" kern="1200">
           <a:solidFill>
             <a:schemeClr val="tx1"/>
           </a:solidFill>
@@ -2870,8 +2869,8 @@
           <a:cs typeface="+mn-cs"/>
         </a:defRPr>
       </a:lvl1pPr>
-      <a:lvl2pPr marL="713232" algn="l" defTabSz="1426464" rtl="0" eaLnBrk="1" latinLnBrk="0" hangingPunct="1">
-        <a:defRPr sz="2808" kern="1200">
+      <a:lvl2pPr marL="758998" algn="l" defTabSz="1517995" rtl="0" eaLnBrk="1" latinLnBrk="0" hangingPunct="1">
+        <a:defRPr sz="2988" kern="1200">
           <a:solidFill>
             <a:schemeClr val="tx1"/>
           </a:solidFill>
@@ -2880,8 +2879,8 @@
           <a:cs typeface="+mn-cs"/>
         </a:defRPr>
       </a:lvl2pPr>
-      <a:lvl3pPr marL="1426464" algn="l" defTabSz="1426464" rtl="0" eaLnBrk="1" latinLnBrk="0" hangingPunct="1">
-        <a:defRPr sz="2808" kern="1200">
+      <a:lvl3pPr marL="1517995" algn="l" defTabSz="1517995" rtl="0" eaLnBrk="1" latinLnBrk="0" hangingPunct="1">
+        <a:defRPr sz="2988" kern="1200">
           <a:solidFill>
             <a:schemeClr val="tx1"/>
           </a:solidFill>
@@ -2890,8 +2889,8 @@
           <a:cs typeface="+mn-cs"/>
         </a:defRPr>
       </a:lvl3pPr>
-      <a:lvl4pPr marL="2139696" algn="l" defTabSz="1426464" rtl="0" eaLnBrk="1" latinLnBrk="0" hangingPunct="1">
-        <a:defRPr sz="2808" kern="1200">
+      <a:lvl4pPr marL="2276993" algn="l" defTabSz="1517995" rtl="0" eaLnBrk="1" latinLnBrk="0" hangingPunct="1">
+        <a:defRPr sz="2988" kern="1200">
           <a:solidFill>
             <a:schemeClr val="tx1"/>
           </a:solidFill>
@@ -2900,8 +2899,8 @@
           <a:cs typeface="+mn-cs"/>
         </a:defRPr>
       </a:lvl4pPr>
-      <a:lvl5pPr marL="2852928" algn="l" defTabSz="1426464" rtl="0" eaLnBrk="1" latinLnBrk="0" hangingPunct="1">
-        <a:defRPr sz="2808" kern="1200">
+      <a:lvl5pPr marL="3035991" algn="l" defTabSz="1517995" rtl="0" eaLnBrk="1" latinLnBrk="0" hangingPunct="1">
+        <a:defRPr sz="2988" kern="1200">
           <a:solidFill>
             <a:schemeClr val="tx1"/>
           </a:solidFill>
@@ -2910,8 +2909,8 @@
           <a:cs typeface="+mn-cs"/>
         </a:defRPr>
       </a:lvl5pPr>
-      <a:lvl6pPr marL="3566160" algn="l" defTabSz="1426464" rtl="0" eaLnBrk="1" latinLnBrk="0" hangingPunct="1">
-        <a:defRPr sz="2808" kern="1200">
+      <a:lvl6pPr marL="3794989" algn="l" defTabSz="1517995" rtl="0" eaLnBrk="1" latinLnBrk="0" hangingPunct="1">
+        <a:defRPr sz="2988" kern="1200">
           <a:solidFill>
             <a:schemeClr val="tx1"/>
           </a:solidFill>
@@ -2920,8 +2919,8 @@
           <a:cs typeface="+mn-cs"/>
         </a:defRPr>
       </a:lvl6pPr>
-      <a:lvl7pPr marL="4279392" algn="l" defTabSz="1426464" rtl="0" eaLnBrk="1" latinLnBrk="0" hangingPunct="1">
-        <a:defRPr sz="2808" kern="1200">
+      <a:lvl7pPr marL="4553986" algn="l" defTabSz="1517995" rtl="0" eaLnBrk="1" latinLnBrk="0" hangingPunct="1">
+        <a:defRPr sz="2988" kern="1200">
           <a:solidFill>
             <a:schemeClr val="tx1"/>
           </a:solidFill>
@@ -2930,8 +2929,8 @@
           <a:cs typeface="+mn-cs"/>
         </a:defRPr>
       </a:lvl7pPr>
-      <a:lvl8pPr marL="4992624" algn="l" defTabSz="1426464" rtl="0" eaLnBrk="1" latinLnBrk="0" hangingPunct="1">
-        <a:defRPr sz="2808" kern="1200">
+      <a:lvl8pPr marL="5312984" algn="l" defTabSz="1517995" rtl="0" eaLnBrk="1" latinLnBrk="0" hangingPunct="1">
+        <a:defRPr sz="2988" kern="1200">
           <a:solidFill>
             <a:schemeClr val="tx1"/>
           </a:solidFill>
@@ -2940,8 +2939,8 @@
           <a:cs typeface="+mn-cs"/>
         </a:defRPr>
       </a:lvl8pPr>
-      <a:lvl9pPr marL="5705856" algn="l" defTabSz="1426464" rtl="0" eaLnBrk="1" latinLnBrk="0" hangingPunct="1">
-        <a:defRPr sz="2808" kern="1200">
+      <a:lvl9pPr marL="6071982" algn="l" defTabSz="1517995" rtl="0" eaLnBrk="1" latinLnBrk="0" hangingPunct="1">
+        <a:defRPr sz="2988" kern="1200">
           <a:solidFill>
             <a:schemeClr val="tx1"/>
           </a:solidFill>
@@ -2972,12 +2971,478 @@
           <a:chExt cx="0" cy="0"/>
         </a:xfrm>
       </p:grpSpPr>
+      <p:sp>
+        <p:nvSpPr>
+          <p:cNvPr id="83" name="Rounded Rectangle 82">
+            <a:extLst>
+              <a:ext uri="{FF2B5EF4-FFF2-40B4-BE49-F238E27FC236}">
+                <a16:creationId xmlns:a16="http://schemas.microsoft.com/office/drawing/2014/main" id="{D6E8E42E-DA91-91AC-EAE6-EAD74A5F31DE}"/>
+              </a:ext>
+            </a:extLst>
+          </p:cNvPr>
+          <p:cNvSpPr/>
+          <p:nvPr/>
+        </p:nvSpPr>
+        <p:spPr>
+          <a:xfrm>
+            <a:off x="46818" y="71956"/>
+            <a:ext cx="6340499" cy="3773839"/>
+          </a:xfrm>
+          <a:prstGeom prst="roundRect">
+            <a:avLst/>
+          </a:prstGeom>
+          <a:noFill/>
+          <a:ln w="38100">
+            <a:solidFill>
+              <a:srgbClr val="92D050"/>
+            </a:solidFill>
+          </a:ln>
+        </p:spPr>
+        <p:style>
+          <a:lnRef idx="2">
+            <a:schemeClr val="accent1">
+              <a:shade val="50000"/>
+            </a:schemeClr>
+          </a:lnRef>
+          <a:fillRef idx="1">
+            <a:schemeClr val="accent1"/>
+          </a:fillRef>
+          <a:effectRef idx="0">
+            <a:schemeClr val="accent1"/>
+          </a:effectRef>
+          <a:fontRef idx="minor">
+            <a:schemeClr val="lt1"/>
+          </a:fontRef>
+        </p:style>
+        <p:txBody>
+          <a:bodyPr rot="0" spcFirstLastPara="0" vertOverflow="overflow" horzOverflow="overflow" vert="horz" wrap="square" lIns="91440" tIns="45720" rIns="91440" bIns="45720" numCol="1" spcCol="0" rtlCol="0" fromWordArt="0" anchor="ctr" anchorCtr="0" forceAA="0" compatLnSpc="1">
+            <a:prstTxWarp prst="textNoShape">
+              <a:avLst/>
+            </a:prstTxWarp>
+            <a:noAutofit/>
+          </a:bodyPr>
+          <a:lstStyle/>
+          <a:p>
+            <a:pPr algn="ctr"/>
+            <a:endParaRPr lang="en-US"/>
+          </a:p>
+        </p:txBody>
+      </p:sp>
+      <p:sp>
+        <p:nvSpPr>
+          <p:cNvPr id="64" name="Rounded Rectangle 63">
+            <a:extLst>
+              <a:ext uri="{FF2B5EF4-FFF2-40B4-BE49-F238E27FC236}">
+                <a16:creationId xmlns:a16="http://schemas.microsoft.com/office/drawing/2014/main" id="{604CE25D-EE9B-2C60-4FC6-7441F365F6B2}"/>
+              </a:ext>
+            </a:extLst>
+          </p:cNvPr>
+          <p:cNvSpPr/>
+          <p:nvPr/>
+        </p:nvSpPr>
+        <p:spPr>
+          <a:xfrm>
+            <a:off x="38891" y="7167798"/>
+            <a:ext cx="15087600" cy="4687556"/>
+          </a:xfrm>
+          <a:prstGeom prst="roundRect">
+            <a:avLst/>
+          </a:prstGeom>
+          <a:noFill/>
+          <a:ln w="38100">
+            <a:solidFill>
+              <a:srgbClr val="92D050"/>
+            </a:solidFill>
+          </a:ln>
+        </p:spPr>
+        <p:style>
+          <a:lnRef idx="2">
+            <a:schemeClr val="accent1">
+              <a:shade val="50000"/>
+            </a:schemeClr>
+          </a:lnRef>
+          <a:fillRef idx="1">
+            <a:schemeClr val="accent1"/>
+          </a:fillRef>
+          <a:effectRef idx="0">
+            <a:schemeClr val="accent1"/>
+          </a:effectRef>
+          <a:fontRef idx="minor">
+            <a:schemeClr val="lt1"/>
+          </a:fontRef>
+        </p:style>
+        <p:txBody>
+          <a:bodyPr rot="0" spcFirstLastPara="0" vertOverflow="overflow" horzOverflow="overflow" vert="horz" wrap="square" lIns="91440" tIns="45720" rIns="91440" bIns="45720" numCol="1" spcCol="0" rtlCol="0" fromWordArt="0" anchor="ctr" anchorCtr="0" forceAA="0" compatLnSpc="1">
+            <a:prstTxWarp prst="textNoShape">
+              <a:avLst/>
+            </a:prstTxWarp>
+            <a:noAutofit/>
+          </a:bodyPr>
+          <a:lstStyle/>
+          <a:p>
+            <a:pPr algn="ctr"/>
+            <a:endParaRPr lang="en-US"/>
+          </a:p>
+        </p:txBody>
+      </p:sp>
+      <p:sp>
+        <p:nvSpPr>
+          <p:cNvPr id="63" name="Rounded Rectangle 62">
+            <a:extLst>
+              <a:ext uri="{FF2B5EF4-FFF2-40B4-BE49-F238E27FC236}">
+                <a16:creationId xmlns:a16="http://schemas.microsoft.com/office/drawing/2014/main" id="{A7445049-E56B-8DCE-941A-207640DCC71B}"/>
+              </a:ext>
+            </a:extLst>
+          </p:cNvPr>
+          <p:cNvSpPr/>
+          <p:nvPr/>
+        </p:nvSpPr>
+        <p:spPr>
+          <a:xfrm>
+            <a:off x="7366837" y="52059"/>
+            <a:ext cx="7735824" cy="6155412"/>
+          </a:xfrm>
+          <a:prstGeom prst="roundRect">
+            <a:avLst/>
+          </a:prstGeom>
+          <a:noFill/>
+          <a:ln w="38100">
+            <a:solidFill>
+              <a:srgbClr val="92D050"/>
+            </a:solidFill>
+          </a:ln>
+        </p:spPr>
+        <p:style>
+          <a:lnRef idx="2">
+            <a:schemeClr val="accent1">
+              <a:shade val="50000"/>
+            </a:schemeClr>
+          </a:lnRef>
+          <a:fillRef idx="1">
+            <a:schemeClr val="accent1"/>
+          </a:fillRef>
+          <a:effectRef idx="0">
+            <a:schemeClr val="accent1"/>
+          </a:effectRef>
+          <a:fontRef idx="minor">
+            <a:schemeClr val="lt1"/>
+          </a:fontRef>
+        </p:style>
+        <p:txBody>
+          <a:bodyPr rot="0" spcFirstLastPara="0" vertOverflow="overflow" horzOverflow="overflow" vert="horz" wrap="square" lIns="91440" tIns="45720" rIns="91440" bIns="45720" numCol="1" spcCol="0" rtlCol="0" fromWordArt="0" anchor="ctr" anchorCtr="0" forceAA="0" compatLnSpc="1">
+            <a:prstTxWarp prst="textNoShape">
+              <a:avLst/>
+            </a:prstTxWarp>
+            <a:noAutofit/>
+          </a:bodyPr>
+          <a:lstStyle/>
+          <a:p>
+            <a:pPr algn="ctr"/>
+            <a:endParaRPr lang="en-US"/>
+          </a:p>
+        </p:txBody>
+      </p:sp>
+      <p:sp>
+        <p:nvSpPr>
+          <p:cNvPr id="70" name="Rounded Rectangle 69">
+            <a:extLst>
+              <a:ext uri="{FF2B5EF4-FFF2-40B4-BE49-F238E27FC236}">
+                <a16:creationId xmlns:a16="http://schemas.microsoft.com/office/drawing/2014/main" id="{DBCE27A7-6062-21F7-D698-CBCFAF76301B}"/>
+              </a:ext>
+            </a:extLst>
+          </p:cNvPr>
+          <p:cNvSpPr/>
+          <p:nvPr/>
+        </p:nvSpPr>
+        <p:spPr>
+          <a:xfrm>
+            <a:off x="7371606" y="4587560"/>
+            <a:ext cx="7735824" cy="2068236"/>
+          </a:xfrm>
+          <a:prstGeom prst="roundRect">
+            <a:avLst/>
+          </a:prstGeom>
+          <a:solidFill>
+            <a:schemeClr val="bg1"/>
+          </a:solidFill>
+          <a:ln w="38100">
+            <a:solidFill>
+              <a:srgbClr val="92D050"/>
+            </a:solidFill>
+          </a:ln>
+        </p:spPr>
+        <p:style>
+          <a:lnRef idx="2">
+            <a:schemeClr val="accent1">
+              <a:shade val="50000"/>
+            </a:schemeClr>
+          </a:lnRef>
+          <a:fillRef idx="1">
+            <a:schemeClr val="accent1"/>
+          </a:fillRef>
+          <a:effectRef idx="0">
+            <a:schemeClr val="accent1"/>
+          </a:effectRef>
+          <a:fontRef idx="minor">
+            <a:schemeClr val="lt1"/>
+          </a:fontRef>
+        </p:style>
+        <p:txBody>
+          <a:bodyPr rot="0" spcFirstLastPara="0" vertOverflow="overflow" horzOverflow="overflow" vert="horz" wrap="square" lIns="91440" tIns="45720" rIns="91440" bIns="45720" numCol="1" spcCol="0" rtlCol="0" fromWordArt="0" anchor="ctr" anchorCtr="0" forceAA="0" compatLnSpc="1">
+            <a:prstTxWarp prst="textNoShape">
+              <a:avLst/>
+            </a:prstTxWarp>
+            <a:noAutofit/>
+          </a:bodyPr>
+          <a:lstStyle/>
+          <a:p>
+            <a:pPr algn="ctr"/>
+            <a:endParaRPr lang="en-US"/>
+          </a:p>
+        </p:txBody>
+      </p:sp>
+      <p:sp>
+        <p:nvSpPr>
+          <p:cNvPr id="99" name="Rounded Rectangle 98">
+            <a:extLst>
+              <a:ext uri="{FF2B5EF4-FFF2-40B4-BE49-F238E27FC236}">
+                <a16:creationId xmlns:a16="http://schemas.microsoft.com/office/drawing/2014/main" id="{41AA9C46-98DB-611F-8460-B50D41DFF36B}"/>
+              </a:ext>
+            </a:extLst>
+          </p:cNvPr>
+          <p:cNvSpPr/>
+          <p:nvPr/>
+        </p:nvSpPr>
+        <p:spPr>
+          <a:xfrm>
+            <a:off x="37505" y="4393656"/>
+            <a:ext cx="7133309" cy="4093701"/>
+          </a:xfrm>
+          <a:prstGeom prst="roundRect">
+            <a:avLst/>
+          </a:prstGeom>
+          <a:solidFill>
+            <a:schemeClr val="bg1"/>
+          </a:solidFill>
+          <a:ln w="38100">
+            <a:solidFill>
+              <a:srgbClr val="92D050"/>
+            </a:solidFill>
+          </a:ln>
+        </p:spPr>
+        <p:style>
+          <a:lnRef idx="2">
+            <a:schemeClr val="accent1">
+              <a:shade val="50000"/>
+            </a:schemeClr>
+          </a:lnRef>
+          <a:fillRef idx="1">
+            <a:schemeClr val="accent1"/>
+          </a:fillRef>
+          <a:effectRef idx="0">
+            <a:schemeClr val="accent1"/>
+          </a:effectRef>
+          <a:fontRef idx="minor">
+            <a:schemeClr val="lt1"/>
+          </a:fontRef>
+        </p:style>
+        <p:txBody>
+          <a:bodyPr rot="0" spcFirstLastPara="0" vertOverflow="overflow" horzOverflow="overflow" vert="horz" wrap="square" lIns="91440" tIns="45720" rIns="91440" bIns="45720" numCol="1" spcCol="0" rtlCol="0" fromWordArt="0" anchor="ctr" anchorCtr="0" forceAA="0" compatLnSpc="1">
+            <a:prstTxWarp prst="textNoShape">
+              <a:avLst/>
+            </a:prstTxWarp>
+            <a:noAutofit/>
+          </a:bodyPr>
+          <a:lstStyle/>
+          <a:p>
+            <a:pPr algn="ctr"/>
+            <a:endParaRPr lang="en-US"/>
+          </a:p>
+        </p:txBody>
+      </p:sp>
+      <p:grpSp>
+        <p:nvGrpSpPr>
+          <p:cNvPr id="14" name="Group 13">
+            <a:extLst>
+              <a:ext uri="{FF2B5EF4-FFF2-40B4-BE49-F238E27FC236}">
+                <a16:creationId xmlns:a16="http://schemas.microsoft.com/office/drawing/2014/main" id="{C6DFD65B-D72F-7BDD-A62B-3E5E5113EEBA}"/>
+              </a:ext>
+            </a:extLst>
+          </p:cNvPr>
+          <p:cNvGrpSpPr/>
+          <p:nvPr/>
+        </p:nvGrpSpPr>
+        <p:grpSpPr>
+          <a:xfrm>
+            <a:off x="63404" y="4315100"/>
+            <a:ext cx="15013496" cy="4237670"/>
+            <a:chOff x="63404" y="3795147"/>
+            <a:chExt cx="15013496" cy="4237670"/>
+          </a:xfrm>
+        </p:grpSpPr>
+        <p:sp>
+          <p:nvSpPr>
+            <p:cNvPr id="100" name="Rectangle 99">
+              <a:extLst>
+                <a:ext uri="{FF2B5EF4-FFF2-40B4-BE49-F238E27FC236}">
+                  <a16:creationId xmlns:a16="http://schemas.microsoft.com/office/drawing/2014/main" id="{3C53A8FF-43D0-C9B7-CAB5-6977F1C85026}"/>
+                </a:ext>
+              </a:extLst>
+            </p:cNvPr>
+            <p:cNvSpPr/>
+            <p:nvPr/>
+          </p:nvSpPr>
+          <p:spPr>
+            <a:xfrm>
+              <a:off x="6777317" y="6707636"/>
+              <a:ext cx="1240773" cy="1259768"/>
+            </a:xfrm>
+            <a:prstGeom prst="rect">
+              <a:avLst/>
+            </a:prstGeom>
+            <a:solidFill>
+              <a:schemeClr val="bg1"/>
+            </a:solidFill>
+            <a:ln>
+              <a:noFill/>
+            </a:ln>
+          </p:spPr>
+          <p:style>
+            <a:lnRef idx="2">
+              <a:schemeClr val="accent1">
+                <a:shade val="50000"/>
+              </a:schemeClr>
+            </a:lnRef>
+            <a:fillRef idx="1">
+              <a:schemeClr val="accent1"/>
+            </a:fillRef>
+            <a:effectRef idx="0">
+              <a:schemeClr val="accent1"/>
+            </a:effectRef>
+            <a:fontRef idx="minor">
+              <a:schemeClr val="lt1"/>
+            </a:fontRef>
+          </p:style>
+          <p:txBody>
+            <a:bodyPr rtlCol="0" anchor="ctr"/>
+            <a:lstStyle/>
+            <a:p>
+              <a:pPr algn="ctr"/>
+              <a:endParaRPr lang="en-US"/>
+            </a:p>
+          </p:txBody>
+        </p:sp>
+        <p:sp>
+          <p:nvSpPr>
+            <p:cNvPr id="101" name="Rectangle 100">
+              <a:extLst>
+                <a:ext uri="{FF2B5EF4-FFF2-40B4-BE49-F238E27FC236}">
+                  <a16:creationId xmlns:a16="http://schemas.microsoft.com/office/drawing/2014/main" id="{7AB69AFC-7BAD-F1DA-8A74-D41AFB031A83}"/>
+                </a:ext>
+              </a:extLst>
+            </p:cNvPr>
+            <p:cNvSpPr/>
+            <p:nvPr/>
+          </p:nvSpPr>
+          <p:spPr>
+            <a:xfrm>
+              <a:off x="63404" y="6773049"/>
+              <a:ext cx="6864624" cy="1259768"/>
+            </a:xfrm>
+            <a:prstGeom prst="rect">
+              <a:avLst/>
+            </a:prstGeom>
+            <a:solidFill>
+              <a:schemeClr val="bg1"/>
+            </a:solidFill>
+            <a:ln>
+              <a:noFill/>
+            </a:ln>
+          </p:spPr>
+          <p:style>
+            <a:lnRef idx="2">
+              <a:schemeClr val="accent1">
+                <a:shade val="50000"/>
+              </a:schemeClr>
+            </a:lnRef>
+            <a:fillRef idx="1">
+              <a:schemeClr val="accent1"/>
+            </a:fillRef>
+            <a:effectRef idx="0">
+              <a:schemeClr val="accent1"/>
+            </a:effectRef>
+            <a:fontRef idx="minor">
+              <a:schemeClr val="lt1"/>
+            </a:fontRef>
+          </p:style>
+          <p:txBody>
+            <a:bodyPr rtlCol="0" anchor="ctr"/>
+            <a:lstStyle/>
+            <a:p>
+              <a:pPr algn="ctr"/>
+              <a:endParaRPr lang="en-US"/>
+            </a:p>
+          </p:txBody>
+        </p:sp>
+        <p:sp>
+          <p:nvSpPr>
+            <p:cNvPr id="103" name="Rectangle 102">
+              <a:extLst>
+                <a:ext uri="{FF2B5EF4-FFF2-40B4-BE49-F238E27FC236}">
+                  <a16:creationId xmlns:a16="http://schemas.microsoft.com/office/drawing/2014/main" id="{B4A820A9-13F6-2DD2-7456-6E26CE2ADE4A}"/>
+                </a:ext>
+              </a:extLst>
+            </p:cNvPr>
+            <p:cNvSpPr/>
+            <p:nvPr/>
+          </p:nvSpPr>
+          <p:spPr>
+            <a:xfrm>
+              <a:off x="7395940" y="3795147"/>
+              <a:ext cx="7680960" cy="955529"/>
+            </a:xfrm>
+            <a:prstGeom prst="rect">
+              <a:avLst/>
+            </a:prstGeom>
+            <a:solidFill>
+              <a:schemeClr val="bg1"/>
+            </a:solidFill>
+            <a:ln>
+              <a:noFill/>
+            </a:ln>
+          </p:spPr>
+          <p:style>
+            <a:lnRef idx="2">
+              <a:schemeClr val="accent1">
+                <a:shade val="50000"/>
+              </a:schemeClr>
+            </a:lnRef>
+            <a:fillRef idx="1">
+              <a:schemeClr val="accent1"/>
+            </a:fillRef>
+            <a:effectRef idx="0">
+              <a:schemeClr val="accent1"/>
+            </a:effectRef>
+            <a:fontRef idx="minor">
+              <a:schemeClr val="lt1"/>
+            </a:fontRef>
+          </p:style>
+          <p:txBody>
+            <a:bodyPr rtlCol="0" anchor="ctr"/>
+            <a:lstStyle/>
+            <a:p>
+              <a:pPr algn="ctr"/>
+              <a:endParaRPr lang="en-US"/>
+            </a:p>
+          </p:txBody>
+        </p:sp>
+      </p:grpSp>
       <p:pic>
         <p:nvPicPr>
-          <p:cNvPr id="20" name="Picture 19">
+          <p:cNvPr id="110" name="Graphic 109">
             <a:extLst>
               <a:ext uri="{FF2B5EF4-FFF2-40B4-BE49-F238E27FC236}">
-                <a16:creationId xmlns:a16="http://schemas.microsoft.com/office/drawing/2014/main" id="{BB36B237-683F-C746-B544-8CD0F747106F}"/>
+                <a16:creationId xmlns:a16="http://schemas.microsoft.com/office/drawing/2014/main" id="{85A936C8-F772-6EE9-64CE-E6550ED158B5}"/>
               </a:ext>
             </a:extLst>
           </p:cNvPr>
@@ -2987,15 +3452,21 @@
           <p:nvPr/>
         </p:nvPicPr>
         <p:blipFill>
-          <a:blip r:embed="rId2"/>
+          <a:blip r:embed="rId2">
+            <a:extLst>
+              <a:ext uri="{96DAC541-7B7A-43D3-8B79-37D633B846F1}">
+                <asvg:svgBlip xmlns:asvg="http://schemas.microsoft.com/office/drawing/2016/SVG/main" r:embed="rId3"/>
+              </a:ext>
+            </a:extLst>
+          </a:blip>
           <a:stretch>
             <a:fillRect/>
           </a:stretch>
         </p:blipFill>
         <p:spPr>
           <a:xfrm>
-            <a:off x="-5068901" y="2050045"/>
-            <a:ext cx="1517799" cy="709406"/>
+            <a:off x="9299822" y="8275069"/>
+            <a:ext cx="5303199" cy="4419333"/>
           </a:xfrm>
           <a:prstGeom prst="rect">
             <a:avLst/>
@@ -3004,10 +3475,459 @@
       </p:pic>
       <p:grpSp>
         <p:nvGrpSpPr>
-          <p:cNvPr id="32" name="Group 31">
+          <p:cNvPr id="7" name="Group 6">
             <a:extLst>
               <a:ext uri="{FF2B5EF4-FFF2-40B4-BE49-F238E27FC236}">
-                <a16:creationId xmlns:a16="http://schemas.microsoft.com/office/drawing/2014/main" id="{538195BA-7AEE-F94E-8A28-200813F34C14}"/>
+                <a16:creationId xmlns:a16="http://schemas.microsoft.com/office/drawing/2014/main" id="{5F992A31-7B3A-FB83-3473-BCAA2784F095}"/>
+              </a:ext>
+            </a:extLst>
+          </p:cNvPr>
+          <p:cNvGrpSpPr>
+            <a:grpSpLocks noChangeAspect="1"/>
+          </p:cNvGrpSpPr>
+          <p:nvPr/>
+        </p:nvGrpSpPr>
+        <p:grpSpPr>
+          <a:xfrm>
+            <a:off x="9702059" y="3356986"/>
+            <a:ext cx="2790238" cy="1691640"/>
+            <a:chOff x="-642934" y="6912114"/>
+            <a:chExt cx="3881748" cy="2353391"/>
+          </a:xfrm>
+        </p:grpSpPr>
+        <p:sp>
+          <p:nvSpPr>
+            <p:cNvPr id="111" name="Rounded Rectangle 110">
+              <a:extLst>
+                <a:ext uri="{FF2B5EF4-FFF2-40B4-BE49-F238E27FC236}">
+                  <a16:creationId xmlns:a16="http://schemas.microsoft.com/office/drawing/2014/main" id="{200C98D9-6814-9D7B-F4CA-2F3B0009CD58}"/>
+                </a:ext>
+              </a:extLst>
+            </p:cNvPr>
+            <p:cNvSpPr/>
+            <p:nvPr/>
+          </p:nvSpPr>
+          <p:spPr>
+            <a:xfrm>
+              <a:off x="38418" y="6912114"/>
+              <a:ext cx="3171055" cy="2148840"/>
+            </a:xfrm>
+            <a:prstGeom prst="roundRect">
+              <a:avLst/>
+            </a:prstGeom>
+            <a:solidFill>
+              <a:srgbClr val="CE7020">
+                <a:alpha val="89804"/>
+              </a:srgbClr>
+            </a:solidFill>
+          </p:spPr>
+          <p:style>
+            <a:lnRef idx="2">
+              <a:schemeClr val="accent1">
+                <a:shade val="50000"/>
+              </a:schemeClr>
+            </a:lnRef>
+            <a:fillRef idx="1">
+              <a:schemeClr val="accent1"/>
+            </a:fillRef>
+            <a:effectRef idx="0">
+              <a:schemeClr val="accent1"/>
+            </a:effectRef>
+            <a:fontRef idx="minor">
+              <a:schemeClr val="lt1"/>
+            </a:fontRef>
+          </p:style>
+          <p:txBody>
+            <a:bodyPr rtlCol="0" anchor="ctr"/>
+            <a:lstStyle/>
+            <a:p>
+              <a:pPr algn="ctr"/>
+              <a:endParaRPr lang="en-US" dirty="0"/>
+            </a:p>
+          </p:txBody>
+        </p:sp>
+        <p:pic>
+          <p:nvPicPr>
+            <p:cNvPr id="112" name="Picture 111">
+              <a:extLst>
+                <a:ext uri="{FF2B5EF4-FFF2-40B4-BE49-F238E27FC236}">
+                  <a16:creationId xmlns:a16="http://schemas.microsoft.com/office/drawing/2014/main" id="{355997F4-0E7A-40B7-91ED-DEDA33F583C4}"/>
+                </a:ext>
+              </a:extLst>
+            </p:cNvPr>
+            <p:cNvPicPr>
+              <a:picLocks noChangeAspect="1"/>
+            </p:cNvPicPr>
+            <p:nvPr/>
+          </p:nvPicPr>
+          <p:blipFill rotWithShape="1">
+            <a:blip r:embed="rId4"/>
+            <a:srcRect l="-21342" t="74454" r="21342" b="-3777"/>
+            <a:stretch/>
+          </p:blipFill>
+          <p:spPr>
+            <a:xfrm>
+              <a:off x="-642934" y="8407482"/>
+              <a:ext cx="3200400" cy="688211"/>
+            </a:xfrm>
+            <a:prstGeom prst="rect">
+              <a:avLst/>
+            </a:prstGeom>
+          </p:spPr>
+        </p:pic>
+        <p:pic>
+          <p:nvPicPr>
+            <p:cNvPr id="118" name="Picture 117">
+              <a:extLst>
+                <a:ext uri="{FF2B5EF4-FFF2-40B4-BE49-F238E27FC236}">
+                  <a16:creationId xmlns:a16="http://schemas.microsoft.com/office/drawing/2014/main" id="{903D3131-601F-FC38-5E03-EE606AC8E5F7}"/>
+                </a:ext>
+              </a:extLst>
+            </p:cNvPr>
+            <p:cNvPicPr>
+              <a:picLocks noChangeAspect="1"/>
+            </p:cNvPicPr>
+            <p:nvPr/>
+          </p:nvPicPr>
+          <p:blipFill>
+            <a:blip r:embed="rId5"/>
+            <a:stretch>
+              <a:fillRect/>
+            </a:stretch>
+          </p:blipFill>
+          <p:spPr>
+            <a:xfrm>
+              <a:off x="38414" y="6918545"/>
+              <a:ext cx="3200400" cy="2346960"/>
+            </a:xfrm>
+            <a:prstGeom prst="rect">
+              <a:avLst/>
+            </a:prstGeom>
+          </p:spPr>
+        </p:pic>
+      </p:grpSp>
+      <p:grpSp>
+        <p:nvGrpSpPr>
+          <p:cNvPr id="2" name="Group 1">
+            <a:extLst>
+              <a:ext uri="{FF2B5EF4-FFF2-40B4-BE49-F238E27FC236}">
+                <a16:creationId xmlns:a16="http://schemas.microsoft.com/office/drawing/2014/main" id="{FAE2A485-A912-681E-9974-2D0504AEAC08}"/>
+              </a:ext>
+            </a:extLst>
+          </p:cNvPr>
+          <p:cNvGrpSpPr>
+            <a:grpSpLocks noChangeAspect="1"/>
+          </p:cNvGrpSpPr>
+          <p:nvPr/>
+        </p:nvGrpSpPr>
+        <p:grpSpPr>
+          <a:xfrm>
+            <a:off x="7117666" y="1611958"/>
+            <a:ext cx="2789175" cy="1691640"/>
+            <a:chOff x="-630085" y="31680"/>
+            <a:chExt cx="3889341" cy="2358893"/>
+          </a:xfrm>
+        </p:grpSpPr>
+        <p:grpSp>
+          <p:nvGrpSpPr>
+            <p:cNvPr id="79" name="Group 78">
+              <a:extLst>
+                <a:ext uri="{FF2B5EF4-FFF2-40B4-BE49-F238E27FC236}">
+                  <a16:creationId xmlns:a16="http://schemas.microsoft.com/office/drawing/2014/main" id="{148EECC7-037E-A34D-B803-4C5B2D626C6A}"/>
+                </a:ext>
+              </a:extLst>
+            </p:cNvPr>
+            <p:cNvGrpSpPr/>
+            <p:nvPr/>
+          </p:nvGrpSpPr>
+          <p:grpSpPr>
+            <a:xfrm>
+              <a:off x="-630085" y="31680"/>
+              <a:ext cx="3849547" cy="2186033"/>
+              <a:chOff x="-622957" y="658351"/>
+              <a:chExt cx="3849547" cy="2186033"/>
+            </a:xfrm>
+          </p:grpSpPr>
+          <p:sp>
+            <p:nvSpPr>
+              <p:cNvPr id="80" name="Rounded Rectangle 79">
+                <a:extLst>
+                  <a:ext uri="{FF2B5EF4-FFF2-40B4-BE49-F238E27FC236}">
+                    <a16:creationId xmlns:a16="http://schemas.microsoft.com/office/drawing/2014/main" id="{8B8B9D03-C646-2529-56F9-C2CF06167119}"/>
+                  </a:ext>
+                </a:extLst>
+              </p:cNvPr>
+              <p:cNvSpPr/>
+              <p:nvPr/>
+            </p:nvSpPr>
+            <p:spPr>
+              <a:xfrm>
+                <a:off x="55535" y="658351"/>
+                <a:ext cx="3171055" cy="2148840"/>
+              </a:xfrm>
+              <a:prstGeom prst="roundRect">
+                <a:avLst/>
+              </a:prstGeom>
+              <a:solidFill>
+                <a:srgbClr val="A8B52C">
+                  <a:alpha val="89804"/>
+                </a:srgbClr>
+              </a:solidFill>
+            </p:spPr>
+            <p:style>
+              <a:lnRef idx="2">
+                <a:schemeClr val="accent1">
+                  <a:shade val="50000"/>
+                </a:schemeClr>
+              </a:lnRef>
+              <a:fillRef idx="1">
+                <a:schemeClr val="accent1"/>
+              </a:fillRef>
+              <a:effectRef idx="0">
+                <a:schemeClr val="accent1"/>
+              </a:effectRef>
+              <a:fontRef idx="minor">
+                <a:schemeClr val="lt1"/>
+              </a:fontRef>
+            </p:style>
+            <p:txBody>
+              <a:bodyPr rtlCol="0" anchor="ctr"/>
+              <a:lstStyle/>
+              <a:p>
+                <a:pPr algn="ctr"/>
+                <a:endParaRPr lang="en-US" dirty="0"/>
+              </a:p>
+            </p:txBody>
+          </p:sp>
+          <p:pic>
+            <p:nvPicPr>
+              <p:cNvPr id="81" name="Picture 80">
+                <a:extLst>
+                  <a:ext uri="{FF2B5EF4-FFF2-40B4-BE49-F238E27FC236}">
+                    <a16:creationId xmlns:a16="http://schemas.microsoft.com/office/drawing/2014/main" id="{F59466B5-F83C-43B8-E81C-F29DD9498517}"/>
+                  </a:ext>
+                </a:extLst>
+              </p:cNvPr>
+              <p:cNvPicPr>
+                <a:picLocks noChangeAspect="1"/>
+              </p:cNvPicPr>
+              <p:nvPr/>
+            </p:nvPicPr>
+            <p:blipFill rotWithShape="1">
+              <a:blip r:embed="rId6"/>
+              <a:srcRect l="-21342" t="74454" r="21342" b="-3777"/>
+              <a:stretch/>
+            </p:blipFill>
+            <p:spPr>
+              <a:xfrm>
+                <a:off x="-622957" y="2156173"/>
+                <a:ext cx="3200400" cy="688211"/>
+              </a:xfrm>
+              <a:prstGeom prst="rect">
+                <a:avLst/>
+              </a:prstGeom>
+            </p:spPr>
+          </p:pic>
+        </p:grpSp>
+        <p:pic>
+          <p:nvPicPr>
+            <p:cNvPr id="85" name="Picture 84">
+              <a:extLst>
+                <a:ext uri="{FF2B5EF4-FFF2-40B4-BE49-F238E27FC236}">
+                  <a16:creationId xmlns:a16="http://schemas.microsoft.com/office/drawing/2014/main" id="{03F743A2-76F0-041E-872F-17404C82E93A}"/>
+                </a:ext>
+              </a:extLst>
+            </p:cNvPr>
+            <p:cNvPicPr>
+              <a:picLocks noChangeAspect="1"/>
+            </p:cNvPicPr>
+            <p:nvPr/>
+          </p:nvPicPr>
+          <p:blipFill>
+            <a:blip r:embed="rId7"/>
+            <a:stretch>
+              <a:fillRect/>
+            </a:stretch>
+          </p:blipFill>
+          <p:spPr>
+            <a:xfrm>
+              <a:off x="54700" y="40565"/>
+              <a:ext cx="3204556" cy="2350008"/>
+            </a:xfrm>
+            <a:prstGeom prst="rect">
+              <a:avLst/>
+            </a:prstGeom>
+          </p:spPr>
+        </p:pic>
+      </p:grpSp>
+      <p:grpSp>
+        <p:nvGrpSpPr>
+          <p:cNvPr id="129" name="Group 128">
+            <a:extLst>
+              <a:ext uri="{FF2B5EF4-FFF2-40B4-BE49-F238E27FC236}">
+                <a16:creationId xmlns:a16="http://schemas.microsoft.com/office/drawing/2014/main" id="{90576FC7-2CAA-38DC-250D-2EB18B740C65}"/>
+              </a:ext>
+            </a:extLst>
+          </p:cNvPr>
+          <p:cNvGrpSpPr>
+            <a:grpSpLocks noChangeAspect="1"/>
+          </p:cNvGrpSpPr>
+          <p:nvPr/>
+        </p:nvGrpSpPr>
+        <p:grpSpPr>
+          <a:xfrm>
+            <a:off x="7019261" y="3226837"/>
+            <a:ext cx="3024375" cy="1691640"/>
+            <a:chOff x="6303322" y="671399"/>
+            <a:chExt cx="3885282" cy="2173176"/>
+          </a:xfrm>
+        </p:grpSpPr>
+        <p:sp>
+          <p:nvSpPr>
+            <p:cNvPr id="130" name="Rounded Rectangle 129">
+              <a:extLst>
+                <a:ext uri="{FF2B5EF4-FFF2-40B4-BE49-F238E27FC236}">
+                  <a16:creationId xmlns:a16="http://schemas.microsoft.com/office/drawing/2014/main" id="{1469BD67-0BD7-69C2-AC56-236BE4E1BF8A}"/>
+                </a:ext>
+              </a:extLst>
+            </p:cNvPr>
+            <p:cNvSpPr/>
+            <p:nvPr/>
+          </p:nvSpPr>
+          <p:spPr>
+            <a:xfrm>
+              <a:off x="6985010" y="686799"/>
+              <a:ext cx="3171055" cy="2148840"/>
+            </a:xfrm>
+            <a:prstGeom prst="roundRect">
+              <a:avLst/>
+            </a:prstGeom>
+            <a:solidFill>
+              <a:srgbClr val="610505">
+                <a:alpha val="85098"/>
+              </a:srgbClr>
+            </a:solidFill>
+            <a:ln w="76200">
+              <a:noFill/>
+            </a:ln>
+          </p:spPr>
+          <p:style>
+            <a:lnRef idx="2">
+              <a:schemeClr val="accent1">
+                <a:shade val="50000"/>
+              </a:schemeClr>
+            </a:lnRef>
+            <a:fillRef idx="1">
+              <a:schemeClr val="accent1"/>
+            </a:fillRef>
+            <a:effectRef idx="0">
+              <a:schemeClr val="accent1"/>
+            </a:effectRef>
+            <a:fontRef idx="minor">
+              <a:schemeClr val="lt1"/>
+            </a:fontRef>
+          </p:style>
+          <p:txBody>
+            <a:bodyPr rtlCol="0" anchor="ctr"/>
+            <a:lstStyle/>
+            <a:p>
+              <a:pPr algn="ctr"/>
+              <a:endParaRPr lang="en-US"/>
+            </a:p>
+          </p:txBody>
+        </p:sp>
+        <p:grpSp>
+          <p:nvGrpSpPr>
+            <p:cNvPr id="140" name="Group 139">
+              <a:extLst>
+                <a:ext uri="{FF2B5EF4-FFF2-40B4-BE49-F238E27FC236}">
+                  <a16:creationId xmlns:a16="http://schemas.microsoft.com/office/drawing/2014/main" id="{F1AD6EDE-E81A-5FD4-77E1-B00E7545A77F}"/>
+                </a:ext>
+              </a:extLst>
+            </p:cNvPr>
+            <p:cNvGrpSpPr/>
+            <p:nvPr/>
+          </p:nvGrpSpPr>
+          <p:grpSpPr>
+            <a:xfrm>
+              <a:off x="6303322" y="671399"/>
+              <a:ext cx="3885282" cy="2173176"/>
+              <a:chOff x="-631870" y="-26033"/>
+              <a:chExt cx="3885282" cy="2173176"/>
+            </a:xfrm>
+          </p:grpSpPr>
+          <p:pic>
+            <p:nvPicPr>
+              <p:cNvPr id="141" name="Picture 140">
+                <a:extLst>
+                  <a:ext uri="{FF2B5EF4-FFF2-40B4-BE49-F238E27FC236}">
+                    <a16:creationId xmlns:a16="http://schemas.microsoft.com/office/drawing/2014/main" id="{2FE5974B-8486-7255-2761-C6A59A3B7FEF}"/>
+                  </a:ext>
+                </a:extLst>
+              </p:cNvPr>
+              <p:cNvPicPr>
+                <a:picLocks noChangeAspect="1"/>
+              </p:cNvPicPr>
+              <p:nvPr/>
+            </p:nvPicPr>
+            <p:blipFill rotWithShape="1">
+              <a:blip r:embed="rId8"/>
+              <a:srcRect b="30327"/>
+              <a:stretch/>
+            </p:blipFill>
+            <p:spPr>
+              <a:xfrm>
+                <a:off x="53012" y="-26033"/>
+                <a:ext cx="3200400" cy="1635194"/>
+              </a:xfrm>
+              <a:prstGeom prst="rect">
+                <a:avLst/>
+              </a:prstGeom>
+              <a:ln>
+                <a:noFill/>
+              </a:ln>
+            </p:spPr>
+          </p:pic>
+          <p:pic>
+            <p:nvPicPr>
+              <p:cNvPr id="143" name="Picture 142">
+                <a:extLst>
+                  <a:ext uri="{FF2B5EF4-FFF2-40B4-BE49-F238E27FC236}">
+                    <a16:creationId xmlns:a16="http://schemas.microsoft.com/office/drawing/2014/main" id="{295D17E5-F7A1-E8E3-0A27-E0CD4856C5D6}"/>
+                  </a:ext>
+                </a:extLst>
+              </p:cNvPr>
+              <p:cNvPicPr>
+                <a:picLocks noChangeAspect="1"/>
+              </p:cNvPicPr>
+              <p:nvPr/>
+            </p:nvPicPr>
+            <p:blipFill rotWithShape="1">
+              <a:blip r:embed="rId9"/>
+              <a:srcRect l="-21342" t="74454" r="21342" b="-3777"/>
+              <a:stretch/>
+            </p:blipFill>
+            <p:spPr>
+              <a:xfrm>
+                <a:off x="-631870" y="1458932"/>
+                <a:ext cx="3200400" cy="688211"/>
+              </a:xfrm>
+              <a:prstGeom prst="rect">
+                <a:avLst/>
+              </a:prstGeom>
+              <a:ln>
+                <a:noFill/>
+              </a:ln>
+            </p:spPr>
+          </p:pic>
+        </p:grpSp>
+      </p:grpSp>
+      <p:grpSp>
+        <p:nvGrpSpPr>
+          <p:cNvPr id="18" name="Group 17">
+            <a:extLst>
+              <a:ext uri="{FF2B5EF4-FFF2-40B4-BE49-F238E27FC236}">
+                <a16:creationId xmlns:a16="http://schemas.microsoft.com/office/drawing/2014/main" id="{848EA0E0-38E3-AEF7-2964-0BF0E5B4D430}"/>
               </a:ext>
             </a:extLst>
           </p:cNvPr>
@@ -3016,18 +3936,167 @@
         </p:nvGrpSpPr>
         <p:grpSpPr>
           <a:xfrm>
-            <a:off x="-6174598" y="746663"/>
-            <a:ext cx="3094087" cy="1082355"/>
-            <a:chOff x="533400" y="100568"/>
-            <a:chExt cx="3094087" cy="1082355"/>
+            <a:off x="7039380" y="4952198"/>
+            <a:ext cx="3046169" cy="1670423"/>
+            <a:chOff x="7039380" y="4970127"/>
+            <a:chExt cx="3046169" cy="1670423"/>
           </a:xfrm>
         </p:grpSpPr>
+        <p:grpSp>
+          <p:nvGrpSpPr>
+            <p:cNvPr id="9" name="Group 8">
+              <a:extLst>
+                <a:ext uri="{FF2B5EF4-FFF2-40B4-BE49-F238E27FC236}">
+                  <a16:creationId xmlns:a16="http://schemas.microsoft.com/office/drawing/2014/main" id="{192C05D1-4BE8-00DF-8C8E-B774FB8FE296}"/>
+                </a:ext>
+              </a:extLst>
+            </p:cNvPr>
+            <p:cNvGrpSpPr/>
+            <p:nvPr/>
+          </p:nvGrpSpPr>
+          <p:grpSpPr>
+            <a:xfrm>
+              <a:off x="7039380" y="4970127"/>
+              <a:ext cx="3046169" cy="1670423"/>
+              <a:chOff x="2665925" y="62267"/>
+              <a:chExt cx="2737975" cy="1501419"/>
+            </a:xfrm>
+          </p:grpSpPr>
+          <p:sp>
+            <p:nvSpPr>
+              <p:cNvPr id="88" name="Rounded Rectangle 87">
+                <a:extLst>
+                  <a:ext uri="{FF2B5EF4-FFF2-40B4-BE49-F238E27FC236}">
+                    <a16:creationId xmlns:a16="http://schemas.microsoft.com/office/drawing/2014/main" id="{1A05DE48-B278-B310-AB21-0BD212D554C2}"/>
+                  </a:ext>
+                </a:extLst>
+              </p:cNvPr>
+              <p:cNvSpPr/>
+              <p:nvPr/>
+            </p:nvSpPr>
+            <p:spPr>
+              <a:xfrm>
+                <a:off x="3135223" y="75405"/>
+                <a:ext cx="2234266" cy="1472901"/>
+              </a:xfrm>
+              <a:prstGeom prst="roundRect">
+                <a:avLst/>
+              </a:prstGeom>
+              <a:solidFill>
+                <a:srgbClr val="3449A4"/>
+              </a:solidFill>
+            </p:spPr>
+            <p:style>
+              <a:lnRef idx="2">
+                <a:schemeClr val="accent1">
+                  <a:shade val="50000"/>
+                </a:schemeClr>
+              </a:lnRef>
+              <a:fillRef idx="1">
+                <a:schemeClr val="accent1"/>
+              </a:fillRef>
+              <a:effectRef idx="0">
+                <a:schemeClr val="accent1"/>
+              </a:effectRef>
+              <a:fontRef idx="minor">
+                <a:schemeClr val="lt1"/>
+              </a:fontRef>
+            </p:style>
+            <p:txBody>
+              <a:bodyPr rtlCol="0" anchor="ctr"/>
+              <a:lstStyle/>
+              <a:p>
+                <a:pPr algn="ctr"/>
+                <a:endParaRPr lang="en-US" dirty="0"/>
+              </a:p>
+            </p:txBody>
+          </p:sp>
+          <p:grpSp>
+            <p:nvGrpSpPr>
+              <p:cNvPr id="89" name="Group 88">
+                <a:extLst>
+                  <a:ext uri="{FF2B5EF4-FFF2-40B4-BE49-F238E27FC236}">
+                    <a16:creationId xmlns:a16="http://schemas.microsoft.com/office/drawing/2014/main" id="{731E7B81-AA3C-4F32-B213-6CF98FA805D0}"/>
+                  </a:ext>
+                </a:extLst>
+              </p:cNvPr>
+              <p:cNvGrpSpPr/>
+              <p:nvPr/>
+            </p:nvGrpSpPr>
+            <p:grpSpPr>
+              <a:xfrm>
+                <a:off x="2665925" y="62267"/>
+                <a:ext cx="2737975" cy="1501419"/>
+                <a:chOff x="-646447" y="2443042"/>
+                <a:chExt cx="3885961" cy="2130938"/>
+              </a:xfrm>
+            </p:grpSpPr>
+            <p:pic>
+              <p:nvPicPr>
+                <p:cNvPr id="93" name="Picture 92">
+                  <a:extLst>
+                    <a:ext uri="{FF2B5EF4-FFF2-40B4-BE49-F238E27FC236}">
+                      <a16:creationId xmlns:a16="http://schemas.microsoft.com/office/drawing/2014/main" id="{2642AF6A-A3F0-F8AE-76A1-9F665E75CFB4}"/>
+                    </a:ext>
+                  </a:extLst>
+                </p:cNvPr>
+                <p:cNvPicPr>
+                  <a:picLocks noChangeAspect="1"/>
+                </p:cNvPicPr>
+                <p:nvPr/>
+              </p:nvPicPr>
+              <p:blipFill rotWithShape="1">
+                <a:blip r:embed="rId10"/>
+                <a:srcRect b="30182"/>
+                <a:stretch/>
+              </p:blipFill>
+              <p:spPr>
+                <a:xfrm>
+                  <a:off x="39114" y="2443042"/>
+                  <a:ext cx="3200400" cy="1638603"/>
+                </a:xfrm>
+                <a:prstGeom prst="rect">
+                  <a:avLst/>
+                </a:prstGeom>
+              </p:spPr>
+            </p:pic>
+            <p:pic>
+              <p:nvPicPr>
+                <p:cNvPr id="94" name="Picture 93">
+                  <a:extLst>
+                    <a:ext uri="{FF2B5EF4-FFF2-40B4-BE49-F238E27FC236}">
+                      <a16:creationId xmlns:a16="http://schemas.microsoft.com/office/drawing/2014/main" id="{D61565B3-D089-9E09-D480-C0DA6CE870F5}"/>
+                    </a:ext>
+                  </a:extLst>
+                </p:cNvPr>
+                <p:cNvPicPr>
+                  <a:picLocks noChangeAspect="1"/>
+                </p:cNvPicPr>
+                <p:nvPr/>
+              </p:nvPicPr>
+              <p:blipFill rotWithShape="1">
+                <a:blip r:embed="rId11"/>
+                <a:srcRect l="-21342" t="74454" r="21342" b="-3777"/>
+                <a:stretch/>
+              </p:blipFill>
+              <p:spPr>
+                <a:xfrm>
+                  <a:off x="-646447" y="3885769"/>
+                  <a:ext cx="3200400" cy="688211"/>
+                </a:xfrm>
+                <a:prstGeom prst="rect">
+                  <a:avLst/>
+                </a:prstGeom>
+              </p:spPr>
+            </p:pic>
+          </p:grpSp>
+        </p:grpSp>
         <p:sp>
           <p:nvSpPr>
-            <p:cNvPr id="21" name="TextBox 20">
+            <p:cNvPr id="12" name="TextBox 11">
               <a:extLst>
                 <a:ext uri="{FF2B5EF4-FFF2-40B4-BE49-F238E27FC236}">
-                  <a16:creationId xmlns:a16="http://schemas.microsoft.com/office/drawing/2014/main" id="{78FD9455-0BCD-A940-BEFA-1988FB20B9C0}"/>
+                  <a16:creationId xmlns:a16="http://schemas.microsoft.com/office/drawing/2014/main" id="{C0F1EE82-279B-1FD8-8DD9-BE5755EF1AA4}"/>
                 </a:ext>
               </a:extLst>
             </p:cNvPr>
@@ -3036,8 +4105,8 @@
           </p:nvSpPr>
           <p:spPr>
             <a:xfrm>
-              <a:off x="533400" y="469900"/>
-              <a:ext cx="317716" cy="369332"/>
+              <a:off x="8383249" y="5067615"/>
+              <a:ext cx="925253" cy="246221"/>
             </a:xfrm>
             <a:prstGeom prst="rect">
               <a:avLst/>
@@ -3051,18 +4120,188 @@
             <a:lstStyle/>
             <a:p>
               <a:r>
-                <a:rPr lang="en-US" i="1" dirty="0"/>
-                <a:t>A</a:t>
+                <a:rPr lang="en-US" sz="1000" b="1" dirty="0"/>
+                <a:t>chronogram 1</a:t>
               </a:r>
             </a:p>
           </p:txBody>
         </p:sp>
+      </p:grpSp>
+      <p:grpSp>
+        <p:nvGrpSpPr>
+          <p:cNvPr id="17" name="Group 16">
+            <a:extLst>
+              <a:ext uri="{FF2B5EF4-FFF2-40B4-BE49-F238E27FC236}">
+                <a16:creationId xmlns:a16="http://schemas.microsoft.com/office/drawing/2014/main" id="{CEC53996-C78C-9C24-8112-9275BD210235}"/>
+              </a:ext>
+            </a:extLst>
+          </p:cNvPr>
+          <p:cNvGrpSpPr/>
+          <p:nvPr/>
+        </p:nvGrpSpPr>
+        <p:grpSpPr>
+          <a:xfrm>
+            <a:off x="9687106" y="5069049"/>
+            <a:ext cx="2748123" cy="1536338"/>
+            <a:chOff x="9722964" y="5069049"/>
+            <a:chExt cx="2748123" cy="1536338"/>
+          </a:xfrm>
+        </p:grpSpPr>
+        <p:grpSp>
+          <p:nvGrpSpPr>
+            <p:cNvPr id="10" name="Group 9">
+              <a:extLst>
+                <a:ext uri="{FF2B5EF4-FFF2-40B4-BE49-F238E27FC236}">
+                  <a16:creationId xmlns:a16="http://schemas.microsoft.com/office/drawing/2014/main" id="{50F7CD0A-6CEE-E389-EDA7-CC92BA180AA8}"/>
+                </a:ext>
+              </a:extLst>
+            </p:cNvPr>
+            <p:cNvGrpSpPr/>
+            <p:nvPr/>
+          </p:nvGrpSpPr>
+          <p:grpSpPr>
+            <a:xfrm>
+              <a:off x="9722964" y="5069049"/>
+              <a:ext cx="2748123" cy="1536338"/>
+              <a:chOff x="2660700" y="1578912"/>
+              <a:chExt cx="2731718" cy="1527167"/>
+            </a:xfrm>
+          </p:grpSpPr>
+          <p:sp>
+            <p:nvSpPr>
+              <p:cNvPr id="87" name="Rounded Rectangle 86">
+                <a:extLst>
+                  <a:ext uri="{FF2B5EF4-FFF2-40B4-BE49-F238E27FC236}">
+                    <a16:creationId xmlns:a16="http://schemas.microsoft.com/office/drawing/2014/main" id="{ED9A25D7-AE70-78B0-6BD1-38CF2FB31903}"/>
+                  </a:ext>
+                </a:extLst>
+              </p:cNvPr>
+              <p:cNvSpPr/>
+              <p:nvPr/>
+            </p:nvSpPr>
+            <p:spPr>
+              <a:xfrm>
+                <a:off x="3127335" y="1592047"/>
+                <a:ext cx="2234266" cy="1514032"/>
+              </a:xfrm>
+              <a:prstGeom prst="roundRect">
+                <a:avLst/>
+              </a:prstGeom>
+              <a:solidFill>
+                <a:srgbClr val="3464BE"/>
+              </a:solidFill>
+            </p:spPr>
+            <p:style>
+              <a:lnRef idx="2">
+                <a:schemeClr val="accent1">
+                  <a:shade val="50000"/>
+                </a:schemeClr>
+              </a:lnRef>
+              <a:fillRef idx="1">
+                <a:schemeClr val="accent1"/>
+              </a:fillRef>
+              <a:effectRef idx="0">
+                <a:schemeClr val="accent1"/>
+              </a:effectRef>
+              <a:fontRef idx="minor">
+                <a:schemeClr val="lt1"/>
+              </a:fontRef>
+            </p:style>
+            <p:txBody>
+              <a:bodyPr rtlCol="0" anchor="ctr"/>
+              <a:lstStyle/>
+              <a:p>
+                <a:pPr algn="ctr"/>
+                <a:endParaRPr lang="en-US" dirty="0"/>
+              </a:p>
+            </p:txBody>
+          </p:sp>
+          <p:grpSp>
+            <p:nvGrpSpPr>
+              <p:cNvPr id="90" name="Group 89">
+                <a:extLst>
+                  <a:ext uri="{FF2B5EF4-FFF2-40B4-BE49-F238E27FC236}">
+                    <a16:creationId xmlns:a16="http://schemas.microsoft.com/office/drawing/2014/main" id="{5E24E657-7818-7338-9BCC-1871255CEE00}"/>
+                  </a:ext>
+                </a:extLst>
+              </p:cNvPr>
+              <p:cNvGrpSpPr/>
+              <p:nvPr/>
+            </p:nvGrpSpPr>
+            <p:grpSpPr>
+              <a:xfrm>
+                <a:off x="2660700" y="1578912"/>
+                <a:ext cx="2731718" cy="1499672"/>
+                <a:chOff x="2618438" y="2409209"/>
+                <a:chExt cx="3877081" cy="2128459"/>
+              </a:xfrm>
+            </p:grpSpPr>
+            <p:pic>
+              <p:nvPicPr>
+                <p:cNvPr id="91" name="Picture 90">
+                  <a:extLst>
+                    <a:ext uri="{FF2B5EF4-FFF2-40B4-BE49-F238E27FC236}">
+                      <a16:creationId xmlns:a16="http://schemas.microsoft.com/office/drawing/2014/main" id="{C454796E-4234-B7A1-6BE4-9DFC7A6AF21A}"/>
+                    </a:ext>
+                  </a:extLst>
+                </p:cNvPr>
+                <p:cNvPicPr>
+                  <a:picLocks noChangeAspect="1"/>
+                </p:cNvPicPr>
+                <p:nvPr/>
+              </p:nvPicPr>
+              <p:blipFill rotWithShape="1">
+                <a:blip r:embed="rId12"/>
+                <a:srcRect b="30182"/>
+                <a:stretch/>
+              </p:blipFill>
+              <p:spPr>
+                <a:xfrm>
+                  <a:off x="3298687" y="2409209"/>
+                  <a:ext cx="3196832" cy="1636776"/>
+                </a:xfrm>
+                <a:prstGeom prst="rect">
+                  <a:avLst/>
+                </a:prstGeom>
+              </p:spPr>
+            </p:pic>
+            <p:pic>
+              <p:nvPicPr>
+                <p:cNvPr id="92" name="Picture 91">
+                  <a:extLst>
+                    <a:ext uri="{FF2B5EF4-FFF2-40B4-BE49-F238E27FC236}">
+                      <a16:creationId xmlns:a16="http://schemas.microsoft.com/office/drawing/2014/main" id="{B4F74E98-B421-38E5-0C54-3AE81C1B1CDA}"/>
+                    </a:ext>
+                  </a:extLst>
+                </p:cNvPr>
+                <p:cNvPicPr>
+                  <a:picLocks noChangeAspect="1"/>
+                </p:cNvPicPr>
+                <p:nvPr/>
+              </p:nvPicPr>
+              <p:blipFill rotWithShape="1">
+                <a:blip r:embed="rId13"/>
+                <a:srcRect l="-21342" t="74454" r="21342" b="-3777"/>
+                <a:stretch/>
+              </p:blipFill>
+              <p:spPr>
+                <a:xfrm>
+                  <a:off x="2618438" y="3849457"/>
+                  <a:ext cx="3200400" cy="688211"/>
+                </a:xfrm>
+                <a:prstGeom prst="rect">
+                  <a:avLst/>
+                </a:prstGeom>
+              </p:spPr>
+            </p:pic>
+          </p:grpSp>
+        </p:grpSp>
         <p:sp>
           <p:nvSpPr>
-            <p:cNvPr id="22" name="TextBox 21">
+            <p:cNvPr id="57" name="TextBox 56">
               <a:extLst>
                 <a:ext uri="{FF2B5EF4-FFF2-40B4-BE49-F238E27FC236}">
-                  <a16:creationId xmlns:a16="http://schemas.microsoft.com/office/drawing/2014/main" id="{6E173A80-7693-0340-951E-6FF4CA1885A7}"/>
+                  <a16:creationId xmlns:a16="http://schemas.microsoft.com/office/drawing/2014/main" id="{8E43FDE8-8B01-117A-B3F7-09B094E1B248}"/>
                 </a:ext>
               </a:extLst>
             </p:cNvPr>
@@ -3071,8 +4310,8 @@
           </p:nvSpPr>
           <p:spPr>
             <a:xfrm>
-              <a:off x="1076802" y="292100"/>
-              <a:ext cx="309700" cy="369332"/>
+              <a:off x="10900817" y="5137134"/>
+              <a:ext cx="925253" cy="246221"/>
             </a:xfrm>
             <a:prstGeom prst="rect">
               <a:avLst/>
@@ -3086,18 +4325,169 @@
             <a:lstStyle/>
             <a:p>
               <a:r>
-                <a:rPr lang="en-US" i="1" dirty="0"/>
-                <a:t>B</a:t>
+                <a:rPr lang="en-US" sz="1000" b="1" dirty="0"/>
+                <a:t>chronogram 2</a:t>
               </a:r>
             </a:p>
           </p:txBody>
         </p:sp>
+      </p:grpSp>
+      <p:grpSp>
+        <p:nvGrpSpPr>
+          <p:cNvPr id="20" name="Group 19">
+            <a:extLst>
+              <a:ext uri="{FF2B5EF4-FFF2-40B4-BE49-F238E27FC236}">
+                <a16:creationId xmlns:a16="http://schemas.microsoft.com/office/drawing/2014/main" id="{835B11AD-C2BE-8B84-2128-51CC12E1BA2D}"/>
+              </a:ext>
+            </a:extLst>
+          </p:cNvPr>
+          <p:cNvGrpSpPr/>
+          <p:nvPr/>
+        </p:nvGrpSpPr>
+        <p:grpSpPr>
+          <a:xfrm>
+            <a:off x="11992948" y="1669406"/>
+            <a:ext cx="2961997" cy="1656564"/>
+            <a:chOff x="12064664" y="1579761"/>
+            <a:chExt cx="2961997" cy="1656564"/>
+          </a:xfrm>
+        </p:grpSpPr>
+        <p:grpSp>
+          <p:nvGrpSpPr>
+            <p:cNvPr id="8" name="Group 7">
+              <a:extLst>
+                <a:ext uri="{FF2B5EF4-FFF2-40B4-BE49-F238E27FC236}">
+                  <a16:creationId xmlns:a16="http://schemas.microsoft.com/office/drawing/2014/main" id="{C3504AF8-33FF-A1EF-51ED-E85A95181810}"/>
+                </a:ext>
+              </a:extLst>
+            </p:cNvPr>
+            <p:cNvGrpSpPr/>
+            <p:nvPr/>
+          </p:nvGrpSpPr>
+          <p:grpSpPr>
+            <a:xfrm>
+              <a:off x="12064664" y="1579761"/>
+              <a:ext cx="2961997" cy="1656564"/>
+              <a:chOff x="7456117" y="1612326"/>
+              <a:chExt cx="2724460" cy="1523716"/>
+            </a:xfrm>
+          </p:grpSpPr>
+          <p:sp>
+            <p:nvSpPr>
+              <p:cNvPr id="121" name="Rounded Rectangle 120">
+                <a:extLst>
+                  <a:ext uri="{FF2B5EF4-FFF2-40B4-BE49-F238E27FC236}">
+                    <a16:creationId xmlns:a16="http://schemas.microsoft.com/office/drawing/2014/main" id="{7A51031B-0A75-8482-919E-F7E7B158860A}"/>
+                  </a:ext>
+                </a:extLst>
+              </p:cNvPr>
+              <p:cNvSpPr/>
+              <p:nvPr/>
+            </p:nvSpPr>
+            <p:spPr>
+              <a:xfrm>
+                <a:off x="7919607" y="1623117"/>
+                <a:ext cx="2222034" cy="1505744"/>
+              </a:xfrm>
+              <a:prstGeom prst="roundRect">
+                <a:avLst/>
+              </a:prstGeom>
+              <a:solidFill>
+                <a:srgbClr val="B33509">
+                  <a:alpha val="89804"/>
+                </a:srgbClr>
+              </a:solidFill>
+            </p:spPr>
+            <p:style>
+              <a:lnRef idx="2">
+                <a:schemeClr val="accent1">
+                  <a:shade val="50000"/>
+                </a:schemeClr>
+              </a:lnRef>
+              <a:fillRef idx="1">
+                <a:schemeClr val="accent1"/>
+              </a:fillRef>
+              <a:effectRef idx="0">
+                <a:schemeClr val="accent1"/>
+              </a:effectRef>
+              <a:fontRef idx="minor">
+                <a:schemeClr val="lt1"/>
+              </a:fontRef>
+            </p:style>
+            <p:txBody>
+              <a:bodyPr rtlCol="0" anchor="ctr"/>
+              <a:lstStyle/>
+              <a:p>
+                <a:pPr algn="ctr"/>
+                <a:endParaRPr lang="en-US" dirty="0"/>
+              </a:p>
+            </p:txBody>
+          </p:sp>
+          <p:pic>
+            <p:nvPicPr>
+              <p:cNvPr id="124" name="Picture 123">
+                <a:extLst>
+                  <a:ext uri="{FF2B5EF4-FFF2-40B4-BE49-F238E27FC236}">
+                    <a16:creationId xmlns:a16="http://schemas.microsoft.com/office/drawing/2014/main" id="{4238B080-0561-349E-6FAF-C7BE2A0D3949}"/>
+                  </a:ext>
+                </a:extLst>
+              </p:cNvPr>
+              <p:cNvPicPr>
+                <a:picLocks noChangeAspect="1"/>
+              </p:cNvPicPr>
+              <p:nvPr/>
+            </p:nvPicPr>
+            <p:blipFill rotWithShape="1">
+              <a:blip r:embed="rId14"/>
+              <a:srcRect b="30890"/>
+              <a:stretch/>
+            </p:blipFill>
+            <p:spPr>
+              <a:xfrm>
+                <a:off x="7937980" y="1612326"/>
+                <a:ext cx="2242597" cy="1136561"/>
+              </a:xfrm>
+              <a:prstGeom prst="rect">
+                <a:avLst/>
+              </a:prstGeom>
+            </p:spPr>
+          </p:pic>
+          <p:pic>
+            <p:nvPicPr>
+              <p:cNvPr id="128" name="Picture 127">
+                <a:extLst>
+                  <a:ext uri="{FF2B5EF4-FFF2-40B4-BE49-F238E27FC236}">
+                    <a16:creationId xmlns:a16="http://schemas.microsoft.com/office/drawing/2014/main" id="{EC62801E-4D42-3A77-4CB1-B73EF0EB5666}"/>
+                  </a:ext>
+                </a:extLst>
+              </p:cNvPr>
+              <p:cNvPicPr>
+                <a:picLocks noChangeAspect="1"/>
+              </p:cNvPicPr>
+              <p:nvPr/>
+            </p:nvPicPr>
+            <p:blipFill rotWithShape="1">
+              <a:blip r:embed="rId15"/>
+              <a:srcRect l="-21342" t="74454" r="21342" b="-3777"/>
+              <a:stretch/>
+            </p:blipFill>
+            <p:spPr>
+              <a:xfrm>
+                <a:off x="7456117" y="2653651"/>
+                <a:ext cx="2243271" cy="482391"/>
+              </a:xfrm>
+              <a:prstGeom prst="rect">
+                <a:avLst/>
+              </a:prstGeom>
+            </p:spPr>
+          </p:pic>
+        </p:grpSp>
         <p:sp>
           <p:nvSpPr>
-            <p:cNvPr id="23" name="TextBox 22">
+            <p:cNvPr id="58" name="TextBox 57">
               <a:extLst>
                 <a:ext uri="{FF2B5EF4-FFF2-40B4-BE49-F238E27FC236}">
-                  <a16:creationId xmlns:a16="http://schemas.microsoft.com/office/drawing/2014/main" id="{EC46F46C-A4A5-AD4D-8BF7-10E030F323D2}"/>
+                  <a16:creationId xmlns:a16="http://schemas.microsoft.com/office/drawing/2014/main" id="{0538DC0C-D655-C200-7BB8-2C4AE8C1783D}"/>
                 </a:ext>
               </a:extLst>
             </p:cNvPr>
@@ -3106,8 +4496,8 @@
           </p:nvSpPr>
           <p:spPr>
             <a:xfrm>
-              <a:off x="1620204" y="114300"/>
-              <a:ext cx="304892" cy="369332"/>
+              <a:off x="13347557" y="1690006"/>
+              <a:ext cx="925253" cy="246221"/>
             </a:xfrm>
             <a:prstGeom prst="rect">
               <a:avLst/>
@@ -3121,18 +4511,167 @@
             <a:lstStyle/>
             <a:p>
               <a:r>
-                <a:rPr lang="en-US" i="1" dirty="0"/>
-                <a:t>C</a:t>
+                <a:rPr lang="en-US" sz="1000" b="1" dirty="0"/>
+                <a:t>chronogram 2</a:t>
               </a:r>
             </a:p>
           </p:txBody>
         </p:sp>
+      </p:grpSp>
+      <p:grpSp>
+        <p:nvGrpSpPr>
+          <p:cNvPr id="16" name="Group 15">
+            <a:extLst>
+              <a:ext uri="{FF2B5EF4-FFF2-40B4-BE49-F238E27FC236}">
+                <a16:creationId xmlns:a16="http://schemas.microsoft.com/office/drawing/2014/main" id="{03786A11-0767-5200-5EEF-3C3AD8F5D9EA}"/>
+              </a:ext>
+            </a:extLst>
+          </p:cNvPr>
+          <p:cNvGrpSpPr/>
+          <p:nvPr/>
+        </p:nvGrpSpPr>
+        <p:grpSpPr>
+          <a:xfrm>
+            <a:off x="12227433" y="5079733"/>
+            <a:ext cx="2729378" cy="1517910"/>
+            <a:chOff x="12263291" y="5079733"/>
+            <a:chExt cx="2729378" cy="1517910"/>
+          </a:xfrm>
+        </p:grpSpPr>
+        <p:grpSp>
+          <p:nvGrpSpPr>
+            <p:cNvPr id="5" name="Group 4">
+              <a:extLst>
+                <a:ext uri="{FF2B5EF4-FFF2-40B4-BE49-F238E27FC236}">
+                  <a16:creationId xmlns:a16="http://schemas.microsoft.com/office/drawing/2014/main" id="{602FD3AC-01BF-AD76-83F3-158FF84C983E}"/>
+                </a:ext>
+              </a:extLst>
+            </p:cNvPr>
+            <p:cNvGrpSpPr/>
+            <p:nvPr/>
+          </p:nvGrpSpPr>
+          <p:grpSpPr>
+            <a:xfrm>
+              <a:off x="12263291" y="5079733"/>
+              <a:ext cx="2729378" cy="1517910"/>
+              <a:chOff x="12372106" y="1599853"/>
+              <a:chExt cx="2729378" cy="1517910"/>
+            </a:xfrm>
+          </p:grpSpPr>
+          <p:sp>
+            <p:nvSpPr>
+              <p:cNvPr id="146" name="Rounded Rectangle 145">
+                <a:extLst>
+                  <a:ext uri="{FF2B5EF4-FFF2-40B4-BE49-F238E27FC236}">
+                    <a16:creationId xmlns:a16="http://schemas.microsoft.com/office/drawing/2014/main" id="{73A12A6E-6A8B-B38E-C2D6-2476F1195D7D}"/>
+                  </a:ext>
+                </a:extLst>
+              </p:cNvPr>
+              <p:cNvSpPr/>
+              <p:nvPr/>
+            </p:nvSpPr>
+            <p:spPr>
+              <a:xfrm>
+                <a:off x="12841288" y="1609139"/>
+                <a:ext cx="2226285" cy="1508624"/>
+              </a:xfrm>
+              <a:prstGeom prst="roundRect">
+                <a:avLst/>
+              </a:prstGeom>
+              <a:solidFill>
+                <a:srgbClr val="4AC659"/>
+              </a:solidFill>
+            </p:spPr>
+            <p:style>
+              <a:lnRef idx="2">
+                <a:schemeClr val="accent1">
+                  <a:shade val="50000"/>
+                </a:schemeClr>
+              </a:lnRef>
+              <a:fillRef idx="1">
+                <a:schemeClr val="accent1"/>
+              </a:fillRef>
+              <a:effectRef idx="0">
+                <a:schemeClr val="accent1"/>
+              </a:effectRef>
+              <a:fontRef idx="minor">
+                <a:schemeClr val="lt1"/>
+              </a:fontRef>
+            </p:style>
+            <p:txBody>
+              <a:bodyPr rtlCol="0" anchor="ctr"/>
+              <a:lstStyle/>
+              <a:p>
+                <a:pPr algn="ctr"/>
+                <a:endParaRPr lang="en-US" dirty="0"/>
+              </a:p>
+            </p:txBody>
+          </p:sp>
+          <p:pic>
+            <p:nvPicPr>
+              <p:cNvPr id="147" name="Picture 146">
+                <a:extLst>
+                  <a:ext uri="{FF2B5EF4-FFF2-40B4-BE49-F238E27FC236}">
+                    <a16:creationId xmlns:a16="http://schemas.microsoft.com/office/drawing/2014/main" id="{6520312F-FF5A-7B2F-316A-EA90F1CDECF6}"/>
+                  </a:ext>
+                </a:extLst>
+              </p:cNvPr>
+              <p:cNvPicPr>
+                <a:picLocks noChangeAspect="1"/>
+              </p:cNvPicPr>
+              <p:nvPr/>
+            </p:nvPicPr>
+            <p:blipFill rotWithShape="1">
+              <a:blip r:embed="rId16"/>
+              <a:srcRect b="32065"/>
+              <a:stretch/>
+            </p:blipFill>
+            <p:spPr>
+              <a:xfrm>
+                <a:off x="12854597" y="1599853"/>
+                <a:ext cx="2246887" cy="1119367"/>
+              </a:xfrm>
+              <a:prstGeom prst="rect">
+                <a:avLst/>
+              </a:prstGeom>
+            </p:spPr>
+          </p:pic>
+          <p:pic>
+            <p:nvPicPr>
+              <p:cNvPr id="148" name="Picture 147">
+                <a:extLst>
+                  <a:ext uri="{FF2B5EF4-FFF2-40B4-BE49-F238E27FC236}">
+                    <a16:creationId xmlns:a16="http://schemas.microsoft.com/office/drawing/2014/main" id="{DE646994-29E9-9B31-DF77-EEBA610F5E13}"/>
+                  </a:ext>
+                </a:extLst>
+              </p:cNvPr>
+              <p:cNvPicPr>
+                <a:picLocks noChangeAspect="1"/>
+              </p:cNvPicPr>
+              <p:nvPr/>
+            </p:nvPicPr>
+            <p:blipFill rotWithShape="1">
+              <a:blip r:embed="rId17"/>
+              <a:srcRect l="-21342" t="74454" r="21342" b="-3777"/>
+              <a:stretch/>
+            </p:blipFill>
+            <p:spPr>
+              <a:xfrm>
+                <a:off x="12372106" y="2592041"/>
+                <a:ext cx="2246887" cy="483169"/>
+              </a:xfrm>
+              <a:prstGeom prst="rect">
+                <a:avLst/>
+              </a:prstGeom>
+            </p:spPr>
+          </p:pic>
+        </p:grpSp>
         <p:sp>
           <p:nvSpPr>
-            <p:cNvPr id="24" name="TextBox 23">
+            <p:cNvPr id="59" name="TextBox 58">
               <a:extLst>
                 <a:ext uri="{FF2B5EF4-FFF2-40B4-BE49-F238E27FC236}">
-                  <a16:creationId xmlns:a16="http://schemas.microsoft.com/office/drawing/2014/main" id="{AE4107B1-CCEA-0843-8CEC-95FE8F0AE7C5}"/>
+                  <a16:creationId xmlns:a16="http://schemas.microsoft.com/office/drawing/2014/main" id="{77A6D8F9-BB0B-7BCA-8142-FF46B1FC3495}"/>
                 </a:ext>
               </a:extLst>
             </p:cNvPr>
@@ -3141,188 +4680,8 @@
           </p:nvSpPr>
           <p:spPr>
             <a:xfrm>
-              <a:off x="2165085" y="586155"/>
-              <a:ext cx="327334" cy="369332"/>
-            </a:xfrm>
-            <a:prstGeom prst="rect">
-              <a:avLst/>
-            </a:prstGeom>
-            <a:noFill/>
-          </p:spPr>
-          <p:txBody>
-            <a:bodyPr wrap="none" rtlCol="0">
-              <a:spAutoFit/>
-            </a:bodyPr>
-            <a:lstStyle/>
-            <a:p>
-              <a:pPr algn="ctr"/>
-              <a:r>
-                <a:rPr lang="en-US" i="1" dirty="0"/>
-                <a:t>D</a:t>
-              </a:r>
-            </a:p>
-          </p:txBody>
-        </p:sp>
-        <p:sp>
-          <p:nvSpPr>
-            <p:cNvPr id="25" name="TextBox 24">
-              <a:extLst>
-                <a:ext uri="{FF2B5EF4-FFF2-40B4-BE49-F238E27FC236}">
-                  <a16:creationId xmlns:a16="http://schemas.microsoft.com/office/drawing/2014/main" id="{26B19FAD-C2CD-CA4F-B359-369AD339295F}"/>
-                </a:ext>
-              </a:extLst>
-            </p:cNvPr>
-            <p:cNvSpPr txBox="1"/>
-            <p:nvPr/>
-          </p:nvSpPr>
-          <p:spPr>
-            <a:xfrm>
-              <a:off x="2749451" y="486497"/>
-              <a:ext cx="296876" cy="369332"/>
-            </a:xfrm>
-            <a:prstGeom prst="rect">
-              <a:avLst/>
-            </a:prstGeom>
-            <a:noFill/>
-          </p:spPr>
-          <p:txBody>
-            <a:bodyPr wrap="none" rtlCol="0">
-              <a:spAutoFit/>
-            </a:bodyPr>
-            <a:lstStyle/>
-            <a:p>
-              <a:pPr algn="ctr"/>
-              <a:r>
-                <a:rPr lang="en-US" i="1" dirty="0"/>
-                <a:t>E</a:t>
-              </a:r>
-            </a:p>
-          </p:txBody>
-        </p:sp>
-        <p:sp>
-          <p:nvSpPr>
-            <p:cNvPr id="26" name="TextBox 25">
-              <a:extLst>
-                <a:ext uri="{FF2B5EF4-FFF2-40B4-BE49-F238E27FC236}">
-                  <a16:creationId xmlns:a16="http://schemas.microsoft.com/office/drawing/2014/main" id="{54912828-1C7B-A34A-815A-D78D49EFA552}"/>
-                </a:ext>
-              </a:extLst>
-            </p:cNvPr>
-            <p:cNvSpPr txBox="1"/>
-            <p:nvPr/>
-          </p:nvSpPr>
-          <p:spPr>
-            <a:xfrm>
-              <a:off x="3337023" y="386839"/>
-              <a:ext cx="290464" cy="369332"/>
-            </a:xfrm>
-            <a:prstGeom prst="rect">
-              <a:avLst/>
-            </a:prstGeom>
-            <a:noFill/>
-          </p:spPr>
-          <p:txBody>
-            <a:bodyPr wrap="none" rtlCol="0">
-              <a:spAutoFit/>
-            </a:bodyPr>
-            <a:lstStyle/>
-            <a:p>
-              <a:pPr algn="ctr"/>
-              <a:r>
-                <a:rPr lang="en-US" i="1" dirty="0"/>
-                <a:t>F</a:t>
-              </a:r>
-            </a:p>
-          </p:txBody>
-        </p:sp>
-        <p:sp>
-          <p:nvSpPr>
-            <p:cNvPr id="27" name="TextBox 26">
-              <a:extLst>
-                <a:ext uri="{FF2B5EF4-FFF2-40B4-BE49-F238E27FC236}">
-                  <a16:creationId xmlns:a16="http://schemas.microsoft.com/office/drawing/2014/main" id="{898E3C13-BAE9-894B-95B6-32C06DEE5B06}"/>
-                </a:ext>
-              </a:extLst>
-            </p:cNvPr>
-            <p:cNvSpPr txBox="1"/>
-            <p:nvPr/>
-          </p:nvSpPr>
-          <p:spPr>
-            <a:xfrm>
-              <a:off x="3124968" y="813591"/>
-              <a:ext cx="292068" cy="369332"/>
-            </a:xfrm>
-            <a:prstGeom prst="rect">
-              <a:avLst/>
-            </a:prstGeom>
-            <a:noFill/>
-          </p:spPr>
-          <p:txBody>
-            <a:bodyPr wrap="none" rtlCol="0">
-              <a:spAutoFit/>
-            </a:bodyPr>
-            <a:lstStyle/>
-            <a:p>
-              <a:pPr algn="ctr"/>
-              <a:r>
-                <a:rPr lang="en-US" i="1" dirty="0"/>
-                <a:t>Z</a:t>
-              </a:r>
-            </a:p>
-          </p:txBody>
-        </p:sp>
-        <p:sp>
-          <p:nvSpPr>
-            <p:cNvPr id="28" name="TextBox 27">
-              <a:extLst>
-                <a:ext uri="{FF2B5EF4-FFF2-40B4-BE49-F238E27FC236}">
-                  <a16:creationId xmlns:a16="http://schemas.microsoft.com/office/drawing/2014/main" id="{1244853C-244B-D94F-A856-17BCA27DFFFF}"/>
-                </a:ext>
-              </a:extLst>
-            </p:cNvPr>
-            <p:cNvSpPr txBox="1"/>
-            <p:nvPr/>
-          </p:nvSpPr>
-          <p:spPr>
-            <a:xfrm>
-              <a:off x="2309766" y="159921"/>
-              <a:ext cx="296876" cy="369332"/>
-            </a:xfrm>
-            <a:prstGeom prst="rect">
-              <a:avLst/>
-            </a:prstGeom>
-            <a:noFill/>
-          </p:spPr>
-          <p:txBody>
-            <a:bodyPr wrap="none" rtlCol="0">
-              <a:spAutoFit/>
-            </a:bodyPr>
-            <a:lstStyle/>
-            <a:p>
-              <a:pPr algn="ctr"/>
-              <a:r>
-                <a:rPr lang="en-US" i="1" dirty="0"/>
-                <a:t>T</a:t>
-              </a:r>
-            </a:p>
-          </p:txBody>
-        </p:sp>
-        <p:sp>
-          <p:nvSpPr>
-            <p:cNvPr id="29" name="TextBox 28">
-              <a:extLst>
-                <a:ext uri="{FF2B5EF4-FFF2-40B4-BE49-F238E27FC236}">
-                  <a16:creationId xmlns:a16="http://schemas.microsoft.com/office/drawing/2014/main" id="{25E67439-F88F-5447-AD6A-EE58AA3EDC48}"/>
-                </a:ext>
-              </a:extLst>
-            </p:cNvPr>
-            <p:cNvSpPr txBox="1"/>
-            <p:nvPr/>
-          </p:nvSpPr>
-          <p:spPr>
-            <a:xfrm>
-              <a:off x="1373559" y="519305"/>
-              <a:ext cx="396262" cy="369332"/>
+              <a:off x="13413502" y="5158582"/>
+              <a:ext cx="925253" cy="246221"/>
             </a:xfrm>
             <a:prstGeom prst="rect">
               <a:avLst/>
@@ -3336,23 +4695,190 @@
             <a:lstStyle/>
             <a:p>
               <a:r>
-                <a:rPr lang="en-US" i="1" dirty="0"/>
-                <a:t>A</a:t>
+                <a:rPr lang="en-US" sz="1000" b="1" dirty="0"/>
+                <a:t>chronogram 2</a:t>
               </a:r>
-              <a:r>
-                <a:rPr lang="en-US" i="1" baseline="-25000" dirty="0"/>
-                <a:t>1</a:t>
-              </a:r>
-              <a:endParaRPr lang="en-US" i="1" dirty="0"/>
             </a:p>
           </p:txBody>
         </p:sp>
+      </p:grpSp>
+      <p:grpSp>
+        <p:nvGrpSpPr>
+          <p:cNvPr id="19" name="Group 18">
+            <a:extLst>
+              <a:ext uri="{FF2B5EF4-FFF2-40B4-BE49-F238E27FC236}">
+                <a16:creationId xmlns:a16="http://schemas.microsoft.com/office/drawing/2014/main" id="{9D4FC955-96E5-4E69-19DA-CE55EF146ECD}"/>
+              </a:ext>
+            </a:extLst>
+          </p:cNvPr>
+          <p:cNvGrpSpPr/>
+          <p:nvPr/>
+        </p:nvGrpSpPr>
+        <p:grpSpPr>
+          <a:xfrm>
+            <a:off x="9620876" y="1647008"/>
+            <a:ext cx="2722964" cy="1523273"/>
+            <a:chOff x="9656734" y="1647008"/>
+            <a:chExt cx="2722964" cy="1523273"/>
+          </a:xfrm>
+        </p:grpSpPr>
+        <p:grpSp>
+          <p:nvGrpSpPr>
+            <p:cNvPr id="6" name="Group 5">
+              <a:extLst>
+                <a:ext uri="{FF2B5EF4-FFF2-40B4-BE49-F238E27FC236}">
+                  <a16:creationId xmlns:a16="http://schemas.microsoft.com/office/drawing/2014/main" id="{4C81FEB3-68E4-8097-1247-97E64C04CF19}"/>
+                </a:ext>
+              </a:extLst>
+            </p:cNvPr>
+            <p:cNvGrpSpPr/>
+            <p:nvPr/>
+          </p:nvGrpSpPr>
+          <p:grpSpPr>
+            <a:xfrm>
+              <a:off x="9656734" y="1647008"/>
+              <a:ext cx="2722964" cy="1523273"/>
+              <a:chOff x="7437377" y="78319"/>
+              <a:chExt cx="2722964" cy="1523273"/>
+            </a:xfrm>
+          </p:grpSpPr>
+          <p:sp>
+            <p:nvSpPr>
+              <p:cNvPr id="122" name="Rounded Rectangle 121">
+                <a:extLst>
+                  <a:ext uri="{FF2B5EF4-FFF2-40B4-BE49-F238E27FC236}">
+                    <a16:creationId xmlns:a16="http://schemas.microsoft.com/office/drawing/2014/main" id="{18162274-4F1A-688F-C976-4FA3FA266C5C}"/>
+                  </a:ext>
+                </a:extLst>
+              </p:cNvPr>
+              <p:cNvSpPr/>
+              <p:nvPr/>
+            </p:nvSpPr>
+            <p:spPr>
+              <a:xfrm>
+                <a:off x="7930829" y="95848"/>
+                <a:ext cx="2222034" cy="1505744"/>
+              </a:xfrm>
+              <a:prstGeom prst="roundRect">
+                <a:avLst/>
+              </a:prstGeom>
+              <a:solidFill>
+                <a:srgbClr val="A32106">
+                  <a:alpha val="90196"/>
+                </a:srgbClr>
+              </a:solidFill>
+            </p:spPr>
+            <p:style>
+              <a:lnRef idx="2">
+                <a:schemeClr val="accent1">
+                  <a:shade val="50000"/>
+                </a:schemeClr>
+              </a:lnRef>
+              <a:fillRef idx="1">
+                <a:schemeClr val="accent1"/>
+              </a:fillRef>
+              <a:effectRef idx="0">
+                <a:schemeClr val="accent1"/>
+              </a:effectRef>
+              <a:fontRef idx="minor">
+                <a:schemeClr val="lt1"/>
+              </a:fontRef>
+            </p:style>
+            <p:txBody>
+              <a:bodyPr rtlCol="0" anchor="ctr"/>
+              <a:lstStyle/>
+              <a:p>
+                <a:pPr algn="ctr"/>
+                <a:endParaRPr lang="en-US" dirty="0"/>
+              </a:p>
+            </p:txBody>
+          </p:sp>
+          <p:grpSp>
+            <p:nvGrpSpPr>
+              <p:cNvPr id="123" name="Group 122">
+                <a:extLst>
+                  <a:ext uri="{FF2B5EF4-FFF2-40B4-BE49-F238E27FC236}">
+                    <a16:creationId xmlns:a16="http://schemas.microsoft.com/office/drawing/2014/main" id="{4EE3F3CF-03A6-AEB6-778A-B42EE693101F}"/>
+                  </a:ext>
+                </a:extLst>
+              </p:cNvPr>
+              <p:cNvGrpSpPr/>
+              <p:nvPr/>
+            </p:nvGrpSpPr>
+            <p:grpSpPr>
+              <a:xfrm>
+                <a:off x="7437377" y="78319"/>
+                <a:ext cx="2722964" cy="1522796"/>
+                <a:chOff x="2520601" y="-15400"/>
+                <a:chExt cx="3885930" cy="2173176"/>
+              </a:xfrm>
+            </p:grpSpPr>
+            <p:pic>
+              <p:nvPicPr>
+                <p:cNvPr id="125" name="Picture 124">
+                  <a:extLst>
+                    <a:ext uri="{FF2B5EF4-FFF2-40B4-BE49-F238E27FC236}">
+                      <a16:creationId xmlns:a16="http://schemas.microsoft.com/office/drawing/2014/main" id="{3ABD5779-CDB8-2E78-CF10-C7195B617A6D}"/>
+                    </a:ext>
+                  </a:extLst>
+                </p:cNvPr>
+                <p:cNvPicPr>
+                  <a:picLocks noChangeAspect="1"/>
+                </p:cNvPicPr>
+                <p:nvPr/>
+              </p:nvPicPr>
+              <p:blipFill rotWithShape="1">
+                <a:blip r:embed="rId18"/>
+                <a:srcRect b="30157"/>
+                <a:stretch/>
+              </p:blipFill>
+              <p:spPr>
+                <a:xfrm>
+                  <a:off x="3206131" y="-15400"/>
+                  <a:ext cx="3200400" cy="1639186"/>
+                </a:xfrm>
+                <a:prstGeom prst="rect">
+                  <a:avLst/>
+                </a:prstGeom>
+              </p:spPr>
+            </p:pic>
+            <p:pic>
+              <p:nvPicPr>
+                <p:cNvPr id="127" name="Picture 126">
+                  <a:extLst>
+                    <a:ext uri="{FF2B5EF4-FFF2-40B4-BE49-F238E27FC236}">
+                      <a16:creationId xmlns:a16="http://schemas.microsoft.com/office/drawing/2014/main" id="{5BDB6900-1863-9CF8-5571-DA4FD3DAA8B7}"/>
+                    </a:ext>
+                  </a:extLst>
+                </p:cNvPr>
+                <p:cNvPicPr>
+                  <a:picLocks noChangeAspect="1"/>
+                </p:cNvPicPr>
+                <p:nvPr/>
+              </p:nvPicPr>
+              <p:blipFill rotWithShape="1">
+                <a:blip r:embed="rId19"/>
+                <a:srcRect l="-21342" t="74454" r="21342" b="-3777"/>
+                <a:stretch/>
+              </p:blipFill>
+              <p:spPr>
+                <a:xfrm>
+                  <a:off x="2520601" y="1469565"/>
+                  <a:ext cx="3200400" cy="688211"/>
+                </a:xfrm>
+                <a:prstGeom prst="rect">
+                  <a:avLst/>
+                </a:prstGeom>
+              </p:spPr>
+            </p:pic>
+          </p:grpSp>
+        </p:grpSp>
         <p:sp>
           <p:nvSpPr>
-            <p:cNvPr id="30" name="TextBox 29">
+            <p:cNvPr id="60" name="TextBox 59">
               <a:extLst>
                 <a:ext uri="{FF2B5EF4-FFF2-40B4-BE49-F238E27FC236}">
-                  <a16:creationId xmlns:a16="http://schemas.microsoft.com/office/drawing/2014/main" id="{325DD52F-41E2-5349-AFD3-ED0957B26579}"/>
+                  <a16:creationId xmlns:a16="http://schemas.microsoft.com/office/drawing/2014/main" id="{AD3D2CF5-B903-60F2-357D-2CD4557EA570}"/>
                 </a:ext>
               </a:extLst>
             </p:cNvPr>
@@ -3361,8 +4887,8 @@
           </p:nvSpPr>
           <p:spPr>
             <a:xfrm>
-              <a:off x="729617" y="100568"/>
-              <a:ext cx="304892" cy="369332"/>
+              <a:off x="10867094" y="1726896"/>
+              <a:ext cx="925253" cy="246221"/>
             </a:xfrm>
             <a:prstGeom prst="rect">
               <a:avLst/>
@@ -3376,19 +4902,407 @@
             <a:lstStyle/>
             <a:p>
               <a:r>
-                <a:rPr lang="en-US" i="1" dirty="0"/>
-                <a:t>X</a:t>
+                <a:rPr lang="en-US" sz="1000" b="1" dirty="0"/>
+                <a:t>chronogram 1</a:t>
               </a:r>
             </a:p>
           </p:txBody>
         </p:sp>
       </p:grpSp>
-      <p:sp>
-        <p:nvSpPr>
-          <p:cNvPr id="31" name="TextBox 30">
+      <p:grpSp>
+        <p:nvGrpSpPr>
+          <p:cNvPr id="13" name="Group 12">
             <a:extLst>
               <a:ext uri="{FF2B5EF4-FFF2-40B4-BE49-F238E27FC236}">
-                <a16:creationId xmlns:a16="http://schemas.microsoft.com/office/drawing/2014/main" id="{2B2253ED-3A9B-FC42-A58A-98BAC2D9DB9C}"/>
+                <a16:creationId xmlns:a16="http://schemas.microsoft.com/office/drawing/2014/main" id="{0EADF659-9251-36EB-7CB5-E280B7188152}"/>
+              </a:ext>
+            </a:extLst>
+          </p:cNvPr>
+          <p:cNvGrpSpPr/>
+          <p:nvPr/>
+        </p:nvGrpSpPr>
+        <p:grpSpPr>
+          <a:xfrm>
+            <a:off x="7225552" y="50790"/>
+            <a:ext cx="8183618" cy="533955"/>
+            <a:chOff x="4920419" y="35931"/>
+            <a:chExt cx="5106887" cy="533955"/>
+          </a:xfrm>
+        </p:grpSpPr>
+        <p:sp>
+          <p:nvSpPr>
+            <p:cNvPr id="66" name="Rounded Rectangle 65">
+              <a:extLst>
+                <a:ext uri="{FF2B5EF4-FFF2-40B4-BE49-F238E27FC236}">
+                  <a16:creationId xmlns:a16="http://schemas.microsoft.com/office/drawing/2014/main" id="{D3A9F3E2-68CF-2436-2BF2-E48B5A8A3912}"/>
+                </a:ext>
+              </a:extLst>
+            </p:cNvPr>
+            <p:cNvSpPr/>
+            <p:nvPr/>
+          </p:nvSpPr>
+          <p:spPr>
+            <a:xfrm>
+              <a:off x="5030963" y="35931"/>
+              <a:ext cx="4816746" cy="533955"/>
+            </a:xfrm>
+            <a:prstGeom prst="roundRect">
+              <a:avLst/>
+            </a:prstGeom>
+            <a:solidFill>
+              <a:schemeClr val="bg1"/>
+            </a:solidFill>
+            <a:ln w="38100">
+              <a:solidFill>
+                <a:srgbClr val="92D050"/>
+              </a:solidFill>
+            </a:ln>
+          </p:spPr>
+          <p:style>
+            <a:lnRef idx="2">
+              <a:schemeClr val="accent1">
+                <a:shade val="50000"/>
+              </a:schemeClr>
+            </a:lnRef>
+            <a:fillRef idx="1">
+              <a:schemeClr val="accent1"/>
+            </a:fillRef>
+            <a:effectRef idx="0">
+              <a:schemeClr val="accent1"/>
+            </a:effectRef>
+            <a:fontRef idx="minor">
+              <a:schemeClr val="lt1"/>
+            </a:fontRef>
+          </p:style>
+          <p:txBody>
+            <a:bodyPr rot="0" spcFirstLastPara="0" vertOverflow="overflow" horzOverflow="overflow" vert="horz" wrap="square" lIns="91440" tIns="45720" rIns="91440" bIns="45720" numCol="1" spcCol="0" rtlCol="0" fromWordArt="0" anchor="ctr" anchorCtr="0" forceAA="0" compatLnSpc="1">
+              <a:prstTxWarp prst="textNoShape">
+                <a:avLst/>
+              </a:prstTxWarp>
+              <a:noAutofit/>
+            </a:bodyPr>
+            <a:lstStyle/>
+            <a:p>
+              <a:pPr algn="ctr"/>
+              <a:endParaRPr lang="en-US" sz="2400"/>
+            </a:p>
+          </p:txBody>
+        </p:sp>
+        <p:sp>
+          <p:nvSpPr>
+            <p:cNvPr id="67" name="TextBox 66">
+              <a:extLst>
+                <a:ext uri="{FF2B5EF4-FFF2-40B4-BE49-F238E27FC236}">
+                  <a16:creationId xmlns:a16="http://schemas.microsoft.com/office/drawing/2014/main" id="{09FA9D4E-0FED-E5F6-C60F-44786A1047B5}"/>
+                </a:ext>
+              </a:extLst>
+            </p:cNvPr>
+            <p:cNvSpPr txBox="1"/>
+            <p:nvPr/>
+          </p:nvSpPr>
+          <p:spPr>
+            <a:xfrm>
+              <a:off x="4920419" y="66627"/>
+              <a:ext cx="5106887" cy="461665"/>
+            </a:xfrm>
+            <a:prstGeom prst="rect">
+              <a:avLst/>
+            </a:prstGeom>
+            <a:noFill/>
+          </p:spPr>
+          <p:txBody>
+            <a:bodyPr wrap="square" rtlCol="0">
+              <a:spAutoFit/>
+            </a:bodyPr>
+            <a:lstStyle/>
+            <a:p>
+              <a:pPr algn="ctr"/>
+              <a:r>
+                <a:rPr lang="en-US" sz="2400" b="1" dirty="0"/>
+                <a:t>B) Searching </a:t>
+              </a:r>
+              <a:r>
+                <a:rPr lang="en-US" sz="2400" b="1" dirty="0" err="1"/>
+                <a:t>DateLife’s</a:t>
+              </a:r>
+              <a:r>
+                <a:rPr lang="en-US" sz="2400" b="1" dirty="0"/>
+                <a:t> chronogram database</a:t>
+              </a:r>
+            </a:p>
+          </p:txBody>
+        </p:sp>
+      </p:grpSp>
+      <p:grpSp>
+        <p:nvGrpSpPr>
+          <p:cNvPr id="3" name="Group 2">
+            <a:extLst>
+              <a:ext uri="{FF2B5EF4-FFF2-40B4-BE49-F238E27FC236}">
+                <a16:creationId xmlns:a16="http://schemas.microsoft.com/office/drawing/2014/main" id="{88E62EF3-9396-DB0F-3FE1-3DE6E3DE95E0}"/>
+              </a:ext>
+            </a:extLst>
+          </p:cNvPr>
+          <p:cNvGrpSpPr/>
+          <p:nvPr/>
+        </p:nvGrpSpPr>
+        <p:grpSpPr>
+          <a:xfrm>
+            <a:off x="12157852" y="3464713"/>
+            <a:ext cx="2733084" cy="1536459"/>
+            <a:chOff x="12301284" y="3375068"/>
+            <a:chExt cx="2733084" cy="1536459"/>
+          </a:xfrm>
+        </p:grpSpPr>
+        <p:grpSp>
+          <p:nvGrpSpPr>
+            <p:cNvPr id="4" name="Group 3">
+              <a:extLst>
+                <a:ext uri="{FF2B5EF4-FFF2-40B4-BE49-F238E27FC236}">
+                  <a16:creationId xmlns:a16="http://schemas.microsoft.com/office/drawing/2014/main" id="{473F3B30-A494-E2B9-1D9E-C6CBE062A152}"/>
+                </a:ext>
+              </a:extLst>
+            </p:cNvPr>
+            <p:cNvGrpSpPr/>
+            <p:nvPr/>
+          </p:nvGrpSpPr>
+          <p:grpSpPr>
+            <a:xfrm>
+              <a:off x="12301284" y="3375068"/>
+              <a:ext cx="2733084" cy="1536459"/>
+              <a:chOff x="10589448" y="75549"/>
+              <a:chExt cx="2733084" cy="1536459"/>
+            </a:xfrm>
+          </p:grpSpPr>
+          <p:sp>
+            <p:nvSpPr>
+              <p:cNvPr id="145" name="Rounded Rectangle 144">
+                <a:extLst>
+                  <a:ext uri="{FF2B5EF4-FFF2-40B4-BE49-F238E27FC236}">
+                    <a16:creationId xmlns:a16="http://schemas.microsoft.com/office/drawing/2014/main" id="{5EDDACBA-5842-0395-93B8-16AEF33592FB}"/>
+                  </a:ext>
+                </a:extLst>
+              </p:cNvPr>
+              <p:cNvSpPr/>
+              <p:nvPr/>
+            </p:nvSpPr>
+            <p:spPr>
+              <a:xfrm>
+                <a:off x="11066808" y="75549"/>
+                <a:ext cx="2226285" cy="1508624"/>
+              </a:xfrm>
+              <a:prstGeom prst="roundRect">
+                <a:avLst/>
+              </a:prstGeom>
+              <a:solidFill>
+                <a:srgbClr val="27C683"/>
+              </a:solidFill>
+            </p:spPr>
+            <p:style>
+              <a:lnRef idx="2">
+                <a:schemeClr val="accent1">
+                  <a:shade val="50000"/>
+                </a:schemeClr>
+              </a:lnRef>
+              <a:fillRef idx="1">
+                <a:schemeClr val="accent1"/>
+              </a:fillRef>
+              <a:effectRef idx="0">
+                <a:schemeClr val="accent1"/>
+              </a:effectRef>
+              <a:fontRef idx="minor">
+                <a:schemeClr val="lt1"/>
+              </a:fontRef>
+            </p:style>
+            <p:txBody>
+              <a:bodyPr rtlCol="0" anchor="ctr"/>
+              <a:lstStyle/>
+              <a:p>
+                <a:pPr algn="ctr"/>
+                <a:endParaRPr lang="en-US" dirty="0"/>
+              </a:p>
+            </p:txBody>
+          </p:sp>
+          <p:grpSp>
+            <p:nvGrpSpPr>
+              <p:cNvPr id="149" name="Group 148">
+                <a:extLst>
+                  <a:ext uri="{FF2B5EF4-FFF2-40B4-BE49-F238E27FC236}">
+                    <a16:creationId xmlns:a16="http://schemas.microsoft.com/office/drawing/2014/main" id="{D9668815-E5A1-F374-AB45-BEAB59CB7FC8}"/>
+                  </a:ext>
+                </a:extLst>
+              </p:cNvPr>
+              <p:cNvGrpSpPr/>
+              <p:nvPr/>
+            </p:nvGrpSpPr>
+            <p:grpSpPr>
+              <a:xfrm>
+                <a:off x="10589448" y="83510"/>
+                <a:ext cx="2733084" cy="1528498"/>
+                <a:chOff x="-646445" y="4726031"/>
+                <a:chExt cx="3892924" cy="2177148"/>
+              </a:xfrm>
+            </p:grpSpPr>
+            <p:pic>
+              <p:nvPicPr>
+                <p:cNvPr id="150" name="Picture 149">
+                  <a:extLst>
+                    <a:ext uri="{FF2B5EF4-FFF2-40B4-BE49-F238E27FC236}">
+                      <a16:creationId xmlns:a16="http://schemas.microsoft.com/office/drawing/2014/main" id="{218D7040-13BC-227C-EDC2-1E4E4CB27354}"/>
+                    </a:ext>
+                  </a:extLst>
+                </p:cNvPr>
+                <p:cNvPicPr>
+                  <a:picLocks noChangeAspect="1"/>
+                </p:cNvPicPr>
+                <p:nvPr/>
+              </p:nvPicPr>
+              <p:blipFill rotWithShape="1">
+                <a:blip r:embed="rId20"/>
+                <a:srcRect b="30542"/>
+                <a:stretch/>
+              </p:blipFill>
+              <p:spPr>
+                <a:xfrm>
+                  <a:off x="46079" y="4726031"/>
+                  <a:ext cx="3200400" cy="1630149"/>
+                </a:xfrm>
+                <a:prstGeom prst="rect">
+                  <a:avLst/>
+                </a:prstGeom>
+              </p:spPr>
+            </p:pic>
+            <p:pic>
+              <p:nvPicPr>
+                <p:cNvPr id="151" name="Picture 150">
+                  <a:extLst>
+                    <a:ext uri="{FF2B5EF4-FFF2-40B4-BE49-F238E27FC236}">
+                      <a16:creationId xmlns:a16="http://schemas.microsoft.com/office/drawing/2014/main" id="{F9FBE251-B12D-C82A-B2A2-2928FECB9DA6}"/>
+                    </a:ext>
+                  </a:extLst>
+                </p:cNvPr>
+                <p:cNvPicPr>
+                  <a:picLocks noChangeAspect="1"/>
+                </p:cNvPicPr>
+                <p:nvPr/>
+              </p:nvPicPr>
+              <p:blipFill rotWithShape="1">
+                <a:blip r:embed="rId21"/>
+                <a:srcRect l="-21342" t="74454" r="21342" b="-3777"/>
+                <a:stretch/>
+              </p:blipFill>
+              <p:spPr>
+                <a:xfrm>
+                  <a:off x="-646445" y="6214968"/>
+                  <a:ext cx="3200400" cy="688211"/>
+                </a:xfrm>
+                <a:prstGeom prst="rect">
+                  <a:avLst/>
+                </a:prstGeom>
+              </p:spPr>
+            </p:pic>
+          </p:grpSp>
+        </p:grpSp>
+        <p:sp>
+          <p:nvSpPr>
+            <p:cNvPr id="61" name="TextBox 60">
+              <a:extLst>
+                <a:ext uri="{FF2B5EF4-FFF2-40B4-BE49-F238E27FC236}">
+                  <a16:creationId xmlns:a16="http://schemas.microsoft.com/office/drawing/2014/main" id="{033E5E99-BD92-BAC7-8C05-44D8DA0A71E6}"/>
+                </a:ext>
+              </a:extLst>
+            </p:cNvPr>
+            <p:cNvSpPr txBox="1"/>
+            <p:nvPr/>
+          </p:nvSpPr>
+          <p:spPr>
+            <a:xfrm>
+              <a:off x="13463385" y="3460643"/>
+              <a:ext cx="925253" cy="246221"/>
+            </a:xfrm>
+            <a:prstGeom prst="rect">
+              <a:avLst/>
+            </a:prstGeom>
+            <a:noFill/>
+          </p:spPr>
+          <p:txBody>
+            <a:bodyPr wrap="none" rtlCol="0">
+              <a:spAutoFit/>
+            </a:bodyPr>
+            <a:lstStyle/>
+            <a:p>
+              <a:r>
+                <a:rPr lang="en-US" sz="1000" b="1" dirty="0"/>
+                <a:t>chronogram 1</a:t>
+              </a:r>
+            </a:p>
+          </p:txBody>
+        </p:sp>
+      </p:grpSp>
+      <p:sp>
+        <p:nvSpPr>
+          <p:cNvPr id="72" name="Rounded Rectangle 71">
+            <a:extLst>
+              <a:ext uri="{FF2B5EF4-FFF2-40B4-BE49-F238E27FC236}">
+                <a16:creationId xmlns:a16="http://schemas.microsoft.com/office/drawing/2014/main" id="{5C246031-57A4-194B-8F91-38A6AC139216}"/>
+              </a:ext>
+            </a:extLst>
+          </p:cNvPr>
+          <p:cNvSpPr/>
+          <p:nvPr/>
+        </p:nvSpPr>
+        <p:spPr>
+          <a:xfrm>
+            <a:off x="60179" y="62727"/>
+            <a:ext cx="6327138" cy="557876"/>
+          </a:xfrm>
+          <a:prstGeom prst="roundRect">
+            <a:avLst/>
+          </a:prstGeom>
+          <a:solidFill>
+            <a:schemeClr val="bg1"/>
+          </a:solidFill>
+          <a:ln w="38100">
+            <a:solidFill>
+              <a:srgbClr val="92D050"/>
+            </a:solidFill>
+          </a:ln>
+        </p:spPr>
+        <p:style>
+          <a:lnRef idx="2">
+            <a:schemeClr val="accent1">
+              <a:shade val="50000"/>
+            </a:schemeClr>
+          </a:lnRef>
+          <a:fillRef idx="1">
+            <a:schemeClr val="accent1"/>
+          </a:fillRef>
+          <a:effectRef idx="0">
+            <a:schemeClr val="accent1"/>
+          </a:effectRef>
+          <a:fontRef idx="minor">
+            <a:schemeClr val="lt1"/>
+          </a:fontRef>
+        </p:style>
+        <p:txBody>
+          <a:bodyPr rot="0" spcFirstLastPara="0" vertOverflow="overflow" horzOverflow="overflow" vert="horz" wrap="square" lIns="91440" tIns="45720" rIns="91440" bIns="45720" numCol="1" spcCol="0" rtlCol="0" fromWordArt="0" anchor="ctr" anchorCtr="0" forceAA="0" compatLnSpc="1">
+            <a:prstTxWarp prst="textNoShape">
+              <a:avLst/>
+            </a:prstTxWarp>
+            <a:noAutofit/>
+          </a:bodyPr>
+          <a:lstStyle/>
+          <a:p>
+            <a:pPr algn="ctr"/>
+            <a:endParaRPr lang="en-US"/>
+          </a:p>
+        </p:txBody>
+      </p:sp>
+      <p:sp>
+        <p:nvSpPr>
+          <p:cNvPr id="73" name="TextBox 72">
+            <a:extLst>
+              <a:ext uri="{FF2B5EF4-FFF2-40B4-BE49-F238E27FC236}">
+                <a16:creationId xmlns:a16="http://schemas.microsoft.com/office/drawing/2014/main" id="{77427B84-BF31-14DE-A7FD-B20EAD7C5647}"/>
               </a:ext>
             </a:extLst>
           </p:cNvPr>
@@ -3397,8 +5311,8 @@
         </p:nvSpPr>
         <p:spPr>
           <a:xfrm>
-            <a:off x="-5227498" y="220504"/>
-            <a:ext cx="1126142" cy="369332"/>
+            <a:off x="81274" y="117130"/>
+            <a:ext cx="6306043" cy="461665"/>
           </a:xfrm>
           <a:prstGeom prst="rect">
             <a:avLst/>
@@ -3406,90 +5320,33 @@
           <a:noFill/>
         </p:spPr>
         <p:txBody>
-          <a:bodyPr wrap="none" rtlCol="0">
+          <a:bodyPr wrap="square" rtlCol="0">
             <a:spAutoFit/>
           </a:bodyPr>
           <a:lstStyle/>
           <a:p>
-            <a:r>
-              <a:rPr lang="en-US" dirty="0"/>
-              <a:t>Input taxa</a:t>
-            </a:r>
-          </a:p>
-        </p:txBody>
-      </p:sp>
-      <p:pic>
-        <p:nvPicPr>
-          <p:cNvPr id="62" name="Graphic 61">
+            <a:pPr algn="ctr"/>
+            <a:r>
+              <a:rPr lang="en-US" sz="2400" b="1" dirty="0"/>
+              <a:t>A) Creating a </a:t>
+            </a:r>
+            <a:r>
+              <a:rPr lang="en-US" sz="2400" b="1" dirty="0" err="1"/>
+              <a:t>DateLife</a:t>
+            </a:r>
+            <a:r>
+              <a:rPr lang="en-US" sz="2400" b="1" dirty="0"/>
+              <a:t> search query</a:t>
+            </a:r>
+          </a:p>
+        </p:txBody>
+      </p:sp>
+      <p:sp>
+        <p:nvSpPr>
+          <p:cNvPr id="74" name="Rounded Rectangle 73">
             <a:extLst>
               <a:ext uri="{FF2B5EF4-FFF2-40B4-BE49-F238E27FC236}">
-                <a16:creationId xmlns:a16="http://schemas.microsoft.com/office/drawing/2014/main" id="{1E396271-02AF-874A-8B12-AA3D173388CD}"/>
-              </a:ext>
-            </a:extLst>
-          </p:cNvPr>
-          <p:cNvPicPr>
-            <a:picLocks noChangeAspect="1"/>
-          </p:cNvPicPr>
-          <p:nvPr/>
-        </p:nvPicPr>
-        <p:blipFill>
-          <a:blip r:embed="rId3">
-            <a:extLst>
-              <a:ext uri="{96DAC541-7B7A-43D3-8B79-37D633B846F1}">
-                <asvg:svgBlip xmlns:asvg="http://schemas.microsoft.com/office/drawing/2016/SVG/main" r:embed="rId4"/>
-              </a:ext>
-            </a:extLst>
-          </a:blip>
-          <a:stretch>
-            <a:fillRect/>
-          </a:stretch>
-        </p:blipFill>
-        <p:spPr>
-          <a:xfrm>
-            <a:off x="2306583" y="3901724"/>
-            <a:ext cx="4163987" cy="3469989"/>
-          </a:xfrm>
-          <a:prstGeom prst="rect">
-            <a:avLst/>
-          </a:prstGeom>
-        </p:spPr>
-      </p:pic>
-      <p:pic>
-        <p:nvPicPr>
-          <p:cNvPr id="68" name="Picture 67">
-            <a:extLst>
-              <a:ext uri="{FF2B5EF4-FFF2-40B4-BE49-F238E27FC236}">
-                <a16:creationId xmlns:a16="http://schemas.microsoft.com/office/drawing/2014/main" id="{CBF9B66A-AB72-F34F-A9F1-3D4556B66E09}"/>
-              </a:ext>
-            </a:extLst>
-          </p:cNvPr>
-          <p:cNvPicPr>
-            <a:picLocks noChangeAspect="1"/>
-          </p:cNvPicPr>
-          <p:nvPr/>
-        </p:nvPicPr>
-        <p:blipFill>
-          <a:blip r:embed="rId5"/>
-          <a:stretch>
-            <a:fillRect/>
-          </a:stretch>
-        </p:blipFill>
-        <p:spPr>
-          <a:xfrm>
-            <a:off x="2207847" y="436"/>
-            <a:ext cx="4371739" cy="3622141"/>
-          </a:xfrm>
-          <a:prstGeom prst="rect">
-            <a:avLst/>
-          </a:prstGeom>
-        </p:spPr>
-      </p:pic>
-      <p:sp>
-        <p:nvSpPr>
-          <p:cNvPr id="74" name="Right Arrow 73">
-            <a:extLst>
-              <a:ext uri="{FF2B5EF4-FFF2-40B4-BE49-F238E27FC236}">
-                <a16:creationId xmlns:a16="http://schemas.microsoft.com/office/drawing/2014/main" id="{00881415-B30E-6841-AB43-050140D09DA4}"/>
+                <a16:creationId xmlns:a16="http://schemas.microsoft.com/office/drawing/2014/main" id="{F26E13C7-0530-E0F7-38CD-4D514775F105}"/>
               </a:ext>
             </a:extLst>
           </p:cNvPr>
@@ -3498,8 +5355,67 @@
         </p:nvSpPr>
         <p:spPr>
           <a:xfrm>
-            <a:off x="7029388" y="2604044"/>
-            <a:ext cx="872092" cy="722643"/>
+            <a:off x="7170814" y="7164825"/>
+            <a:ext cx="7962687" cy="621792"/>
+          </a:xfrm>
+          <a:prstGeom prst="roundRect">
+            <a:avLst/>
+          </a:prstGeom>
+          <a:solidFill>
+            <a:schemeClr val="bg1"/>
+          </a:solidFill>
+          <a:ln w="38100">
+            <a:solidFill>
+              <a:srgbClr val="92D050"/>
+            </a:solidFill>
+          </a:ln>
+        </p:spPr>
+        <p:style>
+          <a:lnRef idx="2">
+            <a:schemeClr val="accent1">
+              <a:shade val="50000"/>
+            </a:schemeClr>
+          </a:lnRef>
+          <a:fillRef idx="1">
+            <a:schemeClr val="accent1"/>
+          </a:fillRef>
+          <a:effectRef idx="0">
+            <a:schemeClr val="accent1"/>
+          </a:effectRef>
+          <a:fontRef idx="minor">
+            <a:schemeClr val="lt1"/>
+          </a:fontRef>
+        </p:style>
+        <p:txBody>
+          <a:bodyPr rot="0" spcFirstLastPara="0" vertOverflow="overflow" horzOverflow="overflow" vert="horz" wrap="square" lIns="91440" tIns="45720" rIns="91440" bIns="45720" numCol="1" spcCol="0" rtlCol="0" fromWordArt="0" anchor="ctr" anchorCtr="0" forceAA="0" compatLnSpc="1">
+            <a:prstTxWarp prst="textNoShape">
+              <a:avLst/>
+            </a:prstTxWarp>
+            <a:noAutofit/>
+          </a:bodyPr>
+          <a:lstStyle/>
+          <a:p>
+            <a:pPr algn="ctr"/>
+            <a:endParaRPr lang="en-US"/>
+          </a:p>
+        </p:txBody>
+      </p:sp>
+      <p:sp>
+        <p:nvSpPr>
+          <p:cNvPr id="76" name="Right Arrow 75">
+            <a:extLst>
+              <a:ext uri="{FF2B5EF4-FFF2-40B4-BE49-F238E27FC236}">
+                <a16:creationId xmlns:a16="http://schemas.microsoft.com/office/drawing/2014/main" id="{2B756A60-FC83-6283-11B8-7290F6B1744B}"/>
+              </a:ext>
+            </a:extLst>
+          </p:cNvPr>
+          <p:cNvSpPr/>
+          <p:nvPr/>
+        </p:nvSpPr>
+        <p:spPr>
+          <a:xfrm rot="5400000" flipV="1">
+            <a:off x="11192462" y="6578023"/>
+            <a:ext cx="425509" cy="716625"/>
           </a:xfrm>
           <a:prstGeom prst="rightArrow">
             <a:avLst/>
@@ -3545,10 +5461,10 @@
       </p:sp>
       <p:sp>
         <p:nvSpPr>
-          <p:cNvPr id="76" name="TextBox 75">
+          <p:cNvPr id="77" name="TextBox 76">
             <a:extLst>
               <a:ext uri="{FF2B5EF4-FFF2-40B4-BE49-F238E27FC236}">
-                <a16:creationId xmlns:a16="http://schemas.microsoft.com/office/drawing/2014/main" id="{554ECC55-3E1B-E743-B36C-119D6BED237B}"/>
+                <a16:creationId xmlns:a16="http://schemas.microsoft.com/office/drawing/2014/main" id="{AAB66493-91A7-9F38-3BD3-4A740AF908BC}"/>
               </a:ext>
             </a:extLst>
           </p:cNvPr>
@@ -3557,8 +5473,8 @@
         </p:nvSpPr>
         <p:spPr>
           <a:xfrm>
-            <a:off x="159803" y="1521241"/>
-            <a:ext cx="1431930" cy="646331"/>
+            <a:off x="8664876" y="7236959"/>
+            <a:ext cx="5302734" cy="461665"/>
           </a:xfrm>
           <a:prstGeom prst="rect">
             <a:avLst/>
@@ -3573,150 +5489,26 @@
           <a:p>
             <a:pPr algn="ctr"/>
             <a:r>
-              <a:rPr lang="en-US" b="1" dirty="0"/>
-              <a:t>Source </a:t>
-            </a:r>
-          </a:p>
-          <a:p>
-            <a:pPr algn="ctr"/>
-            <a:r>
-              <a:rPr lang="en-US" b="1" dirty="0"/>
-              <a:t>chronograms</a:t>
-            </a:r>
-          </a:p>
-        </p:txBody>
-      </p:sp>
-      <p:sp>
-        <p:nvSpPr>
-          <p:cNvPr id="77" name="TextBox 76">
+              <a:rPr lang="en-US" sz="2400" b="1" dirty="0"/>
+              <a:t>C) Summarizing </a:t>
+            </a:r>
+            <a:r>
+              <a:rPr lang="en-US" sz="2400" b="1" dirty="0" err="1"/>
+              <a:t>DateLife’s</a:t>
+            </a:r>
+            <a:r>
+              <a:rPr lang="en-US" sz="2400" b="1" dirty="0"/>
+              <a:t> search results</a:t>
+            </a:r>
+          </a:p>
+        </p:txBody>
+      </p:sp>
+      <p:sp>
+        <p:nvSpPr>
+          <p:cNvPr id="82" name="Right Arrow 81">
             <a:extLst>
               <a:ext uri="{FF2B5EF4-FFF2-40B4-BE49-F238E27FC236}">
-                <a16:creationId xmlns:a16="http://schemas.microsoft.com/office/drawing/2014/main" id="{A31F6AE0-AD58-3D43-9E50-0B2F0D1873D7}"/>
-              </a:ext>
-            </a:extLst>
-          </p:cNvPr>
-          <p:cNvSpPr txBox="1"/>
-          <p:nvPr/>
-        </p:nvSpPr>
-        <p:spPr>
-          <a:xfrm>
-            <a:off x="2250614" y="3662332"/>
-            <a:ext cx="644728" cy="1200329"/>
-          </a:xfrm>
-          <a:prstGeom prst="rect">
-            <a:avLst/>
-          </a:prstGeom>
-          <a:noFill/>
-        </p:spPr>
-        <p:txBody>
-          <a:bodyPr wrap="none" rtlCol="0">
-            <a:spAutoFit/>
-          </a:bodyPr>
-          <a:lstStyle/>
-          <a:p>
-            <a:r>
-              <a:rPr lang="en-US" sz="7200" dirty="0">
-                <a:solidFill>
-                  <a:srgbClr val="92D051"/>
-                </a:solidFill>
-              </a:rPr>
-              <a:t>+</a:t>
-            </a:r>
-          </a:p>
-        </p:txBody>
-      </p:sp>
-      <p:grpSp>
-        <p:nvGrpSpPr>
-          <p:cNvPr id="80" name="Group 79">
-            <a:extLst>
-              <a:ext uri="{FF2B5EF4-FFF2-40B4-BE49-F238E27FC236}">
-                <a16:creationId xmlns:a16="http://schemas.microsoft.com/office/drawing/2014/main" id="{33FA9978-B2D1-B843-BEB5-0BBC2616A55A}"/>
-              </a:ext>
-            </a:extLst>
-          </p:cNvPr>
-          <p:cNvGrpSpPr/>
-          <p:nvPr/>
-        </p:nvGrpSpPr>
-        <p:grpSpPr>
-          <a:xfrm>
-            <a:off x="7941236" y="-337928"/>
-            <a:ext cx="7315445" cy="7315445"/>
-            <a:chOff x="4226886" y="-126139"/>
-            <a:chExt cx="6589895" cy="6589895"/>
-          </a:xfrm>
-        </p:grpSpPr>
-        <p:pic>
-          <p:nvPicPr>
-            <p:cNvPr id="71" name="Picture 70">
-              <a:extLst>
-                <a:ext uri="{FF2B5EF4-FFF2-40B4-BE49-F238E27FC236}">
-                  <a16:creationId xmlns:a16="http://schemas.microsoft.com/office/drawing/2014/main" id="{3C821C1D-3FF3-5B40-B9D8-827CFFFD5E97}"/>
-                </a:ext>
-              </a:extLst>
-            </p:cNvPr>
-            <p:cNvPicPr>
-              <a:picLocks noChangeAspect="1"/>
-            </p:cNvPicPr>
-            <p:nvPr/>
-          </p:nvPicPr>
-          <p:blipFill>
-            <a:blip r:embed="rId6"/>
-            <a:stretch>
-              <a:fillRect/>
-            </a:stretch>
-          </p:blipFill>
-          <p:spPr>
-            <a:xfrm>
-              <a:off x="4226886" y="-126139"/>
-              <a:ext cx="6589895" cy="6589895"/>
-            </a:xfrm>
-            <a:prstGeom prst="rect">
-              <a:avLst/>
-            </a:prstGeom>
-          </p:spPr>
-        </p:pic>
-        <p:sp>
-          <p:nvSpPr>
-            <p:cNvPr id="78" name="TextBox 77">
-              <a:extLst>
-                <a:ext uri="{FF2B5EF4-FFF2-40B4-BE49-F238E27FC236}">
-                  <a16:creationId xmlns:a16="http://schemas.microsoft.com/office/drawing/2014/main" id="{A0E99704-15E2-6748-BDFD-E5959A856250}"/>
-                </a:ext>
-              </a:extLst>
-            </p:cNvPr>
-            <p:cNvSpPr txBox="1"/>
-            <p:nvPr/>
-          </p:nvSpPr>
-          <p:spPr>
-            <a:xfrm>
-              <a:off x="5303962" y="83049"/>
-              <a:ext cx="4471714" cy="332701"/>
-            </a:xfrm>
-            <a:prstGeom prst="rect">
-              <a:avLst/>
-            </a:prstGeom>
-            <a:noFill/>
-          </p:spPr>
-          <p:txBody>
-            <a:bodyPr wrap="none" rtlCol="0">
-              <a:spAutoFit/>
-            </a:bodyPr>
-            <a:lstStyle/>
-            <a:p>
-              <a:r>
-                <a:rPr lang="en-US" b="1" dirty="0"/>
-                <a:t>Taxon pair ages mapped to nodes of tree topology</a:t>
-              </a:r>
-            </a:p>
-          </p:txBody>
-        </p:sp>
-      </p:grpSp>
-      <p:sp>
-        <p:nvSpPr>
-          <p:cNvPr id="84" name="Right Arrow 83">
-            <a:extLst>
-              <a:ext uri="{FF2B5EF4-FFF2-40B4-BE49-F238E27FC236}">
-                <a16:creationId xmlns:a16="http://schemas.microsoft.com/office/drawing/2014/main" id="{F08D6621-C3FA-AA45-9FDD-4B633C3A3D9F}"/>
+                <a16:creationId xmlns:a16="http://schemas.microsoft.com/office/drawing/2014/main" id="{C900AB4A-4C1F-9C1C-2A97-3ECE18E9AE4E}"/>
               </a:ext>
             </a:extLst>
           </p:cNvPr>
@@ -3724,9 +5516,9 @@
           <p:nvPr/>
         </p:nvSpPr>
         <p:spPr>
-          <a:xfrm rot="5400000" flipV="1">
-            <a:off x="11206137" y="6228947"/>
-            <a:ext cx="688359" cy="716625"/>
+          <a:xfrm>
+            <a:off x="6602186" y="27902"/>
+            <a:ext cx="613919" cy="722643"/>
           </a:xfrm>
           <a:prstGeom prst="rightArrow">
             <a:avLst/>
@@ -3772,10 +5564,10 @@
       </p:sp>
       <p:sp>
         <p:nvSpPr>
-          <p:cNvPr id="85" name="TextBox 84">
+          <p:cNvPr id="84" name="TextBox 83">
             <a:extLst>
               <a:ext uri="{FF2B5EF4-FFF2-40B4-BE49-F238E27FC236}">
-                <a16:creationId xmlns:a16="http://schemas.microsoft.com/office/drawing/2014/main" id="{1FEC4368-11DD-764E-9071-EEEB8471A3D7}"/>
+                <a16:creationId xmlns:a16="http://schemas.microsoft.com/office/drawing/2014/main" id="{0F4D2FD7-A6A1-33FD-EA0B-0979119F6E57}"/>
               </a:ext>
             </a:extLst>
           </p:cNvPr>
@@ -3784,8 +5576,8 @@
         </p:nvSpPr>
         <p:spPr>
           <a:xfrm>
-            <a:off x="10882698" y="6977517"/>
-            <a:ext cx="1350370" cy="369332"/>
+            <a:off x="105385" y="719156"/>
+            <a:ext cx="3174959" cy="2862322"/>
           </a:xfrm>
           <a:prstGeom prst="rect">
             <a:avLst/>
@@ -3793,177 +5585,309 @@
           <a:noFill/>
         </p:spPr>
         <p:txBody>
-          <a:bodyPr wrap="none" rtlCol="0">
+          <a:bodyPr wrap="square" rtlCol="0">
             <a:spAutoFit/>
           </a:bodyPr>
           <a:lstStyle/>
           <a:p>
             <a:r>
-              <a:rPr lang="en-US" b="1" dirty="0"/>
-              <a:t>To summary</a:t>
-            </a:r>
-          </a:p>
-        </p:txBody>
-      </p:sp>
-    </p:spTree>
-    <p:extLst>
-      <p:ext uri="{BB962C8B-B14F-4D97-AF65-F5344CB8AC3E}">
-        <p14:creationId xmlns:p14="http://schemas.microsoft.com/office/powerpoint/2010/main" val="489028446"/>
-      </p:ext>
-    </p:extLst>
-  </p:cSld>
-  <p:clrMapOvr>
-    <a:masterClrMapping/>
-  </p:clrMapOvr>
-</p:sld>
-</file>
-
-<file path=ppt/slides/slide2.xml><?xml version="1.0" encoding="utf-8"?>
-<p:sld xmlns:a="http://schemas.openxmlformats.org/drawingml/2006/main" xmlns:r="http://schemas.openxmlformats.org/officeDocument/2006/relationships" xmlns:p="http://schemas.openxmlformats.org/presentationml/2006/main">
-  <p:cSld>
-    <p:spTree>
-      <p:nvGrpSpPr>
-        <p:cNvPr id="1" name=""/>
-        <p:cNvGrpSpPr/>
-        <p:nvPr/>
-      </p:nvGrpSpPr>
-      <p:grpSpPr>
-        <a:xfrm>
-          <a:off x="0" y="0"/>
-          <a:ext cx="0" cy="0"/>
-          <a:chOff x="0" y="0"/>
-          <a:chExt cx="0" cy="0"/>
-        </a:xfrm>
-      </p:grpSpPr>
-      <p:pic>
-        <p:nvPicPr>
-          <p:cNvPr id="66" name="Graphic 65">
+              <a:rPr lang="en-US" dirty="0"/>
+              <a:t>A1) Chose a list of bird </a:t>
+            </a:r>
+          </a:p>
+          <a:p>
+            <a:r>
+              <a:rPr lang="en-US" dirty="0"/>
+              <a:t>species names.</a:t>
+            </a:r>
+          </a:p>
+          <a:p>
+            <a:pPr marL="122238"/>
+            <a:endParaRPr lang="en-US" i="1" dirty="0"/>
+          </a:p>
+          <a:p>
+            <a:pPr marL="122238"/>
+            <a:endParaRPr lang="en-US" i="1" dirty="0"/>
+          </a:p>
+          <a:p>
+            <a:pPr marL="176213" indent="-106363">
+              <a:buFont typeface="Arial" panose="020B0604020202020204" pitchFamily="34" charset="0"/>
+              <a:buChar char="•"/>
+            </a:pPr>
+            <a:r>
+              <a:rPr lang="en-US" i="1" dirty="0" err="1"/>
+              <a:t>Pheucticus</a:t>
+            </a:r>
+            <a:r>
+              <a:rPr lang="en-US" i="1" dirty="0"/>
+              <a:t> tibialis </a:t>
+            </a:r>
+          </a:p>
+          <a:p>
+            <a:pPr marL="176213" indent="-106363">
+              <a:buFont typeface="Arial" panose="020B0604020202020204" pitchFamily="34" charset="0"/>
+              <a:buChar char="•"/>
+            </a:pPr>
+            <a:r>
+              <a:rPr lang="en-US" i="1" dirty="0" err="1"/>
+              <a:t>Rhodothraupis</a:t>
+            </a:r>
+            <a:r>
+              <a:rPr lang="en-US" i="1" dirty="0"/>
+              <a:t> </a:t>
+            </a:r>
+            <a:r>
+              <a:rPr lang="en-US" i="1" dirty="0" err="1"/>
+              <a:t>celaeno</a:t>
+            </a:r>
+            <a:endParaRPr lang="en-US" i="1" dirty="0"/>
+          </a:p>
+          <a:p>
+            <a:pPr marL="176213" indent="-106363">
+              <a:buFont typeface="Arial" panose="020B0604020202020204" pitchFamily="34" charset="0"/>
+              <a:buChar char="•"/>
+            </a:pPr>
+            <a:r>
+              <a:rPr lang="en-US" i="1" dirty="0" err="1"/>
+              <a:t>Emberiza</a:t>
+            </a:r>
+            <a:r>
+              <a:rPr lang="en-US" i="1" dirty="0"/>
+              <a:t> </a:t>
+            </a:r>
+            <a:r>
+              <a:rPr lang="en-US" i="1" dirty="0" err="1"/>
+              <a:t>citrinella</a:t>
+            </a:r>
+            <a:endParaRPr lang="en-US" i="1" dirty="0"/>
+          </a:p>
+          <a:p>
+            <a:pPr marL="176213" indent="-106363">
+              <a:buFont typeface="Arial" panose="020B0604020202020204" pitchFamily="34" charset="0"/>
+              <a:buChar char="•"/>
+            </a:pPr>
+            <a:r>
+              <a:rPr lang="en-US" i="1" dirty="0" err="1"/>
+              <a:t>Emberiza</a:t>
+            </a:r>
+            <a:r>
+              <a:rPr lang="en-US" i="1" dirty="0"/>
+              <a:t> </a:t>
+            </a:r>
+            <a:r>
+              <a:rPr lang="en-US" i="1" dirty="0" err="1"/>
+              <a:t>leucocephalos</a:t>
+            </a:r>
+            <a:endParaRPr lang="en-US" i="1" dirty="0"/>
+          </a:p>
+          <a:p>
+            <a:pPr marL="176213" indent="-106363">
+              <a:buFont typeface="Arial" panose="020B0604020202020204" pitchFamily="34" charset="0"/>
+              <a:buChar char="•"/>
+            </a:pPr>
+            <a:r>
+              <a:rPr lang="en-US" b="1" i="1" dirty="0" err="1"/>
+              <a:t>Emberiza</a:t>
+            </a:r>
+            <a:r>
+              <a:rPr lang="en-US" b="1" i="1" dirty="0"/>
+              <a:t> elegans</a:t>
+            </a:r>
+          </a:p>
+          <a:p>
+            <a:pPr marL="176213" indent="-106363">
+              <a:buFont typeface="Arial" panose="020B0604020202020204" pitchFamily="34" charset="0"/>
+              <a:buChar char="•"/>
+            </a:pPr>
+            <a:r>
+              <a:rPr lang="en-US" i="1" dirty="0" err="1"/>
+              <a:t>Platyspiza</a:t>
+            </a:r>
+            <a:r>
+              <a:rPr lang="en-US" i="1" dirty="0"/>
+              <a:t> </a:t>
+            </a:r>
+            <a:r>
+              <a:rPr lang="en-US" i="1" dirty="0" err="1"/>
+              <a:t>crassirostris</a:t>
+            </a:r>
+            <a:endParaRPr lang="en-US" i="1" dirty="0"/>
+          </a:p>
+        </p:txBody>
+      </p:sp>
+      <p:sp>
+        <p:nvSpPr>
+          <p:cNvPr id="95" name="TextBox 94">
             <a:extLst>
               <a:ext uri="{FF2B5EF4-FFF2-40B4-BE49-F238E27FC236}">
-                <a16:creationId xmlns:a16="http://schemas.microsoft.com/office/drawing/2014/main" id="{EB22CD8F-BEAC-CC4E-94E7-16F3E8F4F307}"/>
+                <a16:creationId xmlns:a16="http://schemas.microsoft.com/office/drawing/2014/main" id="{C84F18C4-11AB-4D19-A70D-F986EB1CD670}"/>
               </a:ext>
             </a:extLst>
           </p:cNvPr>
-          <p:cNvPicPr>
-            <a:picLocks noChangeAspect="1"/>
-          </p:cNvPicPr>
+          <p:cNvSpPr txBox="1"/>
           <p:nvPr/>
-        </p:nvPicPr>
-        <p:blipFill>
-          <a:blip r:embed="rId2">
-            <a:extLst>
-              <a:ext uri="{96DAC541-7B7A-43D3-8B79-37D633B846F1}">
-                <asvg:svgBlip xmlns:asvg="http://schemas.microsoft.com/office/drawing/2016/SVG/main" r:embed="rId3"/>
-              </a:ext>
-            </a:extLst>
-          </a:blip>
-          <a:stretch>
-            <a:fillRect/>
-          </a:stretch>
-        </p:blipFill>
+        </p:nvSpPr>
         <p:spPr>
           <a:xfrm>
-            <a:off x="0" y="5695466"/>
-            <a:ext cx="6400800" cy="5181600"/>
+            <a:off x="3177138" y="719156"/>
+            <a:ext cx="3174959" cy="2862322"/>
           </a:xfrm>
           <a:prstGeom prst="rect">
             <a:avLst/>
           </a:prstGeom>
+          <a:noFill/>
         </p:spPr>
-      </p:pic>
-      <p:grpSp>
-        <p:nvGrpSpPr>
-          <p:cNvPr id="82" name="Group 81">
+        <p:txBody>
+          <a:bodyPr wrap="square" rtlCol="0">
+            <a:spAutoFit/>
+          </a:bodyPr>
+          <a:lstStyle/>
+          <a:p>
+            <a:pPr algn="r"/>
+            <a:r>
+              <a:rPr lang="en-US" dirty="0"/>
+              <a:t>A2) Processed species names with </a:t>
+            </a:r>
+            <a:r>
+              <a:rPr lang="en-US" b="1" dirty="0"/>
+              <a:t>TNRS</a:t>
+            </a:r>
+            <a:r>
+              <a:rPr lang="en-US" dirty="0"/>
+              <a:t> and </a:t>
+            </a:r>
+            <a:r>
+              <a:rPr lang="en-US" b="1" dirty="0"/>
+              <a:t>standardized</a:t>
+            </a:r>
+            <a:r>
+              <a:rPr lang="en-US" dirty="0"/>
+              <a:t> to the </a:t>
+            </a:r>
+            <a:r>
+              <a:rPr lang="en-US" dirty="0" err="1"/>
+              <a:t>OpenTree</a:t>
+            </a:r>
+            <a:r>
+              <a:rPr lang="en-US" dirty="0"/>
+              <a:t> taxonomy.</a:t>
+            </a:r>
+          </a:p>
+          <a:p>
+            <a:endParaRPr lang="en-US" i="1" dirty="0"/>
+          </a:p>
+          <a:p>
+            <a:pPr marL="404813" indent="-106363">
+              <a:buFont typeface="Arial" panose="020B0604020202020204" pitchFamily="34" charset="0"/>
+              <a:buChar char="•"/>
+            </a:pPr>
+            <a:r>
+              <a:rPr lang="en-US" i="1" dirty="0" err="1"/>
+              <a:t>Pheucticus</a:t>
+            </a:r>
+            <a:r>
+              <a:rPr lang="en-US" i="1" dirty="0"/>
+              <a:t> tibialis </a:t>
+            </a:r>
+          </a:p>
+          <a:p>
+            <a:pPr marL="404813" indent="-106363">
+              <a:buFont typeface="Arial" panose="020B0604020202020204" pitchFamily="34" charset="0"/>
+              <a:buChar char="•"/>
+            </a:pPr>
+            <a:r>
+              <a:rPr lang="en-US" i="1" dirty="0" err="1"/>
+              <a:t>Rhodothraupis</a:t>
+            </a:r>
+            <a:r>
+              <a:rPr lang="en-US" i="1" dirty="0"/>
+              <a:t> </a:t>
+            </a:r>
+            <a:r>
+              <a:rPr lang="en-US" i="1" dirty="0" err="1"/>
+              <a:t>celaeno</a:t>
+            </a:r>
+            <a:endParaRPr lang="en-US" i="1" dirty="0"/>
+          </a:p>
+          <a:p>
+            <a:pPr marL="404813" indent="-106363">
+              <a:buFont typeface="Arial" panose="020B0604020202020204" pitchFamily="34" charset="0"/>
+              <a:buChar char="•"/>
+            </a:pPr>
+            <a:r>
+              <a:rPr lang="en-US" i="1" dirty="0" err="1"/>
+              <a:t>Emberiza</a:t>
+            </a:r>
+            <a:r>
+              <a:rPr lang="en-US" i="1" dirty="0"/>
+              <a:t> </a:t>
+            </a:r>
+            <a:r>
+              <a:rPr lang="en-US" i="1" dirty="0" err="1"/>
+              <a:t>citrinella</a:t>
+            </a:r>
+            <a:endParaRPr lang="en-US" i="1" dirty="0"/>
+          </a:p>
+          <a:p>
+            <a:pPr marL="404813" indent="-106363">
+              <a:buFont typeface="Arial" panose="020B0604020202020204" pitchFamily="34" charset="0"/>
+              <a:buChar char="•"/>
+            </a:pPr>
+            <a:r>
+              <a:rPr lang="en-US" i="1" dirty="0" err="1"/>
+              <a:t>Emberiza</a:t>
+            </a:r>
+            <a:r>
+              <a:rPr lang="en-US" i="1" dirty="0"/>
+              <a:t> </a:t>
+            </a:r>
+            <a:r>
+              <a:rPr lang="en-US" i="1" dirty="0" err="1"/>
+              <a:t>leucocephalos</a:t>
+            </a:r>
+            <a:endParaRPr lang="en-US" i="1" dirty="0"/>
+          </a:p>
+          <a:p>
+            <a:pPr marL="404813" indent="-106363">
+              <a:buFont typeface="Arial" panose="020B0604020202020204" pitchFamily="34" charset="0"/>
+              <a:buChar char="•"/>
+            </a:pPr>
+            <a:r>
+              <a:rPr lang="en-US" b="1" i="1" dirty="0" err="1"/>
+              <a:t>Schoeniclus</a:t>
+            </a:r>
+            <a:r>
+              <a:rPr lang="en-US" b="1" i="1" dirty="0"/>
+              <a:t> elegans</a:t>
+            </a:r>
+          </a:p>
+          <a:p>
+            <a:pPr marL="404813" indent="-106363">
+              <a:buFont typeface="Arial" panose="020B0604020202020204" pitchFamily="34" charset="0"/>
+              <a:buChar char="•"/>
+            </a:pPr>
+            <a:r>
+              <a:rPr lang="en-US" i="1" dirty="0" err="1"/>
+              <a:t>Platyspiza</a:t>
+            </a:r>
+            <a:r>
+              <a:rPr lang="en-US" i="1" dirty="0"/>
+              <a:t> </a:t>
+            </a:r>
+            <a:r>
+              <a:rPr lang="en-US" i="1" dirty="0" err="1"/>
+              <a:t>crassirostris</a:t>
+            </a:r>
+            <a:endParaRPr lang="en-US" dirty="0"/>
+          </a:p>
+        </p:txBody>
+      </p:sp>
+      <p:sp>
+        <p:nvSpPr>
+          <p:cNvPr id="98" name="Right Arrow 97">
             <a:extLst>
               <a:ext uri="{FF2B5EF4-FFF2-40B4-BE49-F238E27FC236}">
-                <a16:creationId xmlns:a16="http://schemas.microsoft.com/office/drawing/2014/main" id="{2D6F0F45-69BD-8642-B808-FA0D6F2FCFD4}"/>
-              </a:ext>
-            </a:extLst>
-          </p:cNvPr>
-          <p:cNvGrpSpPr/>
-          <p:nvPr/>
-        </p:nvGrpSpPr>
-        <p:grpSpPr>
-          <a:xfrm>
-            <a:off x="0" y="-449154"/>
-            <a:ext cx="6062870" cy="6062870"/>
-            <a:chOff x="0" y="7799471"/>
-            <a:chExt cx="5433496" cy="5433496"/>
-          </a:xfrm>
-        </p:grpSpPr>
-        <p:pic>
-          <p:nvPicPr>
-            <p:cNvPr id="73" name="Picture 72">
-              <a:extLst>
-                <a:ext uri="{FF2B5EF4-FFF2-40B4-BE49-F238E27FC236}">
-                  <a16:creationId xmlns:a16="http://schemas.microsoft.com/office/drawing/2014/main" id="{58878B76-C476-B547-ABD6-46228F3FC422}"/>
-                </a:ext>
-              </a:extLst>
-            </p:cNvPr>
-            <p:cNvPicPr>
-              <a:picLocks noChangeAspect="1"/>
-            </p:cNvPicPr>
-            <p:nvPr/>
-          </p:nvPicPr>
-          <p:blipFill>
-            <a:blip r:embed="rId4"/>
-            <a:stretch>
-              <a:fillRect/>
-            </a:stretch>
-          </p:blipFill>
-          <p:spPr>
-            <a:xfrm>
-              <a:off x="0" y="7799471"/>
-              <a:ext cx="5433496" cy="5433496"/>
-            </a:xfrm>
-            <a:prstGeom prst="rect">
-              <a:avLst/>
-            </a:prstGeom>
-          </p:spPr>
-        </p:pic>
-        <p:sp>
-          <p:nvSpPr>
-            <p:cNvPr id="79" name="TextBox 78">
-              <a:extLst>
-                <a:ext uri="{FF2B5EF4-FFF2-40B4-BE49-F238E27FC236}">
-                  <a16:creationId xmlns:a16="http://schemas.microsoft.com/office/drawing/2014/main" id="{F0BAD050-B028-6B48-AED7-63D498D6ACB5}"/>
-                </a:ext>
-              </a:extLst>
-            </p:cNvPr>
-            <p:cNvSpPr txBox="1"/>
-            <p:nvPr/>
-          </p:nvSpPr>
-          <p:spPr>
-            <a:xfrm>
-              <a:off x="1036141" y="8307747"/>
-              <a:ext cx="3303085" cy="330992"/>
-            </a:xfrm>
-            <a:prstGeom prst="rect">
-              <a:avLst/>
-            </a:prstGeom>
-            <a:noFill/>
-          </p:spPr>
-          <p:txBody>
-            <a:bodyPr wrap="none" rtlCol="0">
-              <a:spAutoFit/>
-            </a:bodyPr>
-            <a:lstStyle/>
-            <a:p>
-              <a:pPr algn="ctr"/>
-              <a:r>
-                <a:rPr lang="en-US" b="1" dirty="0"/>
-                <a:t>Summary of mapped taxon pair ages</a:t>
-              </a:r>
-            </a:p>
-          </p:txBody>
-        </p:sp>
-      </p:grpSp>
-      <p:sp>
-        <p:nvSpPr>
-          <p:cNvPr id="81" name="Right Arrow 80">
-            <a:extLst>
-              <a:ext uri="{FF2B5EF4-FFF2-40B4-BE49-F238E27FC236}">
-                <a16:creationId xmlns:a16="http://schemas.microsoft.com/office/drawing/2014/main" id="{DAAF9955-6DB0-A345-B599-7F34C2FD61C4}"/>
+                <a16:creationId xmlns:a16="http://schemas.microsoft.com/office/drawing/2014/main" id="{EAB5436C-F216-A3C0-790F-E2712CECE122}"/>
               </a:ext>
             </a:extLst>
           </p:cNvPr>
@@ -3971,15 +5895,18 @@
           <p:nvPr/>
         </p:nvSpPr>
         <p:spPr>
-          <a:xfrm rot="5400000">
-            <a:off x="2676437" y="4723686"/>
-            <a:ext cx="872092" cy="722643"/>
+          <a:xfrm flipV="1">
+            <a:off x="2647895" y="699049"/>
+            <a:ext cx="597965" cy="557876"/>
           </a:xfrm>
           <a:prstGeom prst="rightArrow">
             <a:avLst/>
           </a:prstGeom>
           <a:solidFill>
-            <a:srgbClr val="92D050"/>
+            <a:schemeClr val="accent6">
+              <a:lumMod val="40000"/>
+              <a:lumOff val="60000"/>
+            </a:schemeClr>
           </a:solidFill>
           <a:ln>
             <a:solidFill>
@@ -4017,10 +5944,664 @@
           </a:p>
         </p:txBody>
       </p:sp>
+      <p:sp>
+        <p:nvSpPr>
+          <p:cNvPr id="104" name="TextBox 103">
+            <a:extLst>
+              <a:ext uri="{FF2B5EF4-FFF2-40B4-BE49-F238E27FC236}">
+                <a16:creationId xmlns:a16="http://schemas.microsoft.com/office/drawing/2014/main" id="{5BBF1CF1-2D82-8BBF-225A-0BCC6753F6F1}"/>
+              </a:ext>
+            </a:extLst>
+          </p:cNvPr>
+          <p:cNvSpPr txBox="1"/>
+          <p:nvPr/>
+        </p:nvSpPr>
+        <p:spPr>
+          <a:xfrm>
+            <a:off x="7321906" y="7855293"/>
+            <a:ext cx="7449996" cy="369332"/>
+          </a:xfrm>
+          <a:prstGeom prst="rect">
+            <a:avLst/>
+          </a:prstGeom>
+          <a:noFill/>
+        </p:spPr>
+        <p:txBody>
+          <a:bodyPr wrap="square" rtlCol="0">
+            <a:spAutoFit/>
+          </a:bodyPr>
+          <a:lstStyle/>
+          <a:p>
+            <a:r>
+              <a:rPr lang="en-US" dirty="0"/>
+              <a:t>C1) Chose the </a:t>
+            </a:r>
+            <a:r>
+              <a:rPr lang="en-US" b="1" dirty="0"/>
+              <a:t>tree topology </a:t>
+            </a:r>
+            <a:r>
+              <a:rPr lang="en-US" dirty="0"/>
+              <a:t>from </a:t>
+            </a:r>
+            <a:r>
+              <a:rPr lang="en-US" dirty="0" err="1"/>
+              <a:t>OpenTree’s</a:t>
+            </a:r>
+            <a:r>
+              <a:rPr lang="en-US" dirty="0"/>
+              <a:t> synthetic phylogeny.</a:t>
+            </a:r>
+          </a:p>
+        </p:txBody>
+      </p:sp>
+      <p:sp>
+        <p:nvSpPr>
+          <p:cNvPr id="105" name="TextBox 104">
+            <a:extLst>
+              <a:ext uri="{FF2B5EF4-FFF2-40B4-BE49-F238E27FC236}">
+                <a16:creationId xmlns:a16="http://schemas.microsoft.com/office/drawing/2014/main" id="{AB45960E-53BE-5D84-F124-CC4C3613B396}"/>
+              </a:ext>
+            </a:extLst>
+          </p:cNvPr>
+          <p:cNvSpPr txBox="1"/>
+          <p:nvPr/>
+        </p:nvSpPr>
+        <p:spPr>
+          <a:xfrm>
+            <a:off x="7105208" y="8781098"/>
+            <a:ext cx="3421987" cy="923330"/>
+          </a:xfrm>
+          <a:prstGeom prst="rect">
+            <a:avLst/>
+          </a:prstGeom>
+          <a:noFill/>
+        </p:spPr>
+        <p:txBody>
+          <a:bodyPr wrap="square" rtlCol="0">
+            <a:spAutoFit/>
+          </a:bodyPr>
+          <a:lstStyle/>
+          <a:p>
+            <a:r>
+              <a:rPr lang="en-US" dirty="0"/>
+              <a:t>C2) </a:t>
+            </a:r>
+            <a:r>
+              <a:rPr lang="en-US" b="1" dirty="0" err="1"/>
+              <a:t>Congruify</a:t>
+            </a:r>
+            <a:r>
+              <a:rPr lang="en-US" dirty="0"/>
+              <a:t> source chronogram nodes to nodes of tree topology. See Table 1.</a:t>
+            </a:r>
+          </a:p>
+        </p:txBody>
+      </p:sp>
+      <p:sp>
+        <p:nvSpPr>
+          <p:cNvPr id="107" name="Right Arrow 106">
+            <a:extLst>
+              <a:ext uri="{FF2B5EF4-FFF2-40B4-BE49-F238E27FC236}">
+                <a16:creationId xmlns:a16="http://schemas.microsoft.com/office/drawing/2014/main" id="{FB6FA79F-8BB6-50BE-3557-B56EEEDD9A2B}"/>
+              </a:ext>
+            </a:extLst>
+          </p:cNvPr>
+          <p:cNvSpPr/>
+          <p:nvPr/>
+        </p:nvSpPr>
+        <p:spPr>
+          <a:xfrm rot="5400000" flipV="1">
+            <a:off x="7601615" y="8329062"/>
+            <a:ext cx="521100" cy="437072"/>
+          </a:xfrm>
+          <a:prstGeom prst="rightArrow">
+            <a:avLst/>
+          </a:prstGeom>
+          <a:solidFill>
+            <a:schemeClr val="accent6">
+              <a:lumMod val="40000"/>
+              <a:lumOff val="60000"/>
+            </a:schemeClr>
+          </a:solidFill>
+          <a:ln>
+            <a:solidFill>
+              <a:srgbClr val="92D050"/>
+            </a:solidFill>
+          </a:ln>
+        </p:spPr>
+        <p:style>
+          <a:lnRef idx="2">
+            <a:schemeClr val="accent1">
+              <a:shade val="50000"/>
+            </a:schemeClr>
+          </a:lnRef>
+          <a:fillRef idx="1">
+            <a:schemeClr val="accent1"/>
+          </a:fillRef>
+          <a:effectRef idx="0">
+            <a:schemeClr val="accent1"/>
+          </a:effectRef>
+          <a:fontRef idx="minor">
+            <a:schemeClr val="lt1"/>
+          </a:fontRef>
+        </p:style>
+        <p:txBody>
+          <a:bodyPr rot="0" spcFirstLastPara="0" vertOverflow="overflow" horzOverflow="overflow" vert="horz" wrap="square" lIns="91440" tIns="45720" rIns="91440" bIns="45720" numCol="1" spcCol="0" rtlCol="0" fromWordArt="0" anchor="ctr" anchorCtr="0" forceAA="0" compatLnSpc="1">
+            <a:prstTxWarp prst="textNoShape">
+              <a:avLst/>
+            </a:prstTxWarp>
+            <a:noAutofit/>
+          </a:bodyPr>
+          <a:lstStyle/>
+          <a:p>
+            <a:pPr algn="ctr"/>
+            <a:endParaRPr lang="en-US"/>
+          </a:p>
+        </p:txBody>
+      </p:sp>
+      <p:sp>
+        <p:nvSpPr>
+          <p:cNvPr id="109" name="Right Arrow 108">
+            <a:extLst>
+              <a:ext uri="{FF2B5EF4-FFF2-40B4-BE49-F238E27FC236}">
+                <a16:creationId xmlns:a16="http://schemas.microsoft.com/office/drawing/2014/main" id="{435DAFFA-6FFF-6502-19FC-3A1020010978}"/>
+              </a:ext>
+            </a:extLst>
+          </p:cNvPr>
+          <p:cNvSpPr/>
+          <p:nvPr/>
+        </p:nvSpPr>
+        <p:spPr>
+          <a:xfrm rot="5400000" flipV="1">
+            <a:off x="7601615" y="9764180"/>
+            <a:ext cx="521100" cy="437072"/>
+          </a:xfrm>
+          <a:prstGeom prst="rightArrow">
+            <a:avLst/>
+          </a:prstGeom>
+          <a:solidFill>
+            <a:schemeClr val="accent6">
+              <a:lumMod val="40000"/>
+              <a:lumOff val="60000"/>
+            </a:schemeClr>
+          </a:solidFill>
+          <a:ln>
+            <a:solidFill>
+              <a:srgbClr val="92D050"/>
+            </a:solidFill>
+          </a:ln>
+        </p:spPr>
+        <p:style>
+          <a:lnRef idx="2">
+            <a:schemeClr val="accent1">
+              <a:shade val="50000"/>
+            </a:schemeClr>
+          </a:lnRef>
+          <a:fillRef idx="1">
+            <a:schemeClr val="accent1"/>
+          </a:fillRef>
+          <a:effectRef idx="0">
+            <a:schemeClr val="accent1"/>
+          </a:effectRef>
+          <a:fontRef idx="minor">
+            <a:schemeClr val="lt1"/>
+          </a:fontRef>
+        </p:style>
+        <p:txBody>
+          <a:bodyPr rot="0" spcFirstLastPara="0" vertOverflow="overflow" horzOverflow="overflow" vert="horz" wrap="square" lIns="91440" tIns="45720" rIns="91440" bIns="45720" numCol="1" spcCol="0" rtlCol="0" fromWordArt="0" anchor="ctr" anchorCtr="0" forceAA="0" compatLnSpc="1">
+            <a:prstTxWarp prst="textNoShape">
+              <a:avLst/>
+            </a:prstTxWarp>
+            <a:noAutofit/>
+          </a:bodyPr>
+          <a:lstStyle/>
+          <a:p>
+            <a:pPr algn="ctr"/>
+            <a:endParaRPr lang="en-US"/>
+          </a:p>
+        </p:txBody>
+      </p:sp>
+      <p:sp>
+        <p:nvSpPr>
+          <p:cNvPr id="15" name="Bent Arrow 14">
+            <a:extLst>
+              <a:ext uri="{FF2B5EF4-FFF2-40B4-BE49-F238E27FC236}">
+                <a16:creationId xmlns:a16="http://schemas.microsoft.com/office/drawing/2014/main" id="{714F16D5-6173-41C0-DBBE-3D2FB334DD98}"/>
+              </a:ext>
+            </a:extLst>
+          </p:cNvPr>
+          <p:cNvSpPr/>
+          <p:nvPr/>
+        </p:nvSpPr>
+        <p:spPr>
+          <a:xfrm rot="10800000">
+            <a:off x="6613362" y="10932063"/>
+            <a:ext cx="1344369" cy="855722"/>
+          </a:xfrm>
+          <a:prstGeom prst="bentArrow">
+            <a:avLst>
+              <a:gd name="adj1" fmla="val 25000"/>
+              <a:gd name="adj2" fmla="val 23916"/>
+              <a:gd name="adj3" fmla="val 25000"/>
+              <a:gd name="adj4" fmla="val 43750"/>
+            </a:avLst>
+          </a:prstGeom>
+          <a:solidFill>
+            <a:schemeClr val="accent6">
+              <a:lumMod val="40000"/>
+              <a:lumOff val="60000"/>
+            </a:schemeClr>
+          </a:solidFill>
+          <a:ln>
+            <a:solidFill>
+              <a:srgbClr val="92D050"/>
+            </a:solidFill>
+          </a:ln>
+        </p:spPr>
+        <p:style>
+          <a:lnRef idx="2">
+            <a:schemeClr val="accent1">
+              <a:shade val="50000"/>
+            </a:schemeClr>
+          </a:lnRef>
+          <a:fillRef idx="1">
+            <a:schemeClr val="accent1"/>
+          </a:fillRef>
+          <a:effectRef idx="0">
+            <a:schemeClr val="accent1"/>
+          </a:effectRef>
+          <a:fontRef idx="minor">
+            <a:schemeClr val="lt1"/>
+          </a:fontRef>
+        </p:style>
+        <p:txBody>
+          <a:bodyPr rot="0" spcFirstLastPara="0" vertOverflow="overflow" horzOverflow="overflow" vert="horz" wrap="square" lIns="91440" tIns="45720" rIns="91440" bIns="45720" numCol="1" spcCol="0" rtlCol="0" fromWordArt="0" anchor="ctr" anchorCtr="0" forceAA="0" compatLnSpc="1">
+            <a:prstTxWarp prst="textNoShape">
+              <a:avLst/>
+            </a:prstTxWarp>
+            <a:noAutofit/>
+          </a:bodyPr>
+          <a:lstStyle/>
+          <a:p>
+            <a:pPr algn="ctr"/>
+            <a:endParaRPr lang="en-US"/>
+          </a:p>
+        </p:txBody>
+      </p:sp>
+      <p:sp>
+        <p:nvSpPr>
+          <p:cNvPr id="86" name="TextBox 85">
+            <a:extLst>
+              <a:ext uri="{FF2B5EF4-FFF2-40B4-BE49-F238E27FC236}">
+                <a16:creationId xmlns:a16="http://schemas.microsoft.com/office/drawing/2014/main" id="{2ED61318-2BDB-50E3-78A9-02F1EBA34AA4}"/>
+              </a:ext>
+            </a:extLst>
+          </p:cNvPr>
+          <p:cNvSpPr txBox="1"/>
+          <p:nvPr/>
+        </p:nvSpPr>
+        <p:spPr>
+          <a:xfrm>
+            <a:off x="7411166" y="603605"/>
+            <a:ext cx="3541996" cy="923330"/>
+          </a:xfrm>
+          <a:prstGeom prst="rect">
+            <a:avLst/>
+          </a:prstGeom>
+          <a:noFill/>
+        </p:spPr>
+        <p:txBody>
+          <a:bodyPr wrap="square" rtlCol="0">
+            <a:spAutoFit/>
+          </a:bodyPr>
+          <a:lstStyle/>
+          <a:p>
+            <a:pPr algn="ctr"/>
+            <a:r>
+              <a:rPr lang="en-US" dirty="0"/>
+              <a:t>B1) Searched processed names across 253 chronogram in </a:t>
+            </a:r>
+          </a:p>
+          <a:p>
+            <a:pPr algn="ctr"/>
+            <a:r>
+              <a:rPr lang="en-US" dirty="0" err="1"/>
+              <a:t>DateLife’s</a:t>
+            </a:r>
+            <a:r>
+              <a:rPr lang="en-US" dirty="0"/>
+              <a:t> database v0.6.2</a:t>
+            </a:r>
+          </a:p>
+        </p:txBody>
+      </p:sp>
+      <p:grpSp>
+        <p:nvGrpSpPr>
+          <p:cNvPr id="11" name="Group 10">
+            <a:extLst>
+              <a:ext uri="{FF2B5EF4-FFF2-40B4-BE49-F238E27FC236}">
+                <a16:creationId xmlns:a16="http://schemas.microsoft.com/office/drawing/2014/main" id="{A4FCA575-E1C5-8C4D-B1D6-2FFBC24C5AB6}"/>
+              </a:ext>
+            </a:extLst>
+          </p:cNvPr>
+          <p:cNvGrpSpPr/>
+          <p:nvPr/>
+        </p:nvGrpSpPr>
+        <p:grpSpPr>
+          <a:xfrm>
+            <a:off x="13742997" y="8141896"/>
+            <a:ext cx="1300551" cy="776588"/>
+            <a:chOff x="8180912" y="11275546"/>
+            <a:chExt cx="2375842" cy="1418668"/>
+          </a:xfrm>
+        </p:grpSpPr>
+        <p:sp>
+          <p:nvSpPr>
+            <p:cNvPr id="75" name="Oval 74">
+              <a:extLst>
+                <a:ext uri="{FF2B5EF4-FFF2-40B4-BE49-F238E27FC236}">
+                  <a16:creationId xmlns:a16="http://schemas.microsoft.com/office/drawing/2014/main" id="{66733C3A-6073-074C-855E-12BAA4E4B6F0}"/>
+                </a:ext>
+              </a:extLst>
+            </p:cNvPr>
+            <p:cNvSpPr/>
+            <p:nvPr/>
+          </p:nvSpPr>
+          <p:spPr>
+            <a:xfrm>
+              <a:off x="8180912" y="11275546"/>
+              <a:ext cx="2375842" cy="1418668"/>
+            </a:xfrm>
+            <a:prstGeom prst="ellipse">
+              <a:avLst/>
+            </a:prstGeom>
+            <a:solidFill>
+              <a:srgbClr val="02819C">
+                <a:alpha val="82000"/>
+              </a:srgbClr>
+            </a:solidFill>
+            <a:ln>
+              <a:noFill/>
+            </a:ln>
+          </p:spPr>
+          <p:style>
+            <a:lnRef idx="2">
+              <a:schemeClr val="accent1">
+                <a:shade val="50000"/>
+              </a:schemeClr>
+            </a:lnRef>
+            <a:fillRef idx="1">
+              <a:schemeClr val="accent1"/>
+            </a:fillRef>
+            <a:effectRef idx="0">
+              <a:schemeClr val="accent1"/>
+            </a:effectRef>
+            <a:fontRef idx="minor">
+              <a:schemeClr val="lt1"/>
+            </a:fontRef>
+          </p:style>
+          <p:txBody>
+            <a:bodyPr rtlCol="0" anchor="ctr"/>
+            <a:lstStyle/>
+            <a:p>
+              <a:pPr algn="ctr"/>
+              <a:endParaRPr lang="en-US"/>
+            </a:p>
+          </p:txBody>
+        </p:sp>
+        <p:pic>
+          <p:nvPicPr>
+            <p:cNvPr id="97" name="Picture 96">
+              <a:extLst>
+                <a:ext uri="{FF2B5EF4-FFF2-40B4-BE49-F238E27FC236}">
+                  <a16:creationId xmlns:a16="http://schemas.microsoft.com/office/drawing/2014/main" id="{C168BD8B-D308-A64A-BC8A-C8331892755D}"/>
+                </a:ext>
+              </a:extLst>
+            </p:cNvPr>
+            <p:cNvPicPr>
+              <a:picLocks noChangeAspect="1"/>
+            </p:cNvPicPr>
+            <p:nvPr/>
+          </p:nvPicPr>
+          <p:blipFill>
+            <a:blip r:embed="rId22"/>
+            <a:stretch>
+              <a:fillRect/>
+            </a:stretch>
+          </p:blipFill>
+          <p:spPr>
+            <a:xfrm>
+              <a:off x="8527315" y="11563610"/>
+              <a:ext cx="1705767" cy="815394"/>
+            </a:xfrm>
+            <a:prstGeom prst="rect">
+              <a:avLst/>
+            </a:prstGeom>
+          </p:spPr>
+        </p:pic>
+      </p:grpSp>
+      <p:sp>
+        <p:nvSpPr>
+          <p:cNvPr id="113" name="TextBox 112">
+            <a:extLst>
+              <a:ext uri="{FF2B5EF4-FFF2-40B4-BE49-F238E27FC236}">
+                <a16:creationId xmlns:a16="http://schemas.microsoft.com/office/drawing/2014/main" id="{52F09448-4E42-B196-9B41-AD6031D0AF2D}"/>
+              </a:ext>
+            </a:extLst>
+          </p:cNvPr>
+          <p:cNvSpPr txBox="1"/>
+          <p:nvPr/>
+        </p:nvSpPr>
+        <p:spPr>
+          <a:xfrm>
+            <a:off x="11590335" y="612822"/>
+            <a:ext cx="3486566" cy="923330"/>
+          </a:xfrm>
+          <a:prstGeom prst="rect">
+            <a:avLst/>
+          </a:prstGeom>
+          <a:noFill/>
+        </p:spPr>
+        <p:txBody>
+          <a:bodyPr wrap="square" rtlCol="0">
+            <a:spAutoFit/>
+          </a:bodyPr>
+          <a:lstStyle/>
+          <a:p>
+            <a:pPr algn="ctr"/>
+            <a:r>
+              <a:rPr lang="en-US" dirty="0"/>
+              <a:t>B2) Search resulted in 9 source chronograms from 6 independent, published studies.</a:t>
+            </a:r>
+          </a:p>
+        </p:txBody>
+      </p:sp>
+      <p:sp>
+        <p:nvSpPr>
+          <p:cNvPr id="114" name="Right Arrow 113">
+            <a:extLst>
+              <a:ext uri="{FF2B5EF4-FFF2-40B4-BE49-F238E27FC236}">
+                <a16:creationId xmlns:a16="http://schemas.microsoft.com/office/drawing/2014/main" id="{26A8EB4A-BAB6-E2F6-6130-7DDCA31F658B}"/>
+              </a:ext>
+            </a:extLst>
+          </p:cNvPr>
+          <p:cNvSpPr/>
+          <p:nvPr/>
+        </p:nvSpPr>
+        <p:spPr>
+          <a:xfrm flipV="1">
+            <a:off x="10957931" y="725783"/>
+            <a:ext cx="597965" cy="557876"/>
+          </a:xfrm>
+          <a:prstGeom prst="rightArrow">
+            <a:avLst/>
+          </a:prstGeom>
+          <a:solidFill>
+            <a:schemeClr val="accent6">
+              <a:lumMod val="40000"/>
+              <a:lumOff val="60000"/>
+            </a:schemeClr>
+          </a:solidFill>
+          <a:ln>
+            <a:solidFill>
+              <a:srgbClr val="92D050"/>
+            </a:solidFill>
+          </a:ln>
+        </p:spPr>
+        <p:style>
+          <a:lnRef idx="2">
+            <a:schemeClr val="accent1">
+              <a:shade val="50000"/>
+            </a:schemeClr>
+          </a:lnRef>
+          <a:fillRef idx="1">
+            <a:schemeClr val="accent1"/>
+          </a:fillRef>
+          <a:effectRef idx="0">
+            <a:schemeClr val="accent1"/>
+          </a:effectRef>
+          <a:fontRef idx="minor">
+            <a:schemeClr val="lt1"/>
+          </a:fontRef>
+        </p:style>
+        <p:txBody>
+          <a:bodyPr rot="0" spcFirstLastPara="0" vertOverflow="overflow" horzOverflow="overflow" vert="horz" wrap="square" lIns="91440" tIns="45720" rIns="91440" bIns="45720" numCol="1" spcCol="0" rtlCol="0" fromWordArt="0" anchor="ctr" anchorCtr="0" forceAA="0" compatLnSpc="1">
+            <a:prstTxWarp prst="textNoShape">
+              <a:avLst/>
+            </a:prstTxWarp>
+            <a:noAutofit/>
+          </a:bodyPr>
+          <a:lstStyle/>
+          <a:p>
+            <a:pPr algn="ctr"/>
+            <a:endParaRPr lang="en-US"/>
+          </a:p>
+        </p:txBody>
+      </p:sp>
+      <p:pic>
+        <p:nvPicPr>
+          <p:cNvPr id="116" name="Graphic 115">
+            <a:extLst>
+              <a:ext uri="{FF2B5EF4-FFF2-40B4-BE49-F238E27FC236}">
+                <a16:creationId xmlns:a16="http://schemas.microsoft.com/office/drawing/2014/main" id="{6ACC12CA-6D7B-D698-744F-12AFBA5B722C}"/>
+              </a:ext>
+            </a:extLst>
+          </p:cNvPr>
+          <p:cNvPicPr>
+            <a:picLocks noChangeAspect="1"/>
+          </p:cNvPicPr>
+          <p:nvPr/>
+        </p:nvPicPr>
+        <p:blipFill>
+          <a:blip r:embed="rId23">
+            <a:extLst>
+              <a:ext uri="{96DAC541-7B7A-43D3-8B79-37D633B846F1}">
+                <asvg:svgBlip xmlns:asvg="http://schemas.microsoft.com/office/drawing/2016/SVG/main" r:embed="rId24"/>
+              </a:ext>
+            </a:extLst>
+          </a:blip>
+          <a:stretch>
+            <a:fillRect/>
+          </a:stretch>
+        </p:blipFill>
+        <p:spPr>
+          <a:xfrm>
+            <a:off x="64392" y="4402697"/>
+            <a:ext cx="7040816" cy="6989202"/>
+          </a:xfrm>
+          <a:prstGeom prst="roundRect">
+            <a:avLst/>
+          </a:prstGeom>
+        </p:spPr>
+      </p:pic>
+      <p:sp>
+        <p:nvSpPr>
+          <p:cNvPr id="106" name="TextBox 105">
+            <a:extLst>
+              <a:ext uri="{FF2B5EF4-FFF2-40B4-BE49-F238E27FC236}">
+                <a16:creationId xmlns:a16="http://schemas.microsoft.com/office/drawing/2014/main" id="{73C7B186-FAE6-6325-8506-447E52B4B2DC}"/>
+              </a:ext>
+            </a:extLst>
+          </p:cNvPr>
+          <p:cNvSpPr txBox="1"/>
+          <p:nvPr/>
+        </p:nvSpPr>
+        <p:spPr>
+          <a:xfrm>
+            <a:off x="576654" y="11391898"/>
+            <a:ext cx="6003461" cy="369332"/>
+          </a:xfrm>
+          <a:prstGeom prst="rect">
+            <a:avLst/>
+          </a:prstGeom>
+          <a:noFill/>
+        </p:spPr>
+        <p:txBody>
+          <a:bodyPr wrap="square" rtlCol="0">
+            <a:spAutoFit/>
+          </a:bodyPr>
+          <a:lstStyle/>
+          <a:p>
+            <a:pPr algn="r"/>
+            <a:r>
+              <a:rPr lang="en-US" dirty="0"/>
+              <a:t>C4) Use ages of congruent nodes to </a:t>
+            </a:r>
+            <a:r>
+              <a:rPr lang="en-US" b="1" dirty="0"/>
+              <a:t>date a tree topology.</a:t>
+            </a:r>
+          </a:p>
+        </p:txBody>
+      </p:sp>
+      <p:sp>
+        <p:nvSpPr>
+          <p:cNvPr id="108" name="TextBox 107">
+            <a:extLst>
+              <a:ext uri="{FF2B5EF4-FFF2-40B4-BE49-F238E27FC236}">
+                <a16:creationId xmlns:a16="http://schemas.microsoft.com/office/drawing/2014/main" id="{B7555BE4-1CC4-5C27-EC59-4F86E50FD3DD}"/>
+              </a:ext>
+            </a:extLst>
+          </p:cNvPr>
+          <p:cNvSpPr txBox="1"/>
+          <p:nvPr/>
+        </p:nvSpPr>
+        <p:spPr>
+          <a:xfrm>
+            <a:off x="6939209" y="10319987"/>
+            <a:ext cx="2405151" cy="646331"/>
+          </a:xfrm>
+          <a:prstGeom prst="rect">
+            <a:avLst/>
+          </a:prstGeom>
+          <a:noFill/>
+        </p:spPr>
+        <p:txBody>
+          <a:bodyPr wrap="square" rtlCol="0">
+            <a:spAutoFit/>
+          </a:bodyPr>
+          <a:lstStyle/>
+          <a:p>
+            <a:r>
+              <a:rPr lang="en-US" dirty="0"/>
+              <a:t>C3) </a:t>
+            </a:r>
+            <a:r>
+              <a:rPr lang="en-US" b="1" dirty="0"/>
+              <a:t>Summarize</a:t>
+            </a:r>
+            <a:r>
+              <a:rPr lang="en-US" dirty="0"/>
+              <a:t> ages. See Table 2.</a:t>
+            </a:r>
+          </a:p>
+        </p:txBody>
+      </p:sp>
     </p:spTree>
     <p:extLst>
       <p:ext uri="{BB962C8B-B14F-4D97-AF65-F5344CB8AC3E}">
-        <p14:creationId xmlns:p14="http://schemas.microsoft.com/office/powerpoint/2010/main" val="3223048988"/>
+        <p14:creationId xmlns:p14="http://schemas.microsoft.com/office/powerpoint/2010/main" val="1808181334"/>
       </p:ext>
     </p:extLst>
   </p:cSld>
